--- a/cpu_caches.pptx
+++ b/cpu_caches.pptx
@@ -24,33 +24,33 @@
     <p:sldId id="300" r:id="rId15"/>
     <p:sldId id="302" r:id="rId16"/>
     <p:sldId id="303" r:id="rId17"/>
-    <p:sldId id="297" r:id="rId18"/>
-    <p:sldId id="263" r:id="rId19"/>
-    <p:sldId id="264" r:id="rId20"/>
-    <p:sldId id="268" r:id="rId21"/>
-    <p:sldId id="269" r:id="rId22"/>
-    <p:sldId id="270" r:id="rId23"/>
-    <p:sldId id="271" r:id="rId24"/>
-    <p:sldId id="273" r:id="rId25"/>
-    <p:sldId id="274" r:id="rId26"/>
-    <p:sldId id="275" r:id="rId27"/>
-    <p:sldId id="276" r:id="rId28"/>
-    <p:sldId id="277" r:id="rId29"/>
-    <p:sldId id="282" r:id="rId30"/>
-    <p:sldId id="283" r:id="rId31"/>
-    <p:sldId id="306" r:id="rId32"/>
-    <p:sldId id="284" r:id="rId33"/>
-    <p:sldId id="285" r:id="rId34"/>
-    <p:sldId id="286" r:id="rId35"/>
-    <p:sldId id="287" r:id="rId36"/>
-    <p:sldId id="288" r:id="rId37"/>
-    <p:sldId id="289" r:id="rId38"/>
-    <p:sldId id="290" r:id="rId39"/>
-    <p:sldId id="291" r:id="rId40"/>
-    <p:sldId id="307" r:id="rId41"/>
-    <p:sldId id="292" r:id="rId42"/>
-    <p:sldId id="293" r:id="rId43"/>
-    <p:sldId id="294" r:id="rId44"/>
+    <p:sldId id="309" r:id="rId18"/>
+    <p:sldId id="310" r:id="rId19"/>
+    <p:sldId id="297" r:id="rId20"/>
+    <p:sldId id="263" r:id="rId21"/>
+    <p:sldId id="264" r:id="rId22"/>
+    <p:sldId id="268" r:id="rId23"/>
+    <p:sldId id="269" r:id="rId24"/>
+    <p:sldId id="270" r:id="rId25"/>
+    <p:sldId id="271" r:id="rId26"/>
+    <p:sldId id="274" r:id="rId27"/>
+    <p:sldId id="275" r:id="rId28"/>
+    <p:sldId id="276" r:id="rId29"/>
+    <p:sldId id="277" r:id="rId30"/>
+    <p:sldId id="306" r:id="rId31"/>
+    <p:sldId id="284" r:id="rId32"/>
+    <p:sldId id="285" r:id="rId33"/>
+    <p:sldId id="286" r:id="rId34"/>
+    <p:sldId id="287" r:id="rId35"/>
+    <p:sldId id="288" r:id="rId36"/>
+    <p:sldId id="289" r:id="rId37"/>
+    <p:sldId id="290" r:id="rId38"/>
+    <p:sldId id="291" r:id="rId39"/>
+    <p:sldId id="307" r:id="rId40"/>
+    <p:sldId id="292" r:id="rId41"/>
+    <p:sldId id="293" r:id="rId42"/>
+    <p:sldId id="294" r:id="rId43"/>
+    <p:sldId id="311" r:id="rId44"/>
     <p:sldId id="295" r:id="rId45"/>
   </p:sldIdLst>
   <p:sldSz cx="9144000" cy="6858000" type="screen4x3"/>
@@ -1518,148 +1518,9 @@
           <a:bodyPr/>
           <a:lstStyle/>
           <a:p>
-            <a:pPr marL="171450" indent="-171450">
-              <a:buFont typeface="Arial"/>
-              <a:buChar char="•"/>
-            </a:pPr>
-            <a:r>
-              <a:rPr lang="en-US" dirty="0" err="1" smtClean="0"/>
-              <a:t>Westmere</a:t>
-            </a:r>
-            <a:r>
-              <a:rPr lang="en-US" dirty="0" smtClean="0"/>
-              <a:t> was the 32nm die shrink of </a:t>
-            </a:r>
-            <a:r>
-              <a:rPr lang="en-US" dirty="0" smtClean="0"/>
-              <a:t>Nehalem from 45nm.  </a:t>
-            </a:r>
-            <a:r>
-              <a:rPr lang="en-US" dirty="0" smtClean="0"/>
-              <a:t>Ivy Bridge uses </a:t>
-            </a:r>
-            <a:r>
-              <a:rPr lang="en-US" dirty="0" smtClean="0"/>
-              <a:t>22nm,</a:t>
-            </a:r>
-            <a:r>
-              <a:rPr lang="en-US" baseline="0" dirty="0" smtClean="0"/>
-              <a:t> but the Sandy Bridge architecture.</a:t>
-            </a:r>
-            <a:endParaRPr lang="en-US" dirty="0" smtClean="0"/>
-          </a:p>
-          <a:p>
-            <a:pPr marL="171450" indent="-171450">
-              <a:buFont typeface="Arial"/>
-              <a:buChar char="•"/>
-            </a:pPr>
-            <a:r>
-              <a:rPr lang="en-US" dirty="0" smtClean="0"/>
-              <a:t>I'm </a:t>
-            </a:r>
-            <a:r>
-              <a:rPr lang="en-US" dirty="0" smtClean="0"/>
-              <a:t>ignoring Oracle SPARC here, but note that Oracle is supposedly building a 16K core </a:t>
-            </a:r>
-            <a:r>
-              <a:rPr lang="en-US" dirty="0" err="1" smtClean="0"/>
-              <a:t>UltraSPARC</a:t>
-            </a:r>
-            <a:r>
-              <a:rPr lang="en-US" dirty="0" smtClean="0"/>
-              <a:t> 64.  </a:t>
-            </a:r>
-            <a:endParaRPr lang="en-US" dirty="0" smtClean="0"/>
-          </a:p>
-          <a:p>
-            <a:pPr marL="171450" indent="-171450">
-              <a:buFont typeface="Arial"/>
-              <a:buChar char="•"/>
-            </a:pPr>
-            <a:r>
-              <a:rPr lang="en-US" dirty="0" smtClean="0"/>
-              <a:t>Current </a:t>
-            </a:r>
-            <a:r>
-              <a:rPr lang="en-US" dirty="0" smtClean="0"/>
-              <a:t>Intel top of the line is Xeon E7-8870 (8 </a:t>
-            </a:r>
-            <a:r>
-              <a:rPr lang="en-US" dirty="0" smtClean="0"/>
-              <a:t>cores per socket, </a:t>
-            </a:r>
-            <a:r>
-              <a:rPr lang="en-US" dirty="0" smtClean="0"/>
-              <a:t>32MB L3, 4TB RAM), but it's a </a:t>
-            </a:r>
-            <a:r>
-              <a:rPr lang="en-US" dirty="0" err="1" smtClean="0"/>
-              <a:t>Westmere</a:t>
-            </a:r>
-            <a:r>
-              <a:rPr lang="en-US" dirty="0" smtClean="0"/>
-              <a:t>-based </a:t>
-            </a:r>
-            <a:r>
-              <a:rPr lang="en-US" dirty="0" smtClean="0"/>
-              <a:t>microarchitecture</a:t>
-            </a:r>
-            <a:r>
-              <a:rPr lang="en-US" baseline="0" dirty="0" smtClean="0"/>
-              <a:t> and doesn’t have the Sandy Bridge improvements.</a:t>
-            </a:r>
-            <a:endParaRPr lang="en-US" dirty="0" smtClean="0"/>
-          </a:p>
-          <a:p>
-            <a:pPr marL="171450" indent="-171450">
-              <a:buFont typeface="Arial"/>
-              <a:buChar char="•"/>
-            </a:pPr>
-            <a:r>
-              <a:rPr lang="en-US" dirty="0" smtClean="0"/>
-              <a:t>The </a:t>
-            </a:r>
-            <a:r>
-              <a:rPr lang="en-US" dirty="0" smtClean="0"/>
-              <a:t>E5-2600 </a:t>
-            </a:r>
-            <a:r>
-              <a:rPr lang="en-US" dirty="0" err="1" smtClean="0"/>
-              <a:t>Romley</a:t>
-            </a:r>
-            <a:r>
-              <a:rPr lang="en-US" dirty="0" smtClean="0"/>
-              <a:t> is the top shelf new Sandy Bridge offering - it's specs don't sound as mighty (8 cores per socket, max 30MB L3, 1TB RAM).  Don't be fooled, the Direct Data IO makes up for it as disks network cards can do DMA (Direct Memory Access) from L3, not RAM, decreasing latency by ~18%.  Also has two memory read ports, whereas previous architectures only had one and were a bottleneck for math-intensive applications.  </a:t>
-            </a:r>
-            <a:endParaRPr lang="en-US" dirty="0" smtClean="0"/>
-          </a:p>
-          <a:p>
-            <a:pPr marL="171450" indent="-171450">
-              <a:buFont typeface="Arial"/>
-              <a:buChar char="•"/>
-            </a:pPr>
-            <a:r>
-              <a:rPr lang="en-US" dirty="0" smtClean="0"/>
-              <a:t>Sandy </a:t>
-            </a:r>
-            <a:r>
-              <a:rPr lang="en-US" dirty="0" smtClean="0"/>
-              <a:t>Bridge is 4-30MB (8MB is currently max for mobile platforms, even with Ivy Bridge), includes the processor graphics.  </a:t>
-            </a:r>
-            <a:endParaRPr lang="en-US" dirty="0" smtClean="0"/>
-          </a:p>
-          <a:p>
-            <a:pPr marL="171450" indent="-171450">
-              <a:buFont typeface="Arial"/>
-              <a:buChar char="•"/>
-            </a:pPr>
-            <a:r>
-              <a:rPr lang="en-US" dirty="0" smtClean="0"/>
-              <a:t>Sandy</a:t>
-            </a:r>
-            <a:r>
-              <a:rPr lang="en-US" dirty="0" smtClean="0"/>
-              <a:t>/Ivy Bridge and Bulldozer support the new AVX (Advanced Vector Extensions) instruction set of x86.</a:t>
+            <a:r>
+              <a:rPr lang="en-US" dirty="0" smtClean="0"/>
+              <a:t>The number of circuits per datum means that SRAM can never be dense.</a:t>
             </a:r>
             <a:endParaRPr lang="en-US" dirty="0"/>
           </a:p>
@@ -1682,7 +1543,7 @@
           <a:p>
             <a:fld id="{6FB72C01-34E9-E14B-AAE2-412FD825F959}" type="slidenum">
               <a:rPr lang="en-US" smtClean="0"/>
-              <a:t>18</a:t>
+              <a:t>17</a:t>
             </a:fld>
             <a:endParaRPr lang="en-US"/>
           </a:p>
@@ -1691,7 +1552,7 @@
     </p:spTree>
     <p:extLst>
       <p:ext uri="{BB962C8B-B14F-4D97-AF65-F5344CB8AC3E}">
-        <p14:creationId xmlns:p14="http://schemas.microsoft.com/office/powerpoint/2010/main" val="2502339220"/>
+        <p14:creationId xmlns:p14="http://schemas.microsoft.com/office/powerpoint/2010/main" val="1039353368"/>
       </p:ext>
     </p:extLst>
   </p:cSld>
@@ -1751,11 +1612,15 @@
             </a:pPr>
             <a:r>
               <a:rPr lang="en-US" dirty="0" smtClean="0"/>
-              <a:t>The problem with these numbers is that while they're not far off, the lowest level cache interactions (registers, store buffers, L0, L1) are truly measured in cycles, not </a:t>
-            </a:r>
-            <a:r>
-              <a:rPr lang="en-US" dirty="0" smtClean="0"/>
-              <a:t>time</a:t>
+              <a:t>One </a:t>
+            </a:r>
+            <a:r>
+              <a:rPr lang="en-US" dirty="0" smtClean="0"/>
+              <a:t>transistor, one </a:t>
+            </a:r>
+            <a:r>
+              <a:rPr lang="en-US" dirty="0" smtClean="0"/>
+              <a:t>capacitor</a:t>
             </a:r>
           </a:p>
           <a:p>
@@ -1765,15 +1630,15 @@
             </a:pPr>
             <a:r>
               <a:rPr lang="en-US" dirty="0" smtClean="0"/>
-              <a:t>Also known as Fetch and Execute</a:t>
-            </a:r>
-            <a:r>
-              <a:rPr lang="en-US" baseline="0" dirty="0" smtClean="0"/>
-              <a:t> or </a:t>
-            </a:r>
-            <a:r>
-              <a:rPr lang="en-US" dirty="0" smtClean="0"/>
-              <a:t>Fetch-Decode-Execute Cycle (FDX), retrieve instruction from memory, determine actions required and carry them out; ~1/3 of a nanosecond</a:t>
+              <a:t>Reading </a:t>
+            </a:r>
+            <a:r>
+              <a:rPr lang="en-US" dirty="0" smtClean="0"/>
+              <a:t>contiguous memory is faster than random access due to how you read - you get one write combining buffer at a time from each of the memory banks, 33% slower.  240 cycles to get data from </a:t>
+            </a:r>
+            <a:r>
+              <a:rPr lang="en-US" dirty="0" smtClean="0"/>
+              <a:t>here</a:t>
             </a:r>
           </a:p>
           <a:p>
@@ -1781,6 +1646,110 @@
               <a:buFont typeface="Arial"/>
               <a:buChar char="•"/>
             </a:pPr>
+            <a:r>
+              <a:rPr lang="en-US" dirty="0" smtClean="0"/>
+              <a:t>E7</a:t>
+            </a:r>
+            <a:r>
+              <a:rPr lang="en-US" dirty="0" smtClean="0"/>
+              <a:t>-8870 (</a:t>
+            </a:r>
+            <a:r>
+              <a:rPr lang="en-US" dirty="0" err="1" smtClean="0"/>
+              <a:t>Westmere</a:t>
+            </a:r>
+            <a:r>
+              <a:rPr lang="en-US" dirty="0" smtClean="0"/>
+              <a:t>) can hold 4TB of RAM, E5-2600 Sandy Bridge "only" </a:t>
+            </a:r>
+            <a:r>
+              <a:rPr lang="en-US" dirty="0" smtClean="0"/>
+              <a:t>1TB</a:t>
+            </a:r>
+          </a:p>
+          <a:p>
+            <a:pPr marL="171450" indent="-171450">
+              <a:buFont typeface="Arial"/>
+              <a:buChar char="•"/>
+            </a:pPr>
+            <a:r>
+              <a:rPr lang="en-US" dirty="0" smtClean="0"/>
+              <a:t>DDR3-SDRAM</a:t>
+            </a:r>
+            <a:r>
+              <a:rPr lang="en-US" baseline="0" dirty="0" smtClean="0"/>
+              <a:t>: </a:t>
+            </a:r>
+          </a:p>
+          <a:p>
+            <a:pPr marL="628650" lvl="1" indent="-171450">
+              <a:buFont typeface="Arial"/>
+              <a:buChar char="•"/>
+            </a:pPr>
+            <a:r>
+              <a:rPr lang="en-US" dirty="0" smtClean="0"/>
+              <a:t>Double Data Rate, Synchronous Dynamic</a:t>
+            </a:r>
+          </a:p>
+          <a:p>
+            <a:pPr marL="628650" lvl="1" indent="-171450">
+              <a:buFont typeface="Arial"/>
+              <a:buChar char="•"/>
+            </a:pPr>
+            <a:r>
+              <a:rPr lang="en-US" dirty="0" smtClean="0"/>
+              <a:t>Has a high-bandwidth three-channel interface</a:t>
+            </a:r>
+          </a:p>
+          <a:p>
+            <a:pPr marL="628650" lvl="1" indent="-171450">
+              <a:buFont typeface="Arial"/>
+              <a:buChar char="•"/>
+            </a:pPr>
+            <a:r>
+              <a:rPr lang="en-US" dirty="0" smtClean="0"/>
+              <a:t>Reduces power consumption 30% over DDR2</a:t>
+            </a:r>
+          </a:p>
+          <a:p>
+            <a:pPr marL="628650" lvl="1" indent="-171450">
+              <a:buFont typeface="Arial"/>
+              <a:buChar char="•"/>
+            </a:pPr>
+            <a:r>
+              <a:rPr lang="en-US" dirty="0" smtClean="0"/>
+              <a:t>Data is transferred on the rising and falling edges of a 400-1066 MHz I/O clock of the system</a:t>
+            </a:r>
+          </a:p>
+          <a:p>
+            <a:pPr marL="628650" marR="0" lvl="1" indent="-171450" algn="l" defTabSz="457200" rtl="0" eaLnBrk="1" fontAlgn="auto" latinLnBrk="0" hangingPunct="1">
+              <a:lnSpc>
+                <a:spcPct val="100000"/>
+              </a:lnSpc>
+              <a:spcBef>
+                <a:spcPts val="0"/>
+              </a:spcBef>
+              <a:spcAft>
+                <a:spcPts val="0"/>
+              </a:spcAft>
+              <a:buClrTx/>
+              <a:buSzTx/>
+              <a:buFont typeface="Arial"/>
+              <a:buChar char="•"/>
+              <a:tabLst/>
+              <a:defRPr/>
+            </a:pPr>
+            <a:r>
+              <a:rPr lang="en-US" baseline="0" dirty="0" smtClean="0"/>
+              <a:t>DDR4 and 5 are coming, or are here with GPGPUs.  DDR3L is for lower energy usage</a:t>
+            </a:r>
+            <a:endParaRPr lang="en-US" dirty="0" smtClean="0"/>
+          </a:p>
+          <a:p>
+            <a:pPr marL="0" indent="0">
+              <a:buFont typeface="Arial"/>
+              <a:buNone/>
+            </a:pPr>
             <a:endParaRPr lang="en-US" dirty="0"/>
           </a:p>
         </p:txBody>
@@ -1802,7 +1771,7 @@
           <a:p>
             <a:fld id="{6FB72C01-34E9-E14B-AAE2-412FD825F959}" type="slidenum">
               <a:rPr lang="en-US" smtClean="0"/>
-              <a:t>20</a:t>
+              <a:t>18</a:t>
             </a:fld>
             <a:endParaRPr lang="en-US"/>
           </a:p>
@@ -1811,7 +1780,7 @@
     </p:spTree>
     <p:extLst>
       <p:ext uri="{BB962C8B-B14F-4D97-AF65-F5344CB8AC3E}">
-        <p14:creationId xmlns:p14="http://schemas.microsoft.com/office/powerpoint/2010/main" val="1871364894"/>
+        <p14:creationId xmlns:p14="http://schemas.microsoft.com/office/powerpoint/2010/main" val="3370599138"/>
       </p:ext>
     </p:extLst>
   </p:cSld>
@@ -1870,13 +1839,30 @@
               <a:buChar char="•"/>
             </a:pPr>
             <a:r>
-              <a:rPr lang="en-US" dirty="0" smtClean="0"/>
-              <a:t>Sandy Bridge has 2 load/store operations for each memory </a:t>
-            </a:r>
-            <a:r>
-              <a:rPr lang="en-US" dirty="0" smtClean="0"/>
-              <a:t>channel</a:t>
-            </a:r>
+              <a:rPr lang="en-US" dirty="0" err="1" smtClean="0"/>
+              <a:t>Westmere</a:t>
+            </a:r>
+            <a:r>
+              <a:rPr lang="en-US" dirty="0" smtClean="0"/>
+              <a:t> was the 32nm die shrink of </a:t>
+            </a:r>
+            <a:r>
+              <a:rPr lang="en-US" dirty="0" smtClean="0"/>
+              <a:t>Nehalem from 45nm.  </a:t>
+            </a:r>
+            <a:r>
+              <a:rPr lang="en-US" dirty="0" smtClean="0"/>
+              <a:t>Ivy Bridge uses </a:t>
+            </a:r>
+            <a:r>
+              <a:rPr lang="en-US" dirty="0" smtClean="0"/>
+              <a:t>22nm,</a:t>
+            </a:r>
+            <a:r>
+              <a:rPr lang="en-US" baseline="0" dirty="0" smtClean="0"/>
+              <a:t> but the Sandy Bridge architecture</a:t>
+            </a:r>
+            <a:endParaRPr lang="en-US" dirty="0" smtClean="0"/>
           </a:p>
           <a:p>
             <a:pPr marL="171450" indent="-171450">
@@ -1885,13 +1871,107 @@
             </a:pPr>
             <a:r>
               <a:rPr lang="en-US" dirty="0" smtClean="0"/>
-              <a:t>Low values are because the pre-fetcher</a:t>
+              <a:t>I'm </a:t>
+            </a:r>
+            <a:r>
+              <a:rPr lang="en-US" dirty="0" smtClean="0"/>
+              <a:t>ignoring Oracle SPARC here, but note that Oracle is supposedly building a 16K core </a:t>
+            </a:r>
+            <a:r>
+              <a:rPr lang="en-US" dirty="0" err="1" smtClean="0"/>
+              <a:t>UltraSPARC</a:t>
+            </a:r>
+            <a:r>
+              <a:rPr lang="en-US" dirty="0" smtClean="0"/>
+              <a:t> </a:t>
+            </a:r>
+            <a:r>
+              <a:rPr lang="en-US" dirty="0" smtClean="0"/>
+              <a:t>64</a:t>
+            </a:r>
+          </a:p>
+          <a:p>
+            <a:pPr marL="171450" indent="-171450">
+              <a:buFont typeface="Arial"/>
+              <a:buChar char="•"/>
+            </a:pPr>
+            <a:r>
+              <a:rPr lang="en-US" dirty="0" smtClean="0"/>
+              <a:t>Current </a:t>
+            </a:r>
+            <a:r>
+              <a:rPr lang="en-US" dirty="0" smtClean="0"/>
+              <a:t>Intel top of the line is Xeon E7-8870 (8 </a:t>
+            </a:r>
+            <a:r>
+              <a:rPr lang="en-US" dirty="0" smtClean="0"/>
+              <a:t>cores per socket, </a:t>
+            </a:r>
+            <a:r>
+              <a:rPr lang="en-US" dirty="0" smtClean="0"/>
+              <a:t>32MB L3, 4TB RAM), but it's a </a:t>
+            </a:r>
+            <a:r>
+              <a:rPr lang="en-US" dirty="0" err="1" smtClean="0"/>
+              <a:t>Westmere</a:t>
+            </a:r>
+            <a:r>
+              <a:rPr lang="en-US" dirty="0" smtClean="0"/>
+              <a:t>-based </a:t>
+            </a:r>
+            <a:r>
+              <a:rPr lang="en-US" dirty="0" smtClean="0"/>
+              <a:t>microarchitecture</a:t>
             </a:r>
             <a:r>
               <a:rPr lang="en-US" baseline="0" dirty="0" smtClean="0"/>
-              <a:t> is hiding real latency in these tests when “striding” memory</a:t>
-            </a:r>
-            <a:endParaRPr lang="en-US" dirty="0"/>
+              <a:t> and doesn’t have the Sandy Bridge improvements</a:t>
+            </a:r>
+            <a:endParaRPr lang="en-US" dirty="0" smtClean="0"/>
+          </a:p>
+          <a:p>
+            <a:pPr marL="171450" indent="-171450">
+              <a:buFont typeface="Arial"/>
+              <a:buChar char="•"/>
+            </a:pPr>
+            <a:r>
+              <a:rPr lang="en-US" dirty="0" smtClean="0"/>
+              <a:t>The </a:t>
+            </a:r>
+            <a:r>
+              <a:rPr lang="en-US" dirty="0" smtClean="0"/>
+              <a:t>E5-2600 </a:t>
+            </a:r>
+            <a:r>
+              <a:rPr lang="en-US" dirty="0" err="1" smtClean="0"/>
+              <a:t>Romley</a:t>
+            </a:r>
+            <a:r>
+              <a:rPr lang="en-US" dirty="0" smtClean="0"/>
+              <a:t> is the top shelf new Sandy Bridge offering - it's specs don't sound as mighty (8 cores per socket, max 30MB L3, 1TB RAM).  Don't be fooled, the Direct Data IO makes up for it as disks network cards can do DMA (Direct Memory Access) from L3, not RAM, decreasing latency by ~18%.  Also has two memory read ports, whereas previous architectures only had one and were a bottleneck for math-intensive </a:t>
+            </a:r>
+            <a:r>
+              <a:rPr lang="en-US" dirty="0" smtClean="0"/>
+              <a:t>applications</a:t>
+            </a:r>
+          </a:p>
+          <a:p>
+            <a:pPr marL="171450" indent="-171450">
+              <a:buFont typeface="Arial"/>
+              <a:buChar char="•"/>
+            </a:pPr>
+            <a:r>
+              <a:rPr lang="en-US" dirty="0" smtClean="0"/>
+              <a:t>Sandy </a:t>
+            </a:r>
+            <a:r>
+              <a:rPr lang="en-US" dirty="0" smtClean="0"/>
+              <a:t>Bridge is 4-30MB (8MB is currently max for mobile platforms, even with Ivy Bridge), includes the processor </a:t>
+            </a:r>
+            <a:r>
+              <a:rPr lang="en-US" dirty="0" smtClean="0"/>
+              <a:t>graphics</a:t>
+            </a:r>
           </a:p>
         </p:txBody>
       </p:sp>
@@ -1912,7 +1992,7 @@
           <a:p>
             <a:fld id="{6FB72C01-34E9-E14B-AAE2-412FD825F959}" type="slidenum">
               <a:rPr lang="en-US" smtClean="0"/>
-              <a:t>21</a:t>
+              <a:t>20</a:t>
             </a:fld>
             <a:endParaRPr lang="en-US"/>
           </a:p>
@@ -1921,7 +2001,7 @@
     </p:spTree>
     <p:extLst>
       <p:ext uri="{BB962C8B-B14F-4D97-AF65-F5344CB8AC3E}">
-        <p14:creationId xmlns:p14="http://schemas.microsoft.com/office/powerpoint/2010/main" val="621339917"/>
+        <p14:creationId xmlns:p14="http://schemas.microsoft.com/office/powerpoint/2010/main" val="2502339220"/>
       </p:ext>
     </p:extLst>
   </p:cSld>
@@ -1981,88 +2061,44 @@
             </a:pPr>
             <a:r>
               <a:rPr lang="en-US" dirty="0" smtClean="0"/>
-              <a:t>Types of registers </a:t>
-            </a:r>
-            <a:r>
-              <a:rPr lang="en-US" dirty="0" smtClean="0"/>
-              <a:t>include: </a:t>
-            </a:r>
-          </a:p>
-          <a:p>
-            <a:pPr marL="628650" lvl="1" indent="-171450">
+              <a:t>The problem with these numbers is that while they're not far off, the lowest level cache interactions (registers, store buffers, L0, L1) are truly measured in cycles, not </a:t>
+            </a:r>
+            <a:r>
+              <a:rPr lang="en-US" dirty="0" smtClean="0"/>
+              <a:t>time</a:t>
+            </a:r>
+          </a:p>
+          <a:p>
+            <a:pPr marL="171450" indent="-171450">
               <a:buFont typeface="Arial"/>
               <a:buChar char="•"/>
             </a:pPr>
             <a:r>
               <a:rPr lang="en-US" dirty="0" smtClean="0"/>
-              <a:t>instruction</a:t>
-            </a:r>
-          </a:p>
-          <a:p>
-            <a:pPr marL="628650" lvl="1" indent="-171450">
+              <a:t>Clock cycles</a:t>
+            </a:r>
+            <a:r>
+              <a:rPr lang="en-US" baseline="0" dirty="0" smtClean="0"/>
+              <a:t> are a</a:t>
+            </a:r>
+            <a:r>
+              <a:rPr lang="en-US" dirty="0" smtClean="0"/>
+              <a:t>lso known as Fetch and Execute</a:t>
+            </a:r>
+            <a:r>
+              <a:rPr lang="en-US" baseline="0" dirty="0" smtClean="0"/>
+              <a:t> or </a:t>
+            </a:r>
+            <a:r>
+              <a:rPr lang="en-US" dirty="0" smtClean="0"/>
+              <a:t>Fetch-Decode-Execute Cycle (FDX), retrieve instruction from memory, determine actions required and carry them out; ~1/3 of a nanosecond</a:t>
+            </a:r>
+          </a:p>
+          <a:p>
+            <a:pPr marL="171450" indent="-171450">
               <a:buFont typeface="Arial"/>
               <a:buChar char="•"/>
             </a:pPr>
-            <a:r>
-              <a:rPr lang="en-US" dirty="0" smtClean="0"/>
-              <a:t>data </a:t>
-            </a:r>
-            <a:r>
-              <a:rPr lang="en-US" dirty="0" smtClean="0"/>
-              <a:t>(floating point, integer, chars, small bit arrays, </a:t>
-            </a:r>
-            <a:r>
-              <a:rPr lang="en-US" dirty="0" err="1" smtClean="0"/>
-              <a:t>etc</a:t>
-            </a:r>
-            <a:r>
-              <a:rPr lang="en-US" dirty="0" smtClean="0"/>
-              <a:t>)</a:t>
-            </a:r>
-          </a:p>
-          <a:p>
-            <a:pPr marL="628650" lvl="1" indent="-171450">
-              <a:buFont typeface="Arial"/>
-              <a:buChar char="•"/>
-            </a:pPr>
-            <a:r>
-              <a:rPr lang="en-US" dirty="0" smtClean="0"/>
-              <a:t>address</a:t>
-            </a:r>
-          </a:p>
-          <a:p>
-            <a:pPr marL="628650" lvl="1" indent="-171450">
-              <a:buFont typeface="Arial"/>
-              <a:buChar char="•"/>
-            </a:pPr>
-            <a:r>
-              <a:rPr lang="en-US" dirty="0" smtClean="0"/>
-              <a:t>conditional</a:t>
-            </a:r>
-          </a:p>
-          <a:p>
-            <a:pPr marL="628650" lvl="1" indent="-171450">
-              <a:buFont typeface="Arial"/>
-              <a:buChar char="•"/>
-            </a:pPr>
-            <a:r>
-              <a:rPr lang="en-US" dirty="0" smtClean="0"/>
-              <a:t>constant</a:t>
-            </a:r>
-          </a:p>
-          <a:p>
-            <a:pPr marL="628650" lvl="1" indent="-171450">
-              <a:buFont typeface="Arial"/>
-              <a:buChar char="•"/>
-            </a:pPr>
-            <a:r>
-              <a:rPr lang="en-US" dirty="0" smtClean="0"/>
-              <a:t>etc</a:t>
-            </a:r>
-            <a:r>
-              <a:rPr lang="en-US" dirty="0" smtClean="0"/>
-              <a:t>.</a:t>
-            </a:r>
             <a:endParaRPr lang="en-US" dirty="0"/>
           </a:p>
         </p:txBody>
@@ -2093,7 +2129,7 @@
     </p:spTree>
     <p:extLst>
       <p:ext uri="{BB962C8B-B14F-4D97-AF65-F5344CB8AC3E}">
-        <p14:creationId xmlns:p14="http://schemas.microsoft.com/office/powerpoint/2010/main" val="2140955098"/>
+        <p14:creationId xmlns:p14="http://schemas.microsoft.com/office/powerpoint/2010/main" val="1871364894"/>
       </p:ext>
     </p:extLst>
   </p:cSld>
@@ -2153,19 +2189,11 @@
             </a:pPr>
             <a:r>
               <a:rPr lang="en-US" dirty="0" smtClean="0"/>
-              <a:t>Store buffers disambiguate memory access and manage dependencies for instructions </a:t>
-            </a:r>
-            <a:r>
-              <a:rPr lang="en-US" dirty="0" smtClean="0"/>
-              <a:t>occurring </a:t>
-            </a:r>
-            <a:r>
-              <a:rPr lang="en-US" dirty="0" smtClean="0"/>
-              <a:t>out of program order</a:t>
-            </a:r>
-            <a:r>
-              <a:rPr lang="en-US" dirty="0" smtClean="0"/>
-              <a:t>.</a:t>
+              <a:t>Sandy Bridge has 2 load/store operations for each memory </a:t>
+            </a:r>
+            <a:r>
+              <a:rPr lang="en-US" dirty="0" smtClean="0"/>
+              <a:t>channel</a:t>
             </a:r>
           </a:p>
           <a:p>
@@ -2175,19 +2203,11 @@
             </a:pPr>
             <a:r>
               <a:rPr lang="en-US" dirty="0" smtClean="0"/>
-              <a:t>Store </a:t>
-            </a:r>
-            <a:r>
-              <a:rPr lang="en-US" dirty="0" smtClean="0"/>
-              <a:t>buffer writes are still part of cache coherency, they just don't publish the value to L1 right away.  The point of the store buffer is that if CPU 1 needs to write to cache line A but doesn't have the line in its L1 (let's not forget that a write has to do a load as well), it can drop the write in the store buffer while cache controller fetches it - this is to avoid a stall.  </a:t>
-            </a:r>
-            <a:r>
-              <a:rPr lang="en-US" dirty="0" smtClean="0"/>
-              <a:t>If </a:t>
-            </a:r>
-            <a:r>
-              <a:rPr lang="en-US" dirty="0" smtClean="0"/>
-              <a:t>line is already in L1 it can store directly to it (and bypass store buffer), possibly causing invalidate requests to be sent out.</a:t>
+              <a:t>Low values are because the pre-fetcher</a:t>
+            </a:r>
+            <a:r>
+              <a:rPr lang="en-US" baseline="0" dirty="0" smtClean="0"/>
+              <a:t> is hiding real latency in these tests when “striding” memory</a:t>
             </a:r>
             <a:endParaRPr lang="en-US" dirty="0"/>
           </a:p>
@@ -2219,7 +2239,7 @@
     </p:spTree>
     <p:extLst>
       <p:ext uri="{BB962C8B-B14F-4D97-AF65-F5344CB8AC3E}">
-        <p14:creationId xmlns:p14="http://schemas.microsoft.com/office/powerpoint/2010/main" val="664416755"/>
+        <p14:creationId xmlns:p14="http://schemas.microsoft.com/office/powerpoint/2010/main" val="621339917"/>
       </p:ext>
     </p:extLst>
   </p:cSld>
@@ -2357,9 +2377,93 @@
           <a:bodyPr/>
           <a:lstStyle/>
           <a:p>
-            <a:r>
-              <a:rPr lang="en-US" dirty="0" smtClean="0"/>
-              <a:t>The number of circuits per datum means that SRAM can never be dense.</a:t>
+            <a:pPr marL="171450" indent="-171450">
+              <a:buFont typeface="Arial"/>
+              <a:buChar char="•"/>
+            </a:pPr>
+            <a:r>
+              <a:rPr lang="en-US" dirty="0" smtClean="0"/>
+              <a:t>Types of registers </a:t>
+            </a:r>
+            <a:r>
+              <a:rPr lang="en-US" dirty="0" smtClean="0"/>
+              <a:t>include: </a:t>
+            </a:r>
+          </a:p>
+          <a:p>
+            <a:pPr marL="628650" lvl="1" indent="-171450">
+              <a:buFont typeface="Arial"/>
+              <a:buChar char="•"/>
+            </a:pPr>
+            <a:r>
+              <a:rPr lang="en-US" dirty="0" smtClean="0"/>
+              <a:t>instruction</a:t>
+            </a:r>
+          </a:p>
+          <a:p>
+            <a:pPr marL="628650" lvl="1" indent="-171450">
+              <a:buFont typeface="Arial"/>
+              <a:buChar char="•"/>
+            </a:pPr>
+            <a:r>
+              <a:rPr lang="en-US" dirty="0" smtClean="0"/>
+              <a:t>data </a:t>
+            </a:r>
+            <a:r>
+              <a:rPr lang="en-US" dirty="0" smtClean="0"/>
+              <a:t>(floating point, integer, chars, small bit arrays, </a:t>
+            </a:r>
+            <a:r>
+              <a:rPr lang="en-US" dirty="0" err="1" smtClean="0"/>
+              <a:t>etc</a:t>
+            </a:r>
+            <a:r>
+              <a:rPr lang="en-US" dirty="0" smtClean="0"/>
+              <a:t>)</a:t>
+            </a:r>
+          </a:p>
+          <a:p>
+            <a:pPr marL="628650" lvl="1" indent="-171450">
+              <a:buFont typeface="Arial"/>
+              <a:buChar char="•"/>
+            </a:pPr>
+            <a:r>
+              <a:rPr lang="en-US" dirty="0" smtClean="0"/>
+              <a:t>address</a:t>
+            </a:r>
+          </a:p>
+          <a:p>
+            <a:pPr marL="628650" lvl="1" indent="-171450">
+              <a:buFont typeface="Arial"/>
+              <a:buChar char="•"/>
+            </a:pPr>
+            <a:r>
+              <a:rPr lang="en-US" dirty="0" smtClean="0"/>
+              <a:t>conditional</a:t>
+            </a:r>
+          </a:p>
+          <a:p>
+            <a:pPr marL="628650" lvl="1" indent="-171450">
+              <a:buFont typeface="Arial"/>
+              <a:buChar char="•"/>
+            </a:pPr>
+            <a:r>
+              <a:rPr lang="en-US" dirty="0" smtClean="0"/>
+              <a:t>constant</a:t>
+            </a:r>
+          </a:p>
+          <a:p>
+            <a:pPr marL="628650" lvl="1" indent="-171450">
+              <a:buFont typeface="Arial"/>
+              <a:buChar char="•"/>
+            </a:pPr>
+            <a:r>
+              <a:rPr lang="en-US" dirty="0" smtClean="0"/>
+              <a:t>etc</a:t>
+            </a:r>
+            <a:r>
+              <a:rPr lang="en-US" dirty="0" smtClean="0"/>
+              <a:t>.</a:t>
             </a:r>
             <a:endParaRPr lang="en-US" dirty="0"/>
           </a:p>
@@ -2391,7 +2495,7 @@
     </p:spTree>
     <p:extLst>
       <p:ext uri="{BB962C8B-B14F-4D97-AF65-F5344CB8AC3E}">
-        <p14:creationId xmlns:p14="http://schemas.microsoft.com/office/powerpoint/2010/main" val="1039353368"/>
+        <p14:creationId xmlns:p14="http://schemas.microsoft.com/office/powerpoint/2010/main" val="2140955098"/>
       </p:ext>
     </p:extLst>
   </p:cSld>
@@ -2451,11 +2555,19 @@
             </a:pPr>
             <a:r>
               <a:rPr lang="en-US" dirty="0" smtClean="0"/>
-              <a:t>Macro ops have to be decoded into micro ops to be handled by the CPU. </a:t>
-            </a:r>
-            <a:r>
-              <a:rPr lang="en-US" dirty="0" smtClean="0"/>
-              <a:t> </a:t>
+              <a:t>Store buffers disambiguate memory access and manage dependencies for instructions </a:t>
+            </a:r>
+            <a:r>
+              <a:rPr lang="en-US" dirty="0" smtClean="0"/>
+              <a:t>occurring </a:t>
+            </a:r>
+            <a:r>
+              <a:rPr lang="en-US" dirty="0" smtClean="0"/>
+              <a:t>out of program </a:t>
+            </a:r>
+            <a:r>
+              <a:rPr lang="en-US" dirty="0" smtClean="0"/>
+              <a:t>order</a:t>
             </a:r>
           </a:p>
           <a:p>
@@ -2465,72 +2577,47 @@
             </a:pPr>
             <a:r>
               <a:rPr lang="en-US" dirty="0" smtClean="0"/>
-              <a:t>Nehalem </a:t>
-            </a:r>
-            <a:r>
-              <a:rPr lang="en-US" dirty="0" smtClean="0"/>
-              <a:t>used L1 for macro ops decoding and had a copy of every operand required, but Sandy Bridge caches the </a:t>
-            </a:r>
-            <a:r>
-              <a:rPr lang="en-US" dirty="0" err="1" smtClean="0"/>
-              <a:t>uops</a:t>
-            </a:r>
-            <a:r>
-              <a:rPr lang="en-US" dirty="0" smtClean="0"/>
-              <a:t> (Micro-operations), boosting performance in tight code (small, highly profiled and optimized, can be secure, testable, easy to migrate).  </a:t>
-            </a:r>
-            <a:endParaRPr lang="en-US" dirty="0" smtClean="0"/>
-          </a:p>
-          <a:p>
-            <a:pPr marL="171450" indent="-171450">
-              <a:buFont typeface="Arial"/>
-              <a:buChar char="•"/>
-            </a:pPr>
-            <a:r>
-              <a:rPr lang="en-US" dirty="0" smtClean="0"/>
-              <a:t>Not </a:t>
-            </a:r>
-            <a:r>
-              <a:rPr lang="en-US" dirty="0" smtClean="0"/>
-              <a:t>the same as the older "trace" cache, which stored </a:t>
-            </a:r>
-            <a:r>
-              <a:rPr lang="en-US" dirty="0" err="1" smtClean="0"/>
-              <a:t>uops</a:t>
-            </a:r>
-            <a:r>
-              <a:rPr lang="en-US" dirty="0" smtClean="0"/>
-              <a:t> in the order in which they were executed, which meant lots of potential duplication.  No duplication in the L0, storing only unique decode instructions.  Hot loops are those where the program spends the majority of its time.  </a:t>
-            </a:r>
-            <a:endParaRPr lang="en-US" dirty="0" smtClean="0"/>
-          </a:p>
-          <a:p>
-            <a:pPr marL="171450" indent="-171450">
-              <a:buFont typeface="Arial"/>
-              <a:buChar char="•"/>
-            </a:pPr>
-            <a:r>
-              <a:rPr lang="en-US" dirty="0" smtClean="0"/>
-              <a:t>Theoretical </a:t>
-            </a:r>
-            <a:r>
-              <a:rPr lang="en-US" dirty="0" smtClean="0"/>
-              <a:t>size of 1.5Kuops, effective utilization possibly much lower.  </a:t>
-            </a:r>
-            <a:endParaRPr lang="en-US" dirty="0" smtClean="0"/>
-          </a:p>
-          <a:p>
-            <a:pPr marL="171450" indent="-171450">
-              <a:buFont typeface="Arial"/>
-              <a:buChar char="•"/>
-            </a:pPr>
-            <a:r>
-              <a:rPr lang="en-US" dirty="0" smtClean="0"/>
-              <a:t>Hot </a:t>
-            </a:r>
-            <a:r>
-              <a:rPr lang="en-US" dirty="0" smtClean="0"/>
-              <a:t>loops should be sized to fit here.</a:t>
+              <a:t>If </a:t>
+            </a:r>
+            <a:r>
+              <a:rPr lang="en-US" dirty="0" smtClean="0"/>
+              <a:t>CPU 1 needs to write to cache line A but doesn't have the line in its </a:t>
+            </a:r>
+            <a:r>
+              <a:rPr lang="en-US" dirty="0" smtClean="0"/>
+              <a:t>L1, </a:t>
+            </a:r>
+            <a:r>
+              <a:rPr lang="en-US" dirty="0" smtClean="0"/>
+              <a:t>it can drop the write in the store buffer while </a:t>
+            </a:r>
+            <a:r>
+              <a:rPr lang="en-US" dirty="0" smtClean="0"/>
+              <a:t>the memory controller </a:t>
+            </a:r>
+            <a:r>
+              <a:rPr lang="en-US" dirty="0" smtClean="0"/>
+              <a:t>fetches </a:t>
+            </a:r>
+            <a:r>
+              <a:rPr lang="en-US" dirty="0" smtClean="0"/>
+              <a:t>it </a:t>
+            </a:r>
+            <a:r>
+              <a:rPr lang="en-US" dirty="0" smtClean="0"/>
+              <a:t>to avoid a </a:t>
+            </a:r>
+            <a:r>
+              <a:rPr lang="en-US" dirty="0" smtClean="0"/>
+              <a:t>stall; if </a:t>
+            </a:r>
+            <a:r>
+              <a:rPr lang="en-US" dirty="0" smtClean="0"/>
+              <a:t>line is already in L1 it can store directly to it (and bypass store buffer), possibly causing invalidate requests to be sent </a:t>
+            </a:r>
+            <a:r>
+              <a:rPr lang="en-US" dirty="0" smtClean="0"/>
+              <a:t>out</a:t>
             </a:r>
             <a:endParaRPr lang="en-US" dirty="0"/>
           </a:p>
@@ -2562,7 +2649,7 @@
     </p:spTree>
     <p:extLst>
       <p:ext uri="{BB962C8B-B14F-4D97-AF65-F5344CB8AC3E}">
-        <p14:creationId xmlns:p14="http://schemas.microsoft.com/office/powerpoint/2010/main" val="2224390960"/>
+        <p14:creationId xmlns:p14="http://schemas.microsoft.com/office/powerpoint/2010/main" val="664416755"/>
       </p:ext>
     </p:extLst>
   </p:cSld>
@@ -2622,9 +2709,12 @@
             </a:pPr>
             <a:r>
               <a:rPr lang="en-US" dirty="0" smtClean="0"/>
-              <a:t>Instructions are generated by the compiler, which knows rules for good code generation.  </a:t>
-            </a:r>
-            <a:endParaRPr lang="en-US" dirty="0" smtClean="0"/>
+              <a:t>Macro ops have to be decoded into micro ops to be handled by the </a:t>
+            </a:r>
+            <a:r>
+              <a:rPr lang="en-US" dirty="0" smtClean="0"/>
+              <a:t>CPU</a:t>
+            </a:r>
           </a:p>
           <a:p>
             <a:pPr marL="171450" indent="-171450">
@@ -2633,13 +2723,32 @@
             </a:pPr>
             <a:r>
               <a:rPr lang="en-US" dirty="0" smtClean="0"/>
-              <a:t>Code </a:t>
-            </a:r>
-            <a:r>
-              <a:rPr lang="en-US" dirty="0" smtClean="0"/>
-              <a:t>has predictable patterns and CPUs are good at recognizing them, which helps pre-fetching.  </a:t>
-            </a:r>
-            <a:endParaRPr lang="en-US" dirty="0" smtClean="0"/>
+              <a:t>Nehalem </a:t>
+            </a:r>
+            <a:r>
+              <a:rPr lang="en-US" dirty="0" smtClean="0"/>
+              <a:t>used </a:t>
+            </a:r>
+            <a:r>
+              <a:rPr lang="en-US" dirty="0" smtClean="0"/>
+              <a:t>L1i </a:t>
+            </a:r>
+            <a:r>
+              <a:rPr lang="en-US" dirty="0" smtClean="0"/>
+              <a:t>for macro ops decoding and had a copy of every operand required, but Sandy Bridge caches the </a:t>
+            </a:r>
+            <a:r>
+              <a:rPr lang="en-US" dirty="0" err="1" smtClean="0"/>
+              <a:t>uops</a:t>
+            </a:r>
+            <a:r>
+              <a:rPr lang="en-US" dirty="0" smtClean="0"/>
+              <a:t> (Micro-operations), boosting performance in tight code (small, highly profiled and optimized, can be secure, testable, easy to migrate</a:t>
+            </a:r>
+            <a:r>
+              <a:rPr lang="en-US" dirty="0" smtClean="0"/>
+              <a:t>)</a:t>
+            </a:r>
           </a:p>
           <a:p>
             <a:pPr marL="171450" indent="-171450">
@@ -2648,13 +2757,32 @@
             </a:pPr>
             <a:r>
               <a:rPr lang="en-US" dirty="0" smtClean="0"/>
-              <a:t>Spatial </a:t>
-            </a:r>
-            <a:r>
-              <a:rPr lang="en-US" dirty="0" smtClean="0"/>
-              <a:t>and temporal locality is good.  </a:t>
-            </a:r>
-            <a:endParaRPr lang="en-US" dirty="0" smtClean="0"/>
+              <a:t>Not </a:t>
+            </a:r>
+            <a:r>
+              <a:rPr lang="en-US" dirty="0" smtClean="0"/>
+              <a:t>the same as the older "trace" cache, which stored </a:t>
+            </a:r>
+            <a:r>
+              <a:rPr lang="en-US" dirty="0" err="1" smtClean="0"/>
+              <a:t>uops</a:t>
+            </a:r>
+            <a:r>
+              <a:rPr lang="en-US" dirty="0" smtClean="0"/>
+              <a:t> in the order in which they were executed, which meant lots of potential </a:t>
+            </a:r>
+            <a:r>
+              <a:rPr lang="en-US" dirty="0" smtClean="0"/>
+              <a:t>duplication; no </a:t>
+            </a:r>
+            <a:r>
+              <a:rPr lang="en-US" dirty="0" smtClean="0"/>
+              <a:t>duplication in the L0, storing only unique decode </a:t>
+            </a:r>
+            <a:r>
+              <a:rPr lang="en-US" dirty="0" smtClean="0"/>
+              <a:t>instructions</a:t>
+            </a:r>
           </a:p>
           <a:p>
             <a:pPr marL="171450" indent="-171450">
@@ -2663,11 +2791,23 @@
             </a:pPr>
             <a:r>
               <a:rPr lang="en-US" dirty="0" smtClean="0"/>
-              <a:t>Nehalem </a:t>
-            </a:r>
-            <a:r>
-              <a:rPr lang="en-US" dirty="0" smtClean="0"/>
-              <a:t>could load 128 bits per cycle, but Sandy Bridge can load double that because load and store address units can be interchanged - thus using 2 128-bit units per cycle instead of one.</a:t>
+              <a:t>Hot </a:t>
+            </a:r>
+            <a:r>
+              <a:rPr lang="en-US" dirty="0" smtClean="0"/>
+              <a:t>loops </a:t>
+            </a:r>
+            <a:r>
+              <a:rPr lang="en-US" dirty="0" smtClean="0"/>
+              <a:t>(where the program spends the majority of its time) should </a:t>
+            </a:r>
+            <a:r>
+              <a:rPr lang="en-US" dirty="0" smtClean="0"/>
+              <a:t>be sized to fit </a:t>
+            </a:r>
+            <a:r>
+              <a:rPr lang="en-US" dirty="0" smtClean="0"/>
+              <a:t>here</a:t>
             </a:r>
             <a:endParaRPr lang="en-US" dirty="0"/>
           </a:p>
@@ -2699,7 +2839,7 @@
     </p:spTree>
     <p:extLst>
       <p:ext uri="{BB962C8B-B14F-4D97-AF65-F5344CB8AC3E}">
-        <p14:creationId xmlns:p14="http://schemas.microsoft.com/office/powerpoint/2010/main" val="3503867580"/>
+        <p14:creationId xmlns:p14="http://schemas.microsoft.com/office/powerpoint/2010/main" val="2224390960"/>
       </p:ext>
     </p:extLst>
   </p:cSld>
@@ -2759,9 +2899,12 @@
             </a:pPr>
             <a:r>
               <a:rPr lang="en-US" dirty="0" smtClean="0"/>
-              <a:t>When the working set size random access is greater than the L2 size, cache misses start to grow.  </a:t>
-            </a:r>
-            <a:endParaRPr lang="en-US" dirty="0" smtClean="0"/>
+              <a:t>Instructions are generated by the compiler, which knows rules for good code </a:t>
+            </a:r>
+            <a:r>
+              <a:rPr lang="en-US" dirty="0" smtClean="0"/>
+              <a:t>generation</a:t>
+            </a:r>
           </a:p>
           <a:p>
             <a:pPr marL="171450" indent="-171450">
@@ -2770,11 +2913,51 @@
             </a:pPr>
             <a:r>
               <a:rPr lang="en-US" dirty="0" smtClean="0"/>
-              <a:t>Caches </a:t>
-            </a:r>
-            <a:r>
-              <a:rPr lang="en-US" dirty="0" smtClean="0"/>
-              <a:t>from L2 up are "unified", having both instructions and data (not in terms of shared across cores).</a:t>
+              <a:t>Code </a:t>
+            </a:r>
+            <a:r>
+              <a:rPr lang="en-US" dirty="0" smtClean="0"/>
+              <a:t>has predictable patterns and CPUs are good at recognizing them, which helps pre-</a:t>
+            </a:r>
+            <a:r>
+              <a:rPr lang="en-US" dirty="0" smtClean="0"/>
+              <a:t>fetching</a:t>
+            </a:r>
+          </a:p>
+          <a:p>
+            <a:pPr marL="171450" indent="-171450">
+              <a:buFont typeface="Arial"/>
+              <a:buChar char="•"/>
+            </a:pPr>
+            <a:r>
+              <a:rPr lang="en-US" dirty="0" smtClean="0"/>
+              <a:t>Spatial </a:t>
+            </a:r>
+            <a:r>
+              <a:rPr lang="en-US" dirty="0" smtClean="0"/>
+              <a:t>and temporal locality is </a:t>
+            </a:r>
+            <a:r>
+              <a:rPr lang="en-US" dirty="0" smtClean="0"/>
+              <a:t>good</a:t>
+            </a:r>
+          </a:p>
+          <a:p>
+            <a:pPr marL="171450" indent="-171450">
+              <a:buFont typeface="Arial"/>
+              <a:buChar char="•"/>
+            </a:pPr>
+            <a:r>
+              <a:rPr lang="en-US" dirty="0" smtClean="0"/>
+              <a:t>Nehalem </a:t>
+            </a:r>
+            <a:r>
+              <a:rPr lang="en-US" dirty="0" smtClean="0"/>
+              <a:t>could load 128 bits per cycle, but Sandy Bridge can load double that because load and store address units can be interchanged - thus using 2 128-bit units per cycle instead of </a:t>
+            </a:r>
+            <a:r>
+              <a:rPr lang="en-US" dirty="0" smtClean="0"/>
+              <a:t>one</a:t>
             </a:r>
             <a:endParaRPr lang="en-US" dirty="0"/>
           </a:p>
@@ -2806,7 +2989,7 @@
     </p:spTree>
     <p:extLst>
       <p:ext uri="{BB962C8B-B14F-4D97-AF65-F5344CB8AC3E}">
-        <p14:creationId xmlns:p14="http://schemas.microsoft.com/office/powerpoint/2010/main" val="2923339557"/>
+        <p14:creationId xmlns:p14="http://schemas.microsoft.com/office/powerpoint/2010/main" val="3503867580"/>
       </p:ext>
     </p:extLst>
   </p:cSld>
@@ -2866,11 +3049,11 @@
             </a:pPr>
             <a:r>
               <a:rPr lang="en-US" dirty="0" smtClean="0"/>
-              <a:t>Sandy Bridge allows only exclusive access per core</a:t>
-            </a:r>
-            <a:r>
-              <a:rPr lang="en-US" dirty="0" smtClean="0"/>
-              <a:t>.</a:t>
+              <a:t>When the working set size random access is greater than the L2 size, cache misses start to </a:t>
+            </a:r>
+            <a:r>
+              <a:rPr lang="en-US" dirty="0" smtClean="0"/>
+              <a:t>grow</a:t>
             </a:r>
           </a:p>
           <a:p>
@@ -2880,7 +3063,15 @@
             </a:pPr>
             <a:r>
               <a:rPr lang="en-US" dirty="0" smtClean="0"/>
-              <a:t>Last Level Cache (LLC)</a:t>
+              <a:t>Caches </a:t>
+            </a:r>
+            <a:r>
+              <a:rPr lang="en-US" dirty="0" smtClean="0"/>
+              <a:t>from L2 up are "unified", having both instructions and data (not in terms of shared across cores</a:t>
+            </a:r>
+            <a:r>
+              <a:rPr lang="en-US" dirty="0" smtClean="0"/>
+              <a:t>)</a:t>
             </a:r>
             <a:endParaRPr lang="en-US" dirty="0"/>
           </a:p>
@@ -2912,7 +3103,7 @@
     </p:spTree>
     <p:extLst>
       <p:ext uri="{BB962C8B-B14F-4D97-AF65-F5344CB8AC3E}">
-        <p14:creationId xmlns:p14="http://schemas.microsoft.com/office/powerpoint/2010/main" val="1837883637"/>
+        <p14:creationId xmlns:p14="http://schemas.microsoft.com/office/powerpoint/2010/main" val="2923339557"/>
       </p:ext>
     </p:extLst>
   </p:cSld>
@@ -2972,21 +3163,12 @@
             </a:pPr>
             <a:r>
               <a:rPr lang="en-US" dirty="0" smtClean="0"/>
-              <a:t>Two</a:t>
-            </a:r>
-            <a:r>
-              <a:rPr lang="en-US" baseline="0" dirty="0" smtClean="0"/>
-              <a:t> pieces of circuitry per datum - o</a:t>
-            </a:r>
-            <a:r>
-              <a:rPr lang="en-US" dirty="0" smtClean="0"/>
-              <a:t>ne </a:t>
-            </a:r>
-            <a:r>
-              <a:rPr lang="en-US" dirty="0" smtClean="0"/>
-              <a:t>transistor, one capacitor.  </a:t>
-            </a:r>
-            <a:endParaRPr lang="en-US" dirty="0" smtClean="0"/>
+              <a:t>Sandy Bridge allows only exclusive access per </a:t>
+            </a:r>
+            <a:r>
+              <a:rPr lang="en-US" dirty="0" smtClean="0"/>
+              <a:t>core</a:t>
+            </a:r>
           </a:p>
           <a:p>
             <a:pPr marL="171450" indent="-171450">
@@ -2995,34 +3177,7 @@
             </a:pPr>
             <a:r>
               <a:rPr lang="en-US" dirty="0" smtClean="0"/>
-              <a:t>Reading </a:t>
-            </a:r>
-            <a:r>
-              <a:rPr lang="en-US" dirty="0" smtClean="0"/>
-              <a:t>contiguous memory is faster than random access due to how you read - you get one write combining buffer at a time from each of the memory banks, 33% slower.  240 cycles to get data from here.  </a:t>
-            </a:r>
-            <a:endParaRPr lang="en-US" dirty="0" smtClean="0"/>
-          </a:p>
-          <a:p>
-            <a:pPr marL="171450" indent="-171450">
-              <a:buFont typeface="Arial"/>
-              <a:buChar char="•"/>
-            </a:pPr>
-            <a:r>
-              <a:rPr lang="en-US" dirty="0" smtClean="0"/>
-              <a:t>E7</a:t>
-            </a:r>
-            <a:r>
-              <a:rPr lang="en-US" dirty="0" smtClean="0"/>
-              <a:t>-8870 (</a:t>
-            </a:r>
-            <a:r>
-              <a:rPr lang="en-US" dirty="0" err="1" smtClean="0"/>
-              <a:t>Westhere</a:t>
-            </a:r>
-            <a:r>
-              <a:rPr lang="en-US" dirty="0" smtClean="0"/>
-              <a:t>) can hold 4TB of RAM, E5-2600 Sandy Bridge "only" 1TB.</a:t>
+              <a:t>Last Level Cache (LLC)</a:t>
             </a:r>
             <a:endParaRPr lang="en-US" dirty="0"/>
           </a:p>
@@ -3054,7 +3209,7 @@
     </p:spTree>
     <p:extLst>
       <p:ext uri="{BB962C8B-B14F-4D97-AF65-F5344CB8AC3E}">
-        <p14:creationId xmlns:p14="http://schemas.microsoft.com/office/powerpoint/2010/main" val="3370599138"/>
+        <p14:creationId xmlns:p14="http://schemas.microsoft.com/office/powerpoint/2010/main" val="1837883637"/>
       </p:ext>
     </p:extLst>
   </p:cSld>
@@ -3108,25 +3263,89 @@
           <a:bodyPr/>
           <a:lstStyle/>
           <a:p>
-            <a:r>
-              <a:rPr lang="en-US" dirty="0" smtClean="0"/>
-              <a:t>What does this</a:t>
-            </a:r>
-            <a:r>
-              <a:rPr lang="en-US" baseline="0" dirty="0" smtClean="0"/>
-              <a:t> </a:t>
-            </a:r>
-            <a:r>
-              <a:rPr lang="en-US" baseline="0" dirty="0" err="1" smtClean="0"/>
-              <a:t>marketecture</a:t>
-            </a:r>
-            <a:r>
-              <a:rPr lang="en-US" baseline="0" dirty="0" smtClean="0"/>
-              <a:t> actually mean?  DDR4 and 5 are coming, or are here with </a:t>
-            </a:r>
-            <a:r>
-              <a:rPr lang="en-US" baseline="0" dirty="0" smtClean="0"/>
-              <a:t>GPGPUs.  DDR3L is for lower energy usage.</a:t>
+            <a:pPr marL="171450" indent="-171450">
+              <a:buFont typeface="Arial"/>
+              <a:buChar char="•"/>
+            </a:pPr>
+            <a:r>
+              <a:rPr lang="en-US" dirty="0" smtClean="0"/>
+              <a:t>Doesn't have to be contiguous in an array, you can be jumping in 2K chunks without a performance </a:t>
+            </a:r>
+            <a:r>
+              <a:rPr lang="en-US" dirty="0" smtClean="0"/>
+              <a:t>hit</a:t>
+            </a:r>
+          </a:p>
+          <a:p>
+            <a:pPr marL="171450" indent="-171450">
+              <a:buFont typeface="Arial"/>
+              <a:buChar char="•"/>
+            </a:pPr>
+            <a:r>
+              <a:rPr lang="en-US" dirty="0" smtClean="0"/>
+              <a:t>As </a:t>
+            </a:r>
+            <a:r>
+              <a:rPr lang="en-US" dirty="0" smtClean="0"/>
+              <a:t>long as it's predictable, it will fetch the memory before you need it and have it </a:t>
+            </a:r>
+            <a:r>
+              <a:rPr lang="en-US" dirty="0" smtClean="0"/>
+              <a:t>staged</a:t>
+            </a:r>
+          </a:p>
+          <a:p>
+            <a:pPr marL="171450" indent="-171450">
+              <a:buFont typeface="Arial"/>
+              <a:buChar char="•"/>
+            </a:pPr>
+            <a:r>
+              <a:rPr lang="en-US" dirty="0" smtClean="0"/>
+              <a:t>Pre</a:t>
+            </a:r>
+            <a:r>
+              <a:rPr lang="en-US" dirty="0" smtClean="0"/>
+              <a:t>-fetching happens with L1d, can happen for L2 in systems with long </a:t>
+            </a:r>
+            <a:r>
+              <a:rPr lang="en-US" dirty="0" smtClean="0"/>
+              <a:t>pipelines</a:t>
+            </a:r>
+          </a:p>
+          <a:p>
+            <a:pPr marL="171450" indent="-171450">
+              <a:buFont typeface="Arial"/>
+              <a:buChar char="•"/>
+            </a:pPr>
+            <a:r>
+              <a:rPr lang="en-US" dirty="0" smtClean="0"/>
+              <a:t>Hardware </a:t>
+            </a:r>
+            <a:r>
+              <a:rPr lang="en-US" dirty="0" smtClean="0"/>
+              <a:t>prefetching cannot cross page boundaries, which slows it down as the working set size increases. If it did and the page wasn't there or is invalid, the OS would have to get involved and the program would experience a page fault it didn't initiate </a:t>
+            </a:r>
+            <a:r>
+              <a:rPr lang="en-US" dirty="0" smtClean="0"/>
+              <a:t>itself</a:t>
+            </a:r>
+          </a:p>
+          <a:p>
+            <a:pPr marL="171450" indent="-171450">
+              <a:buFont typeface="Arial"/>
+              <a:buChar char="•"/>
+            </a:pPr>
+            <a:r>
+              <a:rPr lang="en-US" dirty="0" smtClean="0"/>
+              <a:t>Temporally </a:t>
+            </a:r>
+            <a:r>
+              <a:rPr lang="en-US" dirty="0" smtClean="0"/>
+              <a:t>relevant data may be evicted fetching a line that will not be </a:t>
+            </a:r>
+            <a:r>
+              <a:rPr lang="en-US" dirty="0" smtClean="0"/>
+              <a:t>used</a:t>
             </a:r>
             <a:endParaRPr lang="en-US" dirty="0"/>
           </a:p>
@@ -3149,7 +3368,7 @@
           <a:p>
             <a:fld id="{6FB72C01-34E9-E14B-AAE2-412FD825F959}" type="slidenum">
               <a:rPr lang="en-US" smtClean="0"/>
-              <a:t>30</a:t>
+              <a:t>31</a:t>
             </a:fld>
             <a:endParaRPr lang="en-US"/>
           </a:p>
@@ -3158,7 +3377,7 @@
     </p:spTree>
     <p:extLst>
       <p:ext uri="{BB962C8B-B14F-4D97-AF65-F5344CB8AC3E}">
-        <p14:creationId xmlns:p14="http://schemas.microsoft.com/office/powerpoint/2010/main" val="494933717"/>
+        <p14:creationId xmlns:p14="http://schemas.microsoft.com/office/powerpoint/2010/main" val="2993986080"/>
       </p:ext>
     </p:extLst>
   </p:cSld>
@@ -3218,9 +3437,12 @@
             </a:pPr>
             <a:r>
               <a:rPr lang="en-US" dirty="0" smtClean="0"/>
-              <a:t>Doesn't have to be contiguous in an array, you can be jumping in 2K chunks without a performance hit.  </a:t>
-            </a:r>
-            <a:endParaRPr lang="en-US" dirty="0" smtClean="0"/>
+              <a:t>The pre-fetcher will bring data into L1d for you.  The simpler your code, the better it can do </a:t>
+            </a:r>
+            <a:r>
+              <a:rPr lang="en-US" dirty="0" smtClean="0"/>
+              <a:t>this</a:t>
+            </a:r>
           </a:p>
           <a:p>
             <a:pPr marL="171450" indent="-171450">
@@ -3229,13 +3451,16 @@
             </a:pPr>
             <a:r>
               <a:rPr lang="en-US" dirty="0" smtClean="0"/>
-              <a:t>As </a:t>
-            </a:r>
-            <a:r>
-              <a:rPr lang="en-US" dirty="0" smtClean="0"/>
-              <a:t>long as it's predictable, it will fetch the memory before you need it and have it staged.  </a:t>
-            </a:r>
-            <a:endParaRPr lang="en-US" dirty="0" smtClean="0"/>
+              <a:t>If </a:t>
+            </a:r>
+            <a:r>
+              <a:rPr lang="en-US" dirty="0" smtClean="0"/>
+              <a:t>your code is complex, it will do it wrong, costing a cache miss and forcing it to lose the value of pre-fetching and having to go out to an outer layer to get that instruction </a:t>
+            </a:r>
+            <a:r>
+              <a:rPr lang="en-US" dirty="0" smtClean="0"/>
+              <a:t>again</a:t>
+            </a:r>
           </a:p>
           <a:p>
             <a:pPr marL="171450" indent="-171450">
@@ -3244,41 +3469,15 @@
             </a:pPr>
             <a:r>
               <a:rPr lang="en-US" dirty="0" smtClean="0"/>
-              <a:t>Pre</a:t>
-            </a:r>
-            <a:r>
-              <a:rPr lang="en-US" dirty="0" smtClean="0"/>
-              <a:t>-fetching happens with L1d, can happen for L2 in systems with long pipelines.  </a:t>
-            </a:r>
-            <a:endParaRPr lang="en-US" dirty="0" smtClean="0"/>
-          </a:p>
-          <a:p>
-            <a:pPr marL="171450" indent="-171450">
-              <a:buFont typeface="Arial"/>
-              <a:buChar char="•"/>
-            </a:pPr>
-            <a:r>
-              <a:rPr lang="en-US" dirty="0" smtClean="0"/>
-              <a:t>Hardware </a:t>
-            </a:r>
-            <a:r>
-              <a:rPr lang="en-US" dirty="0" smtClean="0"/>
-              <a:t>prefetching cannot cross page boundaries, which slows it down as the working set size increases. If it did and the page wasn't there or is invalid, the OS would have to get involved and the program would experience a page fault it didn't initiate itself.  </a:t>
-            </a:r>
-            <a:endParaRPr lang="en-US" dirty="0" smtClean="0"/>
-          </a:p>
-          <a:p>
-            <a:pPr marL="171450" indent="-171450">
-              <a:buFont typeface="Arial"/>
-              <a:buChar char="•"/>
-            </a:pPr>
-            <a:r>
-              <a:rPr lang="en-US" dirty="0" smtClean="0"/>
-              <a:t>Temporally </a:t>
-            </a:r>
-            <a:r>
-              <a:rPr lang="en-US" dirty="0" smtClean="0"/>
-              <a:t>relevant data may be evicted fetching a line that will not be used.</a:t>
+              <a:t>Compulsory</a:t>
+            </a:r>
+            <a:r>
+              <a:rPr lang="en-US" dirty="0" smtClean="0"/>
+              <a:t>/Capacity/Conflict are miss </a:t>
+            </a:r>
+            <a:r>
+              <a:rPr lang="en-US" dirty="0" smtClean="0"/>
+              <a:t>types</a:t>
             </a:r>
             <a:endParaRPr lang="en-US" dirty="0"/>
           </a:p>
@@ -3310,7 +3509,7 @@
     </p:spTree>
     <p:extLst>
       <p:ext uri="{BB962C8B-B14F-4D97-AF65-F5344CB8AC3E}">
-        <p14:creationId xmlns:p14="http://schemas.microsoft.com/office/powerpoint/2010/main" val="2993986080"/>
+        <p14:creationId xmlns:p14="http://schemas.microsoft.com/office/powerpoint/2010/main" val="3294440195"/>
       </p:ext>
     </p:extLst>
   </p:cSld>
@@ -3370,9 +3569,12 @@
             </a:pPr>
             <a:r>
               <a:rPr lang="en-US" dirty="0" smtClean="0"/>
-              <a:t>The pre-fetcher will bring data into L1d for you.  The simpler your code, the better it can do this.  </a:t>
-            </a:r>
-            <a:endParaRPr lang="en-US" dirty="0" smtClean="0"/>
+              <a:t>Short lived data is not cheap, but variables scoped within a method running on the JVM are stack allocated and very </a:t>
+            </a:r>
+            <a:r>
+              <a:rPr lang="en-US" dirty="0" smtClean="0"/>
+              <a:t>fast</a:t>
+            </a:r>
           </a:p>
           <a:p>
             <a:pPr marL="171450" indent="-171450">
@@ -3381,13 +3583,24 @@
             </a:pPr>
             <a:r>
               <a:rPr lang="en-US" dirty="0" smtClean="0"/>
-              <a:t>If </a:t>
-            </a:r>
-            <a:r>
-              <a:rPr lang="en-US" dirty="0" smtClean="0"/>
-              <a:t>your code is complex, it will do it wrong, costing a cache miss and forcing it to lose the value of pre-fetching and having to go out to an outer layer to get that instruction again.  </a:t>
-            </a:r>
-            <a:endParaRPr lang="en-US" dirty="0" smtClean="0"/>
+              <a:t>Think </a:t>
+            </a:r>
+            <a:r>
+              <a:rPr lang="en-US" dirty="0" smtClean="0"/>
+              <a:t>about the affect of contending locking.  You've got a warmed cache with all of the data you need, and because of contention (arbitrated at the kernel level), the thread will be put to sleep and your cached data is sitting until you can gain the lock from the arbitrator.  Due to LRU, it could be evicted.  The kernel is general purpose, may decide to do some housekeeping like defragging some memory, </a:t>
+            </a:r>
+            <a:r>
+              <a:rPr lang="en-US" dirty="0" err="1" smtClean="0"/>
+              <a:t>futher</a:t>
+            </a:r>
+            <a:r>
+              <a:rPr lang="en-US" dirty="0" smtClean="0"/>
+              <a:t> polluting your cache.  When your thread finally does gain the lock, it may end up running on an entirely different core and will have to rewarm its cache.  Everything you do will be a cache miss until its warm again.  CAS is better, checking the value before you replace it with a new value.  If it's different, re-read and try again.  Happens in user space, not at the kernel, all on </a:t>
+            </a:r>
+            <a:r>
+              <a:rPr lang="en-US" dirty="0" smtClean="0"/>
+              <a:t>thread</a:t>
+            </a:r>
           </a:p>
           <a:p>
             <a:pPr marL="171450" indent="-171450">
@@ -3395,12 +3608,38 @@
               <a:buChar char="•"/>
             </a:pPr>
             <a:r>
-              <a:rPr lang="en-US" dirty="0" smtClean="0"/>
-              <a:t>Compulsory</a:t>
-            </a:r>
-            <a:r>
-              <a:rPr lang="en-US" dirty="0" smtClean="0"/>
-              <a:t>/Capacity/Conflict are miss types.</a:t>
+              <a:rPr lang="en-US" dirty="0" err="1" smtClean="0"/>
+              <a:t>Algos</a:t>
+            </a:r>
+            <a:r>
+              <a:rPr lang="en-US" dirty="0" smtClean="0"/>
+              <a:t> </a:t>
+            </a:r>
+            <a:r>
+              <a:rPr lang="en-US" dirty="0" smtClean="0"/>
+              <a:t>get a lot harder, though - state machines with many more steps and complexity.  And there is still a non-negligible cost.  Remember the cycle time diffs for different cache sizes; if the workload can be tailored to the size of the last level cache, performance can be dramatically </a:t>
+            </a:r>
+            <a:r>
+              <a:rPr lang="en-US" dirty="0" smtClean="0"/>
+              <a:t>improved</a:t>
+            </a:r>
+          </a:p>
+          <a:p>
+            <a:pPr marL="171450" indent="-171450">
+              <a:buFont typeface="Arial"/>
+              <a:buChar char="•"/>
+            </a:pPr>
+            <a:r>
+              <a:rPr lang="en-US" dirty="0" smtClean="0"/>
+              <a:t>Note </a:t>
+            </a:r>
+            <a:r>
+              <a:rPr lang="en-US" dirty="0" smtClean="0"/>
+              <a:t>that for large data sets, you may have to be oblivious to </a:t>
+            </a:r>
+            <a:r>
+              <a:rPr lang="en-US" dirty="0" smtClean="0"/>
+              <a:t>caching</a:t>
             </a:r>
             <a:endParaRPr lang="en-US" dirty="0"/>
           </a:p>
@@ -3432,7 +3671,7 @@
     </p:spTree>
     <p:extLst>
       <p:ext uri="{BB962C8B-B14F-4D97-AF65-F5344CB8AC3E}">
-        <p14:creationId xmlns:p14="http://schemas.microsoft.com/office/powerpoint/2010/main" val="3294440195"/>
+        <p14:creationId xmlns:p14="http://schemas.microsoft.com/office/powerpoint/2010/main" val="3585963599"/>
       </p:ext>
     </p:extLst>
   </p:cSld>
@@ -3486,70 +3725,29 @@
           <a:bodyPr/>
           <a:lstStyle/>
           <a:p>
-            <a:pPr marL="171450" indent="-171450">
-              <a:buFont typeface="Arial"/>
-              <a:buChar char="•"/>
-            </a:pPr>
-            <a:r>
-              <a:rPr lang="en-US" dirty="0" smtClean="0"/>
-              <a:t>Short lived data is not cheap, but variables scoped within a method running on the JVM are stack allocated and very fast.  </a:t>
-            </a:r>
-            <a:endParaRPr lang="en-US" dirty="0" smtClean="0"/>
-          </a:p>
-          <a:p>
-            <a:pPr marL="171450" indent="-171450">
-              <a:buFont typeface="Arial"/>
-              <a:buChar char="•"/>
-            </a:pPr>
-            <a:r>
-              <a:rPr lang="en-US" dirty="0" smtClean="0"/>
-              <a:t>Think </a:t>
-            </a:r>
-            <a:r>
-              <a:rPr lang="en-US" dirty="0" smtClean="0"/>
-              <a:t>about the affect of contending locking.  You've got a warmed cache with all of the data you need, and because of contention (arbitrated at the kernel level), the thread will be put to sleep and your cached data is sitting until you can gain the lock from the arbitrator.  Due to LRU, it could be evicted.  The kernel is general purpose, may decide to do some housekeeping like defragging some memory, </a:t>
-            </a:r>
-            <a:r>
-              <a:rPr lang="en-US" dirty="0" err="1" smtClean="0"/>
-              <a:t>futher</a:t>
-            </a:r>
-            <a:r>
-              <a:rPr lang="en-US" dirty="0" smtClean="0"/>
-              <a:t> polluting your cache.  When your thread finally does gain the lock, it may end up running on an entirely different core and will have to rewarm its cache.  Everything you do will be a cache miss until its warm again.  CAS is better, checking the value before you replace it with a new value.  If it's different, re-read and try again.  Happens in user space, not at the kernel, all on thread.  </a:t>
-            </a:r>
-            <a:endParaRPr lang="en-US" dirty="0" smtClean="0"/>
-          </a:p>
-          <a:p>
-            <a:pPr marL="171450" indent="-171450">
-              <a:buFont typeface="Arial"/>
-              <a:buChar char="•"/>
-            </a:pPr>
-            <a:r>
-              <a:rPr lang="en-US" dirty="0" err="1" smtClean="0"/>
-              <a:t>Algos</a:t>
-            </a:r>
-            <a:r>
-              <a:rPr lang="en-US" dirty="0" smtClean="0"/>
-              <a:t> </a:t>
-            </a:r>
-            <a:r>
-              <a:rPr lang="en-US" dirty="0" smtClean="0"/>
-              <a:t>get a lot harder, though - state machines with many more steps and complexity.  And there is still a non-negligible cost.  Remember the cycle time diffs for different cache sizes; if the workload can be tailored to the size of the last level cache, performance can be dramatically improved.  </a:t>
-            </a:r>
-            <a:endParaRPr lang="en-US" dirty="0" smtClean="0"/>
-          </a:p>
-          <a:p>
-            <a:pPr marL="171450" indent="-171450">
-              <a:buFont typeface="Arial"/>
-              <a:buChar char="•"/>
-            </a:pPr>
-            <a:r>
-              <a:rPr lang="en-US" dirty="0" smtClean="0"/>
-              <a:t>Note </a:t>
-            </a:r>
-            <a:r>
-              <a:rPr lang="en-US" dirty="0" smtClean="0"/>
-              <a:t>that for large data sets, you may have to be oblivious to caching.</a:t>
+            <a:r>
+              <a:rPr lang="en-US" dirty="0" smtClean="0"/>
+              <a:t>Eventually, caches have to </a:t>
+            </a:r>
+            <a:r>
+              <a:rPr lang="en-US" dirty="0" smtClean="0"/>
+              <a:t>evict,</a:t>
+            </a:r>
+            <a:r>
+              <a:rPr lang="en-US" baseline="0" dirty="0" smtClean="0"/>
+              <a:t> c</a:t>
+            </a:r>
+            <a:r>
+              <a:rPr lang="en-US" dirty="0" smtClean="0"/>
+              <a:t>ache </a:t>
+            </a:r>
+            <a:r>
+              <a:rPr lang="en-US" dirty="0" smtClean="0"/>
+              <a:t>misses cost hundreds of </a:t>
+            </a:r>
+            <a:r>
+              <a:rPr lang="en-US" dirty="0" smtClean="0"/>
+              <a:t>cycles</a:t>
             </a:r>
             <a:endParaRPr lang="en-US" dirty="0"/>
           </a:p>
@@ -3581,7 +3779,7 @@
     </p:spTree>
     <p:extLst>
       <p:ext uri="{BB962C8B-B14F-4D97-AF65-F5344CB8AC3E}">
-        <p14:creationId xmlns:p14="http://schemas.microsoft.com/office/powerpoint/2010/main" val="3585963599"/>
+        <p14:creationId xmlns:p14="http://schemas.microsoft.com/office/powerpoint/2010/main" val="1715473929"/>
       </p:ext>
     </p:extLst>
   </p:cSld>
@@ -3816,9 +4014,91 @@
           <a:bodyPr/>
           <a:lstStyle/>
           <a:p>
-            <a:r>
-              <a:rPr lang="en-US" dirty="0" smtClean="0"/>
-              <a:t>Eventually, caches have to evict.  Cache misses cost hundreds of cycles.</a:t>
+            <a:pPr marL="171450" indent="-171450">
+              <a:buFont typeface="Arial"/>
+              <a:buChar char="•"/>
+            </a:pPr>
+            <a:r>
+              <a:rPr lang="en-US" dirty="0" err="1" smtClean="0"/>
+              <a:t>Hyperthreading</a:t>
+            </a:r>
+            <a:r>
+              <a:rPr lang="en-US" dirty="0" smtClean="0"/>
+              <a:t> shares all CPU resources except the register </a:t>
+            </a:r>
+            <a:r>
+              <a:rPr lang="en-US" dirty="0" smtClean="0"/>
+              <a:t>set</a:t>
+            </a:r>
+          </a:p>
+          <a:p>
+            <a:pPr marL="171450" indent="-171450">
+              <a:buFont typeface="Arial"/>
+              <a:buChar char="•"/>
+            </a:pPr>
+            <a:r>
+              <a:rPr lang="en-US" dirty="0" smtClean="0"/>
+              <a:t>Intel </a:t>
+            </a:r>
+            <a:r>
+              <a:rPr lang="en-US" dirty="0" smtClean="0"/>
+              <a:t>CPUs limit to two threads per core, allows one hyper thread to access resources (like the arithmetic logic unit) while another hyper thread is delayed, usually by memory access.  Only more efficient if the combined runtime is lower than a single thread, possible by overlapping wait times for different memory access that would ordinarily be sequential.  The only variable is the number of cache </a:t>
+            </a:r>
+            <a:r>
+              <a:rPr lang="en-US" dirty="0" smtClean="0"/>
+              <a:t>hits</a:t>
+            </a:r>
+          </a:p>
+          <a:p>
+            <a:pPr marL="171450" indent="-171450">
+              <a:buFont typeface="Arial"/>
+              <a:buChar char="•"/>
+            </a:pPr>
+            <a:r>
+              <a:rPr lang="en-US" dirty="0" smtClean="0"/>
+              <a:t>Note </a:t>
+            </a:r>
+            <a:r>
+              <a:rPr lang="en-US" dirty="0" smtClean="0"/>
+              <a:t>that the effectively shared L1d </a:t>
+            </a:r>
+            <a:r>
+              <a:rPr lang="en-US" dirty="0" smtClean="0"/>
+              <a:t>&amp; L2 </a:t>
+            </a:r>
+            <a:r>
+              <a:rPr lang="en-US" dirty="0" smtClean="0"/>
+              <a:t>reduce the available caches and bandwidth for each thread to 50% when executing two completely different </a:t>
+            </a:r>
+            <a:r>
+              <a:rPr lang="en-US" dirty="0" smtClean="0"/>
+              <a:t>threads of execution (</a:t>
+            </a:r>
+            <a:r>
+              <a:rPr lang="en-US" dirty="0" smtClean="0"/>
+              <a:t>questionable unless the caches are very large), inducing more cache misses, therefore hyper threading is only useful in a limited set of situations.  Can be good for debugging with </a:t>
+            </a:r>
+            <a:r>
+              <a:rPr lang="en-US" dirty="0" smtClean="0"/>
+              <a:t>SMT (simultaneous multi-threading)</a:t>
+            </a:r>
+          </a:p>
+          <a:p>
+            <a:pPr marL="171450" indent="-171450">
+              <a:buFont typeface="Arial"/>
+              <a:buChar char="•"/>
+            </a:pPr>
+            <a:r>
+              <a:rPr lang="en-US" dirty="0" smtClean="0"/>
+              <a:t>Contrast </a:t>
+            </a:r>
+            <a:r>
+              <a:rPr lang="en-US" dirty="0" smtClean="0"/>
+              <a:t>this with Bulldozer's "modules" (akin to two cores), which has dedicated schedulers and integer units for each thread in a single </a:t>
+            </a:r>
+            <a:r>
+              <a:rPr lang="en-US" dirty="0" smtClean="0"/>
+              <a:t>processor</a:t>
             </a:r>
             <a:endParaRPr lang="en-US" dirty="0"/>
           </a:p>
@@ -3850,7 +4130,7 @@
     </p:spTree>
     <p:extLst>
       <p:ext uri="{BB962C8B-B14F-4D97-AF65-F5344CB8AC3E}">
-        <p14:creationId xmlns:p14="http://schemas.microsoft.com/office/powerpoint/2010/main" val="1715473929"/>
+        <p14:creationId xmlns:p14="http://schemas.microsoft.com/office/powerpoint/2010/main" val="3781979766"/>
       </p:ext>
     </p:extLst>
   </p:cSld>
@@ -3909,14 +4189,13 @@
               <a:buChar char="•"/>
             </a:pPr>
             <a:r>
-              <a:rPr lang="en-US" dirty="0" err="1" smtClean="0"/>
-              <a:t>Hyperthreading</a:t>
-            </a:r>
-            <a:r>
-              <a:rPr lang="en-US" dirty="0" smtClean="0"/>
-              <a:t> shares all CPU resources except the register set.  </a:t>
-            </a:r>
-            <a:endParaRPr lang="en-US" dirty="0" smtClean="0"/>
+              <a:rPr lang="en-US" dirty="0" smtClean="0"/>
+              <a:t>If n is not very large, an array will beat it for </a:t>
+            </a:r>
+            <a:r>
+              <a:rPr lang="en-US" dirty="0" smtClean="0"/>
+              <a:t>performance</a:t>
+            </a:r>
           </a:p>
           <a:p>
             <a:pPr marL="171450" indent="-171450">
@@ -3925,13 +4204,16 @@
             </a:pPr>
             <a:r>
               <a:rPr lang="en-US" dirty="0" smtClean="0"/>
-              <a:t>Intel </a:t>
-            </a:r>
-            <a:r>
-              <a:rPr lang="en-US" dirty="0" smtClean="0"/>
-              <a:t>CPUs limit to two threads per core, allows one hyper thread to access resources (like the arithmetic logic unit) while another hyper thread is delayed, usually by memory access.  Only more efficient if the combined runtime is lower than a single thread, possible by overlapping wait times for different memory access that would ordinarily be sequential.  The only variable is the number of cache hits. </a:t>
-            </a:r>
-            <a:endParaRPr lang="en-US" dirty="0" smtClean="0"/>
+              <a:t>Linked </a:t>
+            </a:r>
+            <a:r>
+              <a:rPr lang="en-US" dirty="0" smtClean="0"/>
+              <a:t>lists and trees have pointer chasing which are bad for striding across 2K cache pre-</a:t>
+            </a:r>
+            <a:r>
+              <a:rPr lang="en-US" dirty="0" smtClean="0"/>
+              <a:t>fetching</a:t>
+            </a:r>
           </a:p>
           <a:p>
             <a:pPr marL="171450" indent="-171450">
@@ -3940,31 +4222,19 @@
             </a:pPr>
             <a:r>
               <a:rPr lang="en-US" dirty="0" smtClean="0"/>
-              <a:t>Note </a:t>
-            </a:r>
-            <a:r>
-              <a:rPr lang="en-US" dirty="0" smtClean="0"/>
-              <a:t>that the effectively shared L1d </a:t>
-            </a:r>
-            <a:r>
-              <a:rPr lang="en-US" dirty="0" smtClean="0"/>
-              <a:t>&amp; L2 </a:t>
-            </a:r>
-            <a:r>
-              <a:rPr lang="en-US" dirty="0" smtClean="0"/>
-              <a:t>reduce the available caches and bandwidth for each thread to 50% when executing two completely different </a:t>
-            </a:r>
-            <a:r>
-              <a:rPr lang="en-US" dirty="0" smtClean="0"/>
-              <a:t>threads of execution (</a:t>
-            </a:r>
-            <a:r>
-              <a:rPr lang="en-US" dirty="0" smtClean="0"/>
-              <a:t>questionable unless the caches are very large), inducing more cache misses, therefore hyper threading is only useful in a limited set of situations.  Can be good for debugging with </a:t>
-            </a:r>
-            <a:r>
-              <a:rPr lang="en-US" dirty="0" smtClean="0"/>
-              <a:t>SMT (simultaneous multi-threading).  </a:t>
+              <a:t>Java's </a:t>
+            </a:r>
+            <a:r>
+              <a:rPr lang="en-US" dirty="0" err="1" smtClean="0"/>
+              <a:t>hashmap</a:t>
+            </a:r>
+            <a:r>
+              <a:rPr lang="en-US" dirty="0" smtClean="0"/>
+              <a:t> uses chained buckets, where each hash's bucket is a linked </a:t>
+            </a:r>
+            <a:r>
+              <a:rPr lang="en-US" dirty="0" smtClean="0"/>
+              <a:t>list</a:t>
             </a:r>
           </a:p>
           <a:p>
@@ -3973,12 +4243,70 @@
               <a:buChar char="•"/>
             </a:pPr>
             <a:r>
-              <a:rPr lang="en-US" dirty="0" smtClean="0"/>
-              <a:t>Contrast </a:t>
-            </a:r>
-            <a:r>
-              <a:rPr lang="en-US" dirty="0" smtClean="0"/>
-              <a:t>this with Bulldozer's "modules" (akin to two cores), which has dedicated schedulers and integer units for each thread in a single processor.</a:t>
+              <a:rPr lang="en-US" dirty="0" err="1" smtClean="0"/>
+              <a:t>Clojure</a:t>
+            </a:r>
+            <a:r>
+              <a:rPr lang="en-US" dirty="0" smtClean="0"/>
+              <a:t>/</a:t>
+            </a:r>
+            <a:r>
+              <a:rPr lang="en-US" dirty="0" err="1" smtClean="0"/>
+              <a:t>Scala</a:t>
+            </a:r>
+            <a:r>
+              <a:rPr lang="en-US" dirty="0" smtClean="0"/>
+              <a:t> vectors are good, because they have groupings of contiguous memory in use, but do not require all data to be contiguous like Java's </a:t>
+            </a:r>
+            <a:r>
+              <a:rPr lang="en-US" dirty="0" err="1" smtClean="0"/>
+              <a:t>ArrayList</a:t>
+            </a:r>
+            <a:endParaRPr lang="en-US" dirty="0" smtClean="0"/>
+          </a:p>
+          <a:p>
+            <a:pPr marL="171450" indent="-171450">
+              <a:buFont typeface="Arial"/>
+              <a:buChar char="•"/>
+            </a:pPr>
+            <a:r>
+              <a:rPr lang="en-US" dirty="0" smtClean="0"/>
+              <a:t>Cliff Click has his lock-free library, Boundary has added with</a:t>
+            </a:r>
+            <a:r>
+              <a:rPr lang="en-US" baseline="0" dirty="0" smtClean="0"/>
+              <a:t> their own implementations</a:t>
+            </a:r>
+            <a:endParaRPr lang="en-US" dirty="0" smtClean="0"/>
+          </a:p>
+          <a:p>
+            <a:pPr marL="171450" indent="-171450">
+              <a:buFont typeface="Arial"/>
+              <a:buChar char="•"/>
+            </a:pPr>
+            <a:r>
+              <a:rPr lang="en-US" dirty="0" err="1" smtClean="0"/>
+              <a:t>Fastutil</a:t>
+            </a:r>
+            <a:r>
+              <a:rPr lang="en-US" dirty="0" smtClean="0"/>
+              <a:t> </a:t>
+            </a:r>
+            <a:r>
+              <a:rPr lang="en-US" dirty="0" smtClean="0"/>
+              <a:t>is additive, no removal, but that's not necessarily a bad thing with proper </a:t>
+            </a:r>
+            <a:r>
+              <a:rPr lang="en-US" dirty="0" err="1" smtClean="0"/>
+              <a:t>tombstoning</a:t>
+            </a:r>
+            <a:r>
+              <a:rPr lang="en-US" dirty="0" smtClean="0"/>
+              <a:t> and data </a:t>
+            </a:r>
+            <a:r>
+              <a:rPr lang="en-US" dirty="0" smtClean="0"/>
+              <a:t>cleanup</a:t>
             </a:r>
             <a:endParaRPr lang="en-US" dirty="0"/>
           </a:p>
@@ -4010,7 +4338,7 @@
     </p:spTree>
     <p:extLst>
       <p:ext uri="{BB962C8B-B14F-4D97-AF65-F5344CB8AC3E}">
-        <p14:creationId xmlns:p14="http://schemas.microsoft.com/office/powerpoint/2010/main" val="3781979766"/>
+        <p14:creationId xmlns:p14="http://schemas.microsoft.com/office/powerpoint/2010/main" val="3096770246"/>
       </p:ext>
     </p:extLst>
   </p:cSld>
@@ -4070,7 +4398,7 @@
             </a:pPr>
             <a:r>
               <a:rPr lang="en-US" dirty="0" smtClean="0"/>
-              <a:t>If n is not very large, an array will beat it for performance.  </a:t>
+              <a:t>We can have as much RAM/heap space as we want now.  And requirements for RAM grow at about 100x per decade.  But are we now bound by GC?  You can get 100GB of heap, but how long do you pause for marking/remarking phases and compaction?  Even on a 2-4 GB heap, you're going to get multi-second pauses - when and how often?  </a:t>
             </a:r>
             <a:endParaRPr lang="en-US" dirty="0" smtClean="0"/>
           </a:p>
@@ -4081,11 +4409,11 @@
             </a:pPr>
             <a:r>
               <a:rPr lang="en-US" dirty="0" smtClean="0"/>
-              <a:t>Linked </a:t>
-            </a:r>
-            <a:r>
-              <a:rPr lang="en-US" dirty="0" smtClean="0"/>
-              <a:t>lists and trees have pointer chasing which are bad for striding across 2K cache pre-fetching.  </a:t>
+              <a:t>IBM </a:t>
+            </a:r>
+            <a:r>
+              <a:rPr lang="en-US" dirty="0" smtClean="0"/>
+              <a:t>Metronome collector is very predictable. </a:t>
             </a:r>
             <a:endParaRPr lang="en-US" dirty="0" smtClean="0"/>
           </a:p>
@@ -4096,73 +4424,11 @@
             </a:pPr>
             <a:r>
               <a:rPr lang="en-US" dirty="0" smtClean="0"/>
-              <a:t>Java's </a:t>
-            </a:r>
-            <a:r>
-              <a:rPr lang="en-US" dirty="0" err="1" smtClean="0"/>
-              <a:t>hashmap</a:t>
-            </a:r>
-            <a:r>
-              <a:rPr lang="en-US" dirty="0" smtClean="0"/>
-              <a:t> uses chained buckets, where each hash's bucket is a linked list.  </a:t>
-            </a:r>
-            <a:endParaRPr lang="en-US" dirty="0" smtClean="0"/>
-          </a:p>
-          <a:p>
-            <a:pPr marL="171450" indent="-171450">
-              <a:buFont typeface="Arial"/>
-              <a:buChar char="•"/>
-            </a:pPr>
-            <a:r>
-              <a:rPr lang="en-US" dirty="0" err="1" smtClean="0"/>
-              <a:t>Clojure</a:t>
-            </a:r>
-            <a:r>
-              <a:rPr lang="en-US" dirty="0" smtClean="0"/>
-              <a:t>/</a:t>
-            </a:r>
-            <a:r>
-              <a:rPr lang="en-US" dirty="0" err="1" smtClean="0"/>
-              <a:t>Scala</a:t>
-            </a:r>
-            <a:r>
-              <a:rPr lang="en-US" dirty="0" smtClean="0"/>
-              <a:t> vectors are good, because they have groupings of contiguous memory in use, but do not require all data to be contiguous like Java's </a:t>
-            </a:r>
-            <a:r>
-              <a:rPr lang="en-US" dirty="0" err="1" smtClean="0"/>
-              <a:t>ArrayList</a:t>
-            </a:r>
-            <a:r>
-              <a:rPr lang="en-US" dirty="0" smtClean="0"/>
-              <a:t>.  </a:t>
-            </a:r>
-            <a:endParaRPr lang="en-US" dirty="0" smtClean="0"/>
-          </a:p>
-          <a:p>
-            <a:pPr marL="171450" indent="-171450">
-              <a:buFont typeface="Arial"/>
-              <a:buChar char="•"/>
-            </a:pPr>
-            <a:r>
-              <a:rPr lang="en-US" dirty="0" err="1" smtClean="0"/>
-              <a:t>Fastutil</a:t>
-            </a:r>
-            <a:r>
-              <a:rPr lang="en-US" dirty="0" smtClean="0"/>
-              <a:t> </a:t>
-            </a:r>
-            <a:r>
-              <a:rPr lang="en-US" dirty="0" smtClean="0"/>
-              <a:t>is additive, no removal, but that's not necessarily a bad thing with proper </a:t>
-            </a:r>
-            <a:r>
-              <a:rPr lang="en-US" dirty="0" err="1" smtClean="0"/>
-              <a:t>tombstoning</a:t>
-            </a:r>
-            <a:r>
-              <a:rPr lang="en-US" dirty="0" smtClean="0"/>
-              <a:t> and data cleanup.</a:t>
+              <a:t>Azul </a:t>
+            </a:r>
+            <a:r>
+              <a:rPr lang="en-US" dirty="0" smtClean="0"/>
+              <a:t>around one millisecond for lots of garbage with C4.</a:t>
             </a:r>
             <a:endParaRPr lang="en-US" dirty="0"/>
           </a:p>
@@ -4194,7 +4460,7 @@
     </p:spTree>
     <p:extLst>
       <p:ext uri="{BB962C8B-B14F-4D97-AF65-F5344CB8AC3E}">
-        <p14:creationId xmlns:p14="http://schemas.microsoft.com/office/powerpoint/2010/main" val="3096770246"/>
+        <p14:creationId xmlns:p14="http://schemas.microsoft.com/office/powerpoint/2010/main" val="2539898566"/>
       </p:ext>
     </p:extLst>
   </p:cSld>
@@ -4248,43 +4514,17 @@
           <a:bodyPr/>
           <a:lstStyle/>
           <a:p>
-            <a:pPr marL="171450" indent="-171450">
-              <a:buFont typeface="Arial"/>
-              <a:buChar char="•"/>
-            </a:pPr>
-            <a:r>
-              <a:rPr lang="en-US" dirty="0" smtClean="0"/>
-              <a:t>We can have as much RAM/heap space as we want now.  And requirements for RAM grow at about 100x per decade.  But are we now bound by GC?  You can get 100GB of heap, but how long do you pause for marking/remarking phases and compaction?  Even on a 2-4 GB heap, you're going to get multi-second pauses - when and how often?  </a:t>
-            </a:r>
-            <a:endParaRPr lang="en-US" dirty="0" smtClean="0"/>
-          </a:p>
-          <a:p>
-            <a:pPr marL="171450" indent="-171450">
-              <a:buFont typeface="Arial"/>
-              <a:buChar char="•"/>
-            </a:pPr>
-            <a:r>
-              <a:rPr lang="en-US" dirty="0" smtClean="0"/>
-              <a:t>IBM </a:t>
-            </a:r>
-            <a:r>
-              <a:rPr lang="en-US" dirty="0" smtClean="0"/>
-              <a:t>Metronome collector is very predictable. </a:t>
-            </a:r>
-            <a:endParaRPr lang="en-US" dirty="0" smtClean="0"/>
-          </a:p>
-          <a:p>
-            <a:pPr marL="171450" indent="-171450">
-              <a:buFont typeface="Arial"/>
-              <a:buChar char="•"/>
-            </a:pPr>
-            <a:r>
-              <a:rPr lang="en-US" dirty="0" smtClean="0"/>
-              <a:t>Azul </a:t>
-            </a:r>
-            <a:r>
-              <a:rPr lang="en-US" dirty="0" smtClean="0"/>
-              <a:t>around one millisecond for lots of garbage with C4.</a:t>
+            <a:r>
+              <a:rPr lang="en-US" dirty="0" smtClean="0"/>
+              <a:t>Graphics card processing (</a:t>
+            </a:r>
+            <a:r>
+              <a:rPr lang="en-US" dirty="0" err="1" smtClean="0"/>
+              <a:t>OpenCL</a:t>
+            </a:r>
+            <a:r>
+              <a:rPr lang="en-US" dirty="0" smtClean="0"/>
+              <a:t>) is great for specific kinds of operations, like floating point arithmetic. But they don't perform well for all operations, and you have to get the data to them.</a:t>
             </a:r>
             <a:endParaRPr lang="en-US" dirty="0"/>
           </a:p>
@@ -4316,7 +4556,7 @@
     </p:spTree>
     <p:extLst>
       <p:ext uri="{BB962C8B-B14F-4D97-AF65-F5344CB8AC3E}">
-        <p14:creationId xmlns:p14="http://schemas.microsoft.com/office/powerpoint/2010/main" val="2539898566"/>
+        <p14:creationId xmlns:p14="http://schemas.microsoft.com/office/powerpoint/2010/main" val="2842034766"/>
       </p:ext>
     </p:extLst>
   </p:cSld>
@@ -4370,17 +4610,32 @@
           <a:bodyPr/>
           <a:lstStyle/>
           <a:p>
-            <a:r>
-              <a:rPr lang="en-US" dirty="0" smtClean="0"/>
-              <a:t>Graphics card processing (</a:t>
-            </a:r>
-            <a:r>
-              <a:rPr lang="en-US" dirty="0" err="1" smtClean="0"/>
-              <a:t>OpenCL</a:t>
-            </a:r>
-            <a:r>
-              <a:rPr lang="en-US" dirty="0" smtClean="0"/>
-              <a:t>) is great for specific kinds of operations, like floating point arithmetic. But they don't perform well for all operations, and you have to get the data to them.</a:t>
+            <a:pPr marL="171450" indent="-171450">
+              <a:buFont typeface="Arial"/>
+              <a:buChar char="•"/>
+            </a:pPr>
+            <a:r>
+              <a:rPr lang="en-US" dirty="0" smtClean="0"/>
+              <a:t>Number </a:t>
+            </a:r>
+            <a:r>
+              <a:rPr lang="en-US" dirty="0" smtClean="0"/>
+              <a:t>of cores is large enough that traditional multi-processor techniques are no longer efficient[citation needed] — largely because of issues with congestion in supplying instructions and data to the many processors.  </a:t>
+            </a:r>
+            <a:endParaRPr lang="en-US" dirty="0" smtClean="0"/>
+          </a:p>
+          <a:p>
+            <a:pPr marL="171450" indent="-171450">
+              <a:buFont typeface="Arial"/>
+              <a:buChar char="•"/>
+            </a:pPr>
+            <a:r>
+              <a:rPr lang="en-US" dirty="0" smtClean="0"/>
+              <a:t>Network</a:t>
+            </a:r>
+            <a:r>
+              <a:rPr lang="en-US" dirty="0" smtClean="0"/>
+              <a:t>-on-chip technology may be advantageous above this threshold</a:t>
             </a:r>
             <a:endParaRPr lang="en-US" dirty="0"/>
           </a:p>
@@ -4403,7 +4658,7 @@
           <a:p>
             <a:fld id="{6FB72C01-34E9-E14B-AAE2-412FD825F959}" type="slidenum">
               <a:rPr lang="en-US" smtClean="0"/>
-              <a:t>39</a:t>
+              <a:t>40</a:t>
             </a:fld>
             <a:endParaRPr lang="en-US"/>
           </a:p>
@@ -4412,7 +4667,7 @@
     </p:spTree>
     <p:extLst>
       <p:ext uri="{BB962C8B-B14F-4D97-AF65-F5344CB8AC3E}">
-        <p14:creationId xmlns:p14="http://schemas.microsoft.com/office/powerpoint/2010/main" val="2842034766"/>
+        <p14:creationId xmlns:p14="http://schemas.microsoft.com/office/powerpoint/2010/main" val="1551483098"/>
       </p:ext>
     </p:extLst>
   </p:cSld>
@@ -4472,11 +4727,11 @@
             </a:pPr>
             <a:r>
               <a:rPr lang="en-US" dirty="0" smtClean="0"/>
-              <a:t>Number </a:t>
-            </a:r>
-            <a:r>
-              <a:rPr lang="en-US" dirty="0" smtClean="0"/>
-              <a:t>of cores is large enough that traditional multi-processor techniques are no longer efficient[citation needed] — largely because of issues with congestion in supplying instructions and data to the many processors.  </a:t>
+              <a:t>From </a:t>
+            </a:r>
+            <a:r>
+              <a:rPr lang="en-US" dirty="0" smtClean="0"/>
+              <a:t>HP, due to come out this year or next, may change memory fundamentally. </a:t>
             </a:r>
             <a:endParaRPr lang="en-US" dirty="0" smtClean="0"/>
           </a:p>
@@ -4487,11 +4742,56 @@
             </a:pPr>
             <a:r>
               <a:rPr lang="en-US" dirty="0" smtClean="0"/>
-              <a:t>Network</a:t>
-            </a:r>
-            <a:r>
-              <a:rPr lang="en-US" dirty="0" smtClean="0"/>
-              <a:t>-on-chip technology may be advantageous above this threshold</a:t>
+              <a:t>If </a:t>
+            </a:r>
+            <a:r>
+              <a:rPr lang="en-US" dirty="0" smtClean="0"/>
+              <a:t>the data and the function are together, you get the highest throughput and lowest latency possible.  </a:t>
+            </a:r>
+            <a:endParaRPr lang="en-US" dirty="0" smtClean="0"/>
+          </a:p>
+          <a:p>
+            <a:pPr marL="171450" indent="-171450">
+              <a:buFont typeface="Arial"/>
+              <a:buChar char="•"/>
+            </a:pPr>
+            <a:r>
+              <a:rPr lang="en-US" dirty="0" smtClean="0"/>
+              <a:t>Could </a:t>
+            </a:r>
+            <a:r>
+              <a:rPr lang="en-US" dirty="0" smtClean="0"/>
+              <a:t>replace DRAM and disk entirely. </a:t>
+            </a:r>
+            <a:endParaRPr lang="en-US" dirty="0" smtClean="0"/>
+          </a:p>
+          <a:p>
+            <a:pPr marL="171450" indent="-171450">
+              <a:buFont typeface="Arial"/>
+              <a:buChar char="•"/>
+            </a:pPr>
+            <a:r>
+              <a:rPr lang="en-US" dirty="0" smtClean="0"/>
+              <a:t>When </a:t>
+            </a:r>
+            <a:r>
+              <a:rPr lang="en-US" dirty="0" smtClean="0"/>
+              <a:t>current flows in one direction through the device, the electrical resistance increases; and when current flows in the opposite direction, the resistance decreases.  When the current is stopped, the component retains the last resistance that it had, and when the flow of charge starts again, the resistance of the circuit will be what it was when it was last active.  </a:t>
+            </a:r>
+            <a:endParaRPr lang="en-US" dirty="0" smtClean="0"/>
+          </a:p>
+          <a:p>
+            <a:pPr marL="171450" indent="-171450">
+              <a:buFont typeface="Arial"/>
+              <a:buChar char="•"/>
+            </a:pPr>
+            <a:r>
+              <a:rPr lang="en-US" dirty="0" smtClean="0"/>
+              <a:t>Is </a:t>
+            </a:r>
+            <a:r>
+              <a:rPr lang="en-US" dirty="0" smtClean="0"/>
+              <a:t>write endurance good enough for anything but storage?</a:t>
             </a:r>
             <a:endParaRPr lang="en-US" dirty="0"/>
           </a:p>
@@ -4523,7 +4823,7 @@
     </p:spTree>
     <p:extLst>
       <p:ext uri="{BB962C8B-B14F-4D97-AF65-F5344CB8AC3E}">
-        <p14:creationId xmlns:p14="http://schemas.microsoft.com/office/powerpoint/2010/main" val="1551483098"/>
+        <p14:creationId xmlns:p14="http://schemas.microsoft.com/office/powerpoint/2010/main" val="1119942056"/>
       </p:ext>
     </p:extLst>
   </p:cSld>
@@ -4583,11 +4883,7 @@
             </a:pPr>
             <a:r>
               <a:rPr lang="en-US" dirty="0" smtClean="0"/>
-              <a:t>From </a:t>
-            </a:r>
-            <a:r>
-              <a:rPr lang="en-US" dirty="0" smtClean="0"/>
-              <a:t>HP, due to come out this year or next, may change memory fundamentally. </a:t>
+              <a:t>Thermally-driven phase change, not an electronic process.  </a:t>
             </a:r>
             <a:endParaRPr lang="en-US" dirty="0" smtClean="0"/>
           </a:p>
@@ -4598,11 +4894,11 @@
             </a:pPr>
             <a:r>
               <a:rPr lang="en-US" dirty="0" smtClean="0"/>
-              <a:t>If </a:t>
-            </a:r>
-            <a:r>
-              <a:rPr lang="en-US" dirty="0" smtClean="0"/>
-              <a:t>the data and the function are together, you get the highest throughput and lowest latency possible.  </a:t>
+              <a:t>Faster </a:t>
+            </a:r>
+            <a:r>
+              <a:rPr lang="en-US" dirty="0" smtClean="0"/>
+              <a:t>because it doesn't need to erase a block of cells before writing.  </a:t>
             </a:r>
             <a:endParaRPr lang="en-US" dirty="0" smtClean="0"/>
           </a:p>
@@ -4613,11 +4909,11 @@
             </a:pPr>
             <a:r>
               <a:rPr lang="en-US" dirty="0" smtClean="0"/>
-              <a:t>Could </a:t>
-            </a:r>
-            <a:r>
-              <a:rPr lang="en-US" dirty="0" smtClean="0"/>
-              <a:t>replace DRAM and disk entirely. </a:t>
+              <a:t>Flash </a:t>
+            </a:r>
+            <a:r>
+              <a:rPr lang="en-US" dirty="0" smtClean="0"/>
+              <a:t>degrades at 5000 writes per sector, where PRAM lasts 100 million writes. </a:t>
             </a:r>
             <a:endParaRPr lang="en-US" dirty="0" smtClean="0"/>
           </a:p>
@@ -4628,26 +4924,19 @@
             </a:pPr>
             <a:r>
               <a:rPr lang="en-US" dirty="0" smtClean="0"/>
-              <a:t>When </a:t>
-            </a:r>
-            <a:r>
-              <a:rPr lang="en-US" dirty="0" smtClean="0"/>
-              <a:t>current flows in one direction through the device, the electrical resistance increases; and when current flows in the opposite direction, the resistance decreases.  When the current is stopped, the component retains the last resistance that it had, and when the flow of charge starts again, the resistance of the circuit will be what it was when it was last active.  </a:t>
-            </a:r>
-            <a:endParaRPr lang="en-US" dirty="0" smtClean="0"/>
-          </a:p>
-          <a:p>
-            <a:pPr marL="171450" indent="-171450">
-              <a:buFont typeface="Arial"/>
-              <a:buChar char="•"/>
-            </a:pPr>
-            <a:r>
-              <a:rPr lang="en-US" dirty="0" smtClean="0"/>
-              <a:t>Is </a:t>
-            </a:r>
-            <a:r>
-              <a:rPr lang="en-US" dirty="0" smtClean="0"/>
-              <a:t>write endurance good enough for anything but storage?</a:t>
+              <a:t>Some </a:t>
+            </a:r>
+            <a:r>
+              <a:rPr lang="en-US" dirty="0" smtClean="0"/>
+              <a:t>argue that PRAM should be considered a </a:t>
+            </a:r>
+            <a:r>
+              <a:rPr lang="en-US" dirty="0" err="1" smtClean="0"/>
+              <a:t>memristor</a:t>
+            </a:r>
+            <a:r>
+              <a:rPr lang="en-US" dirty="0" smtClean="0"/>
+              <a:t> as well.</a:t>
             </a:r>
             <a:endParaRPr lang="en-US" dirty="0"/>
           </a:p>
@@ -4671,151 +4960,6 @@
             <a:fld id="{6FB72C01-34E9-E14B-AAE2-412FD825F959}" type="slidenum">
               <a:rPr lang="en-US" smtClean="0"/>
               <a:t>42</a:t>
-            </a:fld>
-            <a:endParaRPr lang="en-US"/>
-          </a:p>
-        </p:txBody>
-      </p:sp>
-    </p:spTree>
-    <p:extLst>
-      <p:ext uri="{BB962C8B-B14F-4D97-AF65-F5344CB8AC3E}">
-        <p14:creationId xmlns:p14="http://schemas.microsoft.com/office/powerpoint/2010/main" val="1119942056"/>
-      </p:ext>
-    </p:extLst>
-  </p:cSld>
-  <p:clrMapOvr>
-    <a:masterClrMapping/>
-  </p:clrMapOvr>
-</p:notes>
-</file>
-
-<file path=ppt/notesSlides/notesSlide37.xml><?xml version="1.0" encoding="utf-8"?>
-<p:notes xmlns:a="http://schemas.openxmlformats.org/drawingml/2006/main" xmlns:r="http://schemas.openxmlformats.org/officeDocument/2006/relationships" xmlns:p="http://schemas.openxmlformats.org/presentationml/2006/main">
-  <p:cSld>
-    <p:spTree>
-      <p:nvGrpSpPr>
-        <p:cNvPr id="1" name=""/>
-        <p:cNvGrpSpPr/>
-        <p:nvPr/>
-      </p:nvGrpSpPr>
-      <p:grpSpPr>
-        <a:xfrm>
-          <a:off x="0" y="0"/>
-          <a:ext cx="0" cy="0"/>
-          <a:chOff x="0" y="0"/>
-          <a:chExt cx="0" cy="0"/>
-        </a:xfrm>
-      </p:grpSpPr>
-      <p:sp>
-        <p:nvSpPr>
-          <p:cNvPr id="2" name="Slide Image Placeholder 1"/>
-          <p:cNvSpPr>
-            <a:spLocks noGrp="1" noRot="1" noChangeAspect="1"/>
-          </p:cNvSpPr>
-          <p:nvPr>
-            <p:ph type="sldImg"/>
-          </p:nvPr>
-        </p:nvSpPr>
-        <p:spPr/>
-      </p:sp>
-      <p:sp>
-        <p:nvSpPr>
-          <p:cNvPr id="3" name="Notes Placeholder 2"/>
-          <p:cNvSpPr>
-            <a:spLocks noGrp="1"/>
-          </p:cNvSpPr>
-          <p:nvPr>
-            <p:ph type="body" idx="1"/>
-          </p:nvPr>
-        </p:nvSpPr>
-        <p:spPr/>
-        <p:txBody>
-          <a:bodyPr/>
-          <a:lstStyle/>
-          <a:p>
-            <a:pPr marL="171450" indent="-171450">
-              <a:buFont typeface="Arial"/>
-              <a:buChar char="•"/>
-            </a:pPr>
-            <a:r>
-              <a:rPr lang="en-US" dirty="0" smtClean="0"/>
-              <a:t>Thermally-driven phase change, not an electronic process.  </a:t>
-            </a:r>
-            <a:endParaRPr lang="en-US" dirty="0" smtClean="0"/>
-          </a:p>
-          <a:p>
-            <a:pPr marL="171450" indent="-171450">
-              <a:buFont typeface="Arial"/>
-              <a:buChar char="•"/>
-            </a:pPr>
-            <a:r>
-              <a:rPr lang="en-US" dirty="0" smtClean="0"/>
-              <a:t>Faster </a:t>
-            </a:r>
-            <a:r>
-              <a:rPr lang="en-US" dirty="0" smtClean="0"/>
-              <a:t>because it doesn't need to erase a block of cells before writing.  </a:t>
-            </a:r>
-            <a:endParaRPr lang="en-US" dirty="0" smtClean="0"/>
-          </a:p>
-          <a:p>
-            <a:pPr marL="171450" indent="-171450">
-              <a:buFont typeface="Arial"/>
-              <a:buChar char="•"/>
-            </a:pPr>
-            <a:r>
-              <a:rPr lang="en-US" dirty="0" smtClean="0"/>
-              <a:t>Flash </a:t>
-            </a:r>
-            <a:r>
-              <a:rPr lang="en-US" dirty="0" smtClean="0"/>
-              <a:t>degrades at 5000 writes per sector, where PRAM lasts 100 million writes. </a:t>
-            </a:r>
-            <a:endParaRPr lang="en-US" dirty="0" smtClean="0"/>
-          </a:p>
-          <a:p>
-            <a:pPr marL="171450" indent="-171450">
-              <a:buFont typeface="Arial"/>
-              <a:buChar char="•"/>
-            </a:pPr>
-            <a:r>
-              <a:rPr lang="en-US" dirty="0" smtClean="0"/>
-              <a:t>Some </a:t>
-            </a:r>
-            <a:r>
-              <a:rPr lang="en-US" dirty="0" smtClean="0"/>
-              <a:t>argue that PRAM should be considered a </a:t>
-            </a:r>
-            <a:r>
-              <a:rPr lang="en-US" dirty="0" err="1" smtClean="0"/>
-              <a:t>memristor</a:t>
-            </a:r>
-            <a:r>
-              <a:rPr lang="en-US" dirty="0" smtClean="0"/>
-              <a:t> as well.</a:t>
-            </a:r>
-            <a:endParaRPr lang="en-US" dirty="0"/>
-          </a:p>
-        </p:txBody>
-      </p:sp>
-      <p:sp>
-        <p:nvSpPr>
-          <p:cNvPr id="4" name="Slide Number Placeholder 3"/>
-          <p:cNvSpPr>
-            <a:spLocks noGrp="1"/>
-          </p:cNvSpPr>
-          <p:nvPr>
-            <p:ph type="sldNum" sz="quarter" idx="10"/>
-          </p:nvPr>
-        </p:nvSpPr>
-        <p:spPr/>
-        <p:txBody>
-          <a:bodyPr/>
-          <a:lstStyle/>
-          <a:p>
-            <a:fld id="{6FB72C01-34E9-E14B-AAE2-412FD825F959}" type="slidenum">
-              <a:rPr lang="en-US" smtClean="0"/>
-              <a:t>43</a:t>
             </a:fld>
             <a:endParaRPr lang="en-US"/>
           </a:p>
@@ -5635,7 +5779,11 @@
             </a:r>
             <a:r>
               <a:rPr lang="en-US" baseline="0" dirty="0" smtClean="0"/>
-              <a:t> skewed does as well, but uses a hash to place some of the items in the group and only goes 2-way</a:t>
+              <a:t> skewed does as well, but uses a hash to place the second cache line in the group, only up to 2-way that </a:t>
+            </a:r>
+            <a:r>
+              <a:rPr lang="en-US" baseline="0" smtClean="0"/>
+              <a:t>I know of</a:t>
             </a:r>
             <a:endParaRPr lang="en-US" dirty="0" smtClean="0"/>
           </a:p>
@@ -8742,10 +8890,10 @@
           <a:lstStyle/>
           <a:p>
             <a:r>
-              <a:rPr lang="en-US" sz="6400" b="1" dirty="0" smtClean="0"/>
+              <a:rPr lang="en-US" sz="8200" b="1" dirty="0" smtClean="0"/>
               <a:t>CPU Caches</a:t>
             </a:r>
-            <a:endParaRPr lang="en-US" sz="6400" b="1" dirty="0"/>
+            <a:endParaRPr lang="en-US" sz="8200" b="1" dirty="0"/>
           </a:p>
         </p:txBody>
       </p:sp>
@@ -8761,7 +8909,7 @@
         </p:nvSpPr>
         <p:spPr>
           <a:xfrm>
-            <a:off x="1371600" y="2802062"/>
+            <a:off x="1371600" y="3336832"/>
             <a:ext cx="6400800" cy="1752600"/>
           </a:xfrm>
         </p:spPr>
@@ -9127,7 +9275,7 @@
             </a:r>
             <a:r>
               <a:rPr lang="en-US" dirty="0" smtClean="0"/>
-              <a:t>way set-/skewed-associative</a:t>
+              <a:t>way set-associative, 2-way skewed-associative</a:t>
             </a:r>
             <a:endParaRPr lang="en-US" dirty="0" smtClean="0"/>
           </a:p>
@@ -9920,6 +10068,29 @@
       </p:grpSpPr>
       <p:sp>
         <p:nvSpPr>
+          <p:cNvPr id="2" name="Title 1"/>
+          <p:cNvSpPr>
+            <a:spLocks noGrp="1"/>
+          </p:cNvSpPr>
+          <p:nvPr>
+            <p:ph type="title"/>
+          </p:nvPr>
+        </p:nvSpPr>
+        <p:spPr/>
+        <p:txBody>
+          <a:bodyPr/>
+          <a:lstStyle/>
+          <a:p>
+            <a:r>
+              <a:rPr lang="en-US" b="1" dirty="0" smtClean="0"/>
+              <a:t>Static RAM (SRAM)</a:t>
+            </a:r>
+            <a:endParaRPr lang="en-US" b="1" dirty="0"/>
+          </a:p>
+        </p:txBody>
+      </p:sp>
+      <p:sp>
+        <p:nvSpPr>
           <p:cNvPr id="3" name="Content Placeholder 2"/>
           <p:cNvSpPr>
             <a:spLocks noGrp="1"/>
@@ -9928,33 +10099,50 @@
             <p:ph idx="1"/>
           </p:nvPr>
         </p:nvSpPr>
-        <p:spPr>
-          <a:xfrm>
-            <a:off x="457200" y="1600200"/>
-            <a:ext cx="8229600" cy="1149163"/>
-          </a:xfrm>
-        </p:spPr>
-        <p:txBody>
-          <a:bodyPr>
-            <a:noAutofit/>
-          </a:bodyPr>
-          <a:lstStyle/>
-          <a:p>
-            <a:pPr marL="0" indent="0" algn="ctr">
-              <a:buNone/>
-            </a:pPr>
-            <a:r>
-              <a:rPr lang="en-US" sz="6400" b="1" dirty="0" smtClean="0"/>
-              <a:t>Architectures</a:t>
-            </a:r>
-            <a:endParaRPr lang="en-US" sz="6400" b="1" dirty="0"/>
+        <p:spPr/>
+        <p:txBody>
+          <a:bodyPr/>
+          <a:lstStyle/>
+          <a:p>
+            <a:r>
+              <a:rPr lang="en-US" dirty="0" smtClean="0"/>
+              <a:t>Requires 6-8 pieces of circuitry per </a:t>
+            </a:r>
+            <a:r>
+              <a:rPr lang="en-US" dirty="0" smtClean="0"/>
+              <a:t>datum</a:t>
+            </a:r>
+            <a:endParaRPr lang="en-US" dirty="0" smtClean="0"/>
+          </a:p>
+          <a:p>
+            <a:r>
+              <a:rPr lang="en-US" dirty="0" smtClean="0"/>
+              <a:t>Cycle rate access, </a:t>
+            </a:r>
+            <a:r>
+              <a:rPr lang="en-US" dirty="0" smtClean="0"/>
+              <a:t>not quite measurable in time</a:t>
+            </a:r>
+          </a:p>
+          <a:p>
+            <a:r>
+              <a:rPr lang="en-US" dirty="0" smtClean="0"/>
+              <a:t>Uses a relatively large amount of power for what it does</a:t>
+            </a:r>
+          </a:p>
+          <a:p>
+            <a:r>
+              <a:rPr lang="en-US" dirty="0" smtClean="0"/>
+              <a:t>Data does not fade or leak, does not need to be refreshed/recharged</a:t>
+            </a:r>
+            <a:endParaRPr lang="en-US" dirty="0"/>
           </a:p>
         </p:txBody>
       </p:sp>
     </p:spTree>
     <p:extLst>
       <p:ext uri="{BB962C8B-B14F-4D97-AF65-F5344CB8AC3E}">
-        <p14:creationId xmlns:p14="http://schemas.microsoft.com/office/powerpoint/2010/main" val="3197956669"/>
+        <p14:creationId xmlns:p14="http://schemas.microsoft.com/office/powerpoint/2010/main" val="1781876649"/>
       </p:ext>
     </p:extLst>
   </p:cSld>
@@ -10005,6 +10193,330 @@
           <a:p>
             <a:r>
               <a:rPr lang="en-US" b="1" dirty="0" smtClean="0"/>
+              <a:t>Dynamic RAM (DRAM)</a:t>
+            </a:r>
+            <a:endParaRPr lang="en-US" b="1" dirty="0"/>
+          </a:p>
+        </p:txBody>
+      </p:sp>
+      <p:sp>
+        <p:nvSpPr>
+          <p:cNvPr id="3" name="Content Placeholder 2"/>
+          <p:cNvSpPr>
+            <a:spLocks noGrp="1"/>
+          </p:cNvSpPr>
+          <p:nvPr>
+            <p:ph idx="1"/>
+          </p:nvPr>
+        </p:nvSpPr>
+        <p:spPr/>
+        <p:txBody>
+          <a:bodyPr>
+            <a:normAutofit/>
+          </a:bodyPr>
+          <a:lstStyle/>
+          <a:p>
+            <a:r>
+              <a:rPr lang="en-US" dirty="0" smtClean="0"/>
+              <a:t>Requires 2 pieces of circuitry per datum</a:t>
+            </a:r>
+          </a:p>
+          <a:p>
+            <a:r>
+              <a:rPr lang="en-US" dirty="0" smtClean="0"/>
+              <a:t>“Leaks” </a:t>
+            </a:r>
+            <a:r>
+              <a:rPr lang="en-US" dirty="0" smtClean="0"/>
+              <a:t>charge, but not sooner than </a:t>
+            </a:r>
+            <a:r>
+              <a:rPr lang="en-US" dirty="0" smtClean="0"/>
+              <a:t>64ms</a:t>
+            </a:r>
+            <a:endParaRPr lang="en-US" dirty="0" smtClean="0"/>
+          </a:p>
+          <a:p>
+            <a:r>
+              <a:rPr lang="en-US" dirty="0" smtClean="0"/>
+              <a:t>Reads deplete </a:t>
+            </a:r>
+            <a:r>
+              <a:rPr lang="en-US" dirty="0" smtClean="0"/>
+              <a:t>the charge, </a:t>
+            </a:r>
+            <a:r>
+              <a:rPr lang="en-US" dirty="0" smtClean="0"/>
+              <a:t>requiring </a:t>
+            </a:r>
+            <a:r>
+              <a:rPr lang="en-US" dirty="0" smtClean="0"/>
+              <a:t>subsequent recharge</a:t>
+            </a:r>
+          </a:p>
+          <a:p>
+            <a:r>
+              <a:rPr lang="en-US" dirty="0" smtClean="0"/>
+              <a:t>Takes </a:t>
+            </a:r>
+            <a:r>
+              <a:rPr lang="en-US" dirty="0" smtClean="0"/>
+              <a:t>240 cycles </a:t>
+            </a:r>
+            <a:r>
+              <a:rPr lang="en-US" dirty="0" smtClean="0"/>
+              <a:t>(~100ns) </a:t>
+            </a:r>
+            <a:r>
+              <a:rPr lang="en-US" dirty="0" smtClean="0"/>
+              <a:t>to </a:t>
+            </a:r>
+            <a:r>
+              <a:rPr lang="en-US" dirty="0" smtClean="0"/>
+              <a:t>access</a:t>
+            </a:r>
+            <a:endParaRPr lang="en-US" dirty="0" smtClean="0"/>
+          </a:p>
+          <a:p>
+            <a:r>
+              <a:rPr lang="en-US" dirty="0" smtClean="0"/>
+              <a:t>Intel's Nehalem architecture - each CPU socket controls a portion of RAM, no other socket has direct access to it</a:t>
+            </a:r>
+            <a:endParaRPr lang="en-US" dirty="0"/>
+          </a:p>
+        </p:txBody>
+      </p:sp>
+    </p:spTree>
+    <p:extLst>
+      <p:ext uri="{BB962C8B-B14F-4D97-AF65-F5344CB8AC3E}">
+        <p14:creationId xmlns:p14="http://schemas.microsoft.com/office/powerpoint/2010/main" val="1946312503"/>
+      </p:ext>
+    </p:extLst>
+  </p:cSld>
+  <p:clrMapOvr>
+    <a:masterClrMapping/>
+  </p:clrMapOvr>
+  <p:timing>
+    <p:tnLst>
+      <p:par>
+        <p:cTn xmlns:p14="http://schemas.microsoft.com/office/powerpoint/2010/main" id="1" dur="indefinite" restart="never" nodeType="tmRoot"/>
+      </p:par>
+    </p:tnLst>
+  </p:timing>
+</p:sld>
+</file>
+
+<file path=ppt/slides/slide19.xml><?xml version="1.0" encoding="utf-8"?>
+<p:sld xmlns:a="http://schemas.openxmlformats.org/drawingml/2006/main" xmlns:r="http://schemas.openxmlformats.org/officeDocument/2006/relationships" xmlns:p="http://schemas.openxmlformats.org/presentationml/2006/main">
+  <p:cSld>
+    <p:spTree>
+      <p:nvGrpSpPr>
+        <p:cNvPr id="1" name=""/>
+        <p:cNvGrpSpPr/>
+        <p:nvPr/>
+      </p:nvGrpSpPr>
+      <p:grpSpPr>
+        <a:xfrm>
+          <a:off x="0" y="0"/>
+          <a:ext cx="0" cy="0"/>
+          <a:chOff x="0" y="0"/>
+          <a:chExt cx="0" cy="0"/>
+        </a:xfrm>
+      </p:grpSpPr>
+      <p:sp>
+        <p:nvSpPr>
+          <p:cNvPr id="3" name="Content Placeholder 2"/>
+          <p:cNvSpPr>
+            <a:spLocks noGrp="1"/>
+          </p:cNvSpPr>
+          <p:nvPr>
+            <p:ph idx="1"/>
+          </p:nvPr>
+        </p:nvSpPr>
+        <p:spPr>
+          <a:xfrm>
+            <a:off x="457200" y="1600200"/>
+            <a:ext cx="8229600" cy="1149163"/>
+          </a:xfrm>
+        </p:spPr>
+        <p:txBody>
+          <a:bodyPr>
+            <a:noAutofit/>
+          </a:bodyPr>
+          <a:lstStyle/>
+          <a:p>
+            <a:pPr marL="0" indent="0" algn="ctr">
+              <a:buNone/>
+            </a:pPr>
+            <a:r>
+              <a:rPr lang="en-US" sz="6400" b="1" dirty="0" smtClean="0"/>
+              <a:t>Architectures</a:t>
+            </a:r>
+            <a:endParaRPr lang="en-US" sz="6400" b="1" dirty="0"/>
+          </a:p>
+        </p:txBody>
+      </p:sp>
+    </p:spTree>
+    <p:extLst>
+      <p:ext uri="{BB962C8B-B14F-4D97-AF65-F5344CB8AC3E}">
+        <p14:creationId xmlns:p14="http://schemas.microsoft.com/office/powerpoint/2010/main" val="3197956669"/>
+      </p:ext>
+    </p:extLst>
+  </p:cSld>
+  <p:clrMapOvr>
+    <a:masterClrMapping/>
+  </p:clrMapOvr>
+  <p:timing>
+    <p:tnLst>
+      <p:par>
+        <p:cTn xmlns:p14="http://schemas.microsoft.com/office/powerpoint/2010/main" id="1" dur="indefinite" restart="never" nodeType="tmRoot"/>
+      </p:par>
+    </p:tnLst>
+  </p:timing>
+</p:sld>
+</file>
+
+<file path=ppt/slides/slide2.xml><?xml version="1.0" encoding="utf-8"?>
+<p:sld xmlns:a="http://schemas.openxmlformats.org/drawingml/2006/main" xmlns:r="http://schemas.openxmlformats.org/officeDocument/2006/relationships" xmlns:p="http://schemas.openxmlformats.org/presentationml/2006/main">
+  <p:cSld>
+    <p:spTree>
+      <p:nvGrpSpPr>
+        <p:cNvPr id="1" name=""/>
+        <p:cNvGrpSpPr/>
+        <p:nvPr/>
+      </p:nvGrpSpPr>
+      <p:grpSpPr>
+        <a:xfrm>
+          <a:off x="0" y="0"/>
+          <a:ext cx="0" cy="0"/>
+          <a:chOff x="0" y="0"/>
+          <a:chExt cx="0" cy="0"/>
+        </a:xfrm>
+      </p:grpSpPr>
+      <p:sp>
+        <p:nvSpPr>
+          <p:cNvPr id="2" name="Title 1"/>
+          <p:cNvSpPr>
+            <a:spLocks noGrp="1"/>
+          </p:cNvSpPr>
+          <p:nvPr>
+            <p:ph type="title"/>
+          </p:nvPr>
+        </p:nvSpPr>
+        <p:spPr/>
+        <p:txBody>
+          <a:bodyPr/>
+          <a:lstStyle/>
+          <a:p>
+            <a:r>
+              <a:rPr lang="en-US" b="1" dirty="0" smtClean="0"/>
+              <a:t>Agenda</a:t>
+            </a:r>
+            <a:endParaRPr lang="en-US" b="1" dirty="0"/>
+          </a:p>
+        </p:txBody>
+      </p:sp>
+      <p:sp>
+        <p:nvSpPr>
+          <p:cNvPr id="3" name="Content Placeholder 2"/>
+          <p:cNvSpPr>
+            <a:spLocks noGrp="1"/>
+          </p:cNvSpPr>
+          <p:nvPr>
+            <p:ph idx="1"/>
+          </p:nvPr>
+        </p:nvSpPr>
+        <p:spPr/>
+        <p:txBody>
+          <a:bodyPr/>
+          <a:lstStyle/>
+          <a:p>
+            <a:r>
+              <a:rPr lang="en-US" dirty="0" smtClean="0"/>
+              <a:t>Goal</a:t>
+            </a:r>
+          </a:p>
+          <a:p>
+            <a:r>
+              <a:rPr lang="en-US" dirty="0" smtClean="0"/>
+              <a:t>Definitions</a:t>
+            </a:r>
+          </a:p>
+          <a:p>
+            <a:r>
+              <a:rPr lang="en-US" dirty="0" smtClean="0"/>
+              <a:t>Architectures</a:t>
+            </a:r>
+          </a:p>
+          <a:p>
+            <a:r>
+              <a:rPr lang="en-US" dirty="0" smtClean="0"/>
+              <a:t>Development Tips</a:t>
+            </a:r>
+          </a:p>
+          <a:p>
+            <a:r>
+              <a:rPr lang="en-US" dirty="0" smtClean="0"/>
+              <a:t>The Future</a:t>
+            </a:r>
+            <a:endParaRPr lang="en-US" dirty="0"/>
+          </a:p>
+        </p:txBody>
+      </p:sp>
+    </p:spTree>
+    <p:extLst>
+      <p:ext uri="{BB962C8B-B14F-4D97-AF65-F5344CB8AC3E}">
+        <p14:creationId xmlns:p14="http://schemas.microsoft.com/office/powerpoint/2010/main" val="3697478436"/>
+      </p:ext>
+    </p:extLst>
+  </p:cSld>
+  <p:clrMapOvr>
+    <a:masterClrMapping/>
+  </p:clrMapOvr>
+  <p:timing>
+    <p:tnLst>
+      <p:par>
+        <p:cTn xmlns:p14="http://schemas.microsoft.com/office/powerpoint/2010/main" id="1" dur="indefinite" restart="never" nodeType="tmRoot"/>
+      </p:par>
+    </p:tnLst>
+  </p:timing>
+</p:sld>
+</file>
+
+<file path=ppt/slides/slide20.xml><?xml version="1.0" encoding="utf-8"?>
+<p:sld xmlns:a="http://schemas.openxmlformats.org/drawingml/2006/main" xmlns:r="http://schemas.openxmlformats.org/officeDocument/2006/relationships" xmlns:p="http://schemas.openxmlformats.org/presentationml/2006/main">
+  <p:cSld>
+    <p:spTree>
+      <p:nvGrpSpPr>
+        <p:cNvPr id="1" name=""/>
+        <p:cNvGrpSpPr/>
+        <p:nvPr/>
+      </p:nvGrpSpPr>
+      <p:grpSpPr>
+        <a:xfrm>
+          <a:off x="0" y="0"/>
+          <a:ext cx="0" cy="0"/>
+          <a:chOff x="0" y="0"/>
+          <a:chExt cx="0" cy="0"/>
+        </a:xfrm>
+      </p:grpSpPr>
+      <p:sp>
+        <p:nvSpPr>
+          <p:cNvPr id="2" name="Title 1"/>
+          <p:cNvSpPr>
+            <a:spLocks noGrp="1"/>
+          </p:cNvSpPr>
+          <p:nvPr>
+            <p:ph type="title"/>
+          </p:nvPr>
+        </p:nvSpPr>
+        <p:spPr/>
+        <p:txBody>
+          <a:bodyPr/>
+          <a:lstStyle/>
+          <a:p>
+            <a:r>
+              <a:rPr lang="en-US" b="1" dirty="0" smtClean="0"/>
               <a:t>Current Processors</a:t>
             </a:r>
             <a:endParaRPr lang="en-US" b="1" dirty="0"/>
@@ -10114,7 +10626,7 @@
 </p:sld>
 </file>
 
-<file path=ppt/slides/slide19.xml><?xml version="1.0" encoding="utf-8"?>
+<file path=ppt/slides/slide21.xml><?xml version="1.0" encoding="utf-8"?>
 <p:sld xmlns:a="http://schemas.openxmlformats.org/drawingml/2006/main" xmlns:r="http://schemas.openxmlformats.org/officeDocument/2006/relationships" xmlns:p="http://schemas.openxmlformats.org/presentationml/2006/main">
   <p:cSld>
     <p:spTree>
@@ -10181,716 +10693,6 @@
 </p:sld>
 </file>
 
-<file path=ppt/slides/slide2.xml><?xml version="1.0" encoding="utf-8"?>
-<p:sld xmlns:a="http://schemas.openxmlformats.org/drawingml/2006/main" xmlns:r="http://schemas.openxmlformats.org/officeDocument/2006/relationships" xmlns:p="http://schemas.openxmlformats.org/presentationml/2006/main">
-  <p:cSld>
-    <p:spTree>
-      <p:nvGrpSpPr>
-        <p:cNvPr id="1" name=""/>
-        <p:cNvGrpSpPr/>
-        <p:nvPr/>
-      </p:nvGrpSpPr>
-      <p:grpSpPr>
-        <a:xfrm>
-          <a:off x="0" y="0"/>
-          <a:ext cx="0" cy="0"/>
-          <a:chOff x="0" y="0"/>
-          <a:chExt cx="0" cy="0"/>
-        </a:xfrm>
-      </p:grpSpPr>
-      <p:sp>
-        <p:nvSpPr>
-          <p:cNvPr id="2" name="Title 1"/>
-          <p:cNvSpPr>
-            <a:spLocks noGrp="1"/>
-          </p:cNvSpPr>
-          <p:nvPr>
-            <p:ph type="title"/>
-          </p:nvPr>
-        </p:nvSpPr>
-        <p:spPr/>
-        <p:txBody>
-          <a:bodyPr/>
-          <a:lstStyle/>
-          <a:p>
-            <a:r>
-              <a:rPr lang="en-US" b="1" dirty="0" smtClean="0"/>
-              <a:t>Agenda</a:t>
-            </a:r>
-            <a:endParaRPr lang="en-US" b="1" dirty="0"/>
-          </a:p>
-        </p:txBody>
-      </p:sp>
-      <p:sp>
-        <p:nvSpPr>
-          <p:cNvPr id="3" name="Content Placeholder 2"/>
-          <p:cNvSpPr>
-            <a:spLocks noGrp="1"/>
-          </p:cNvSpPr>
-          <p:nvPr>
-            <p:ph idx="1"/>
-          </p:nvPr>
-        </p:nvSpPr>
-        <p:spPr/>
-        <p:txBody>
-          <a:bodyPr/>
-          <a:lstStyle/>
-          <a:p>
-            <a:r>
-              <a:rPr lang="en-US" dirty="0" smtClean="0"/>
-              <a:t>Goal</a:t>
-            </a:r>
-          </a:p>
-          <a:p>
-            <a:r>
-              <a:rPr lang="en-US" dirty="0" smtClean="0"/>
-              <a:t>Definitions</a:t>
-            </a:r>
-          </a:p>
-          <a:p>
-            <a:r>
-              <a:rPr lang="en-US" dirty="0" smtClean="0"/>
-              <a:t>Architectures</a:t>
-            </a:r>
-          </a:p>
-          <a:p>
-            <a:r>
-              <a:rPr lang="en-US" dirty="0" smtClean="0"/>
-              <a:t>Development Tips</a:t>
-            </a:r>
-          </a:p>
-          <a:p>
-            <a:r>
-              <a:rPr lang="en-US" dirty="0" smtClean="0"/>
-              <a:t>The Future</a:t>
-            </a:r>
-            <a:endParaRPr lang="en-US" dirty="0"/>
-          </a:p>
-        </p:txBody>
-      </p:sp>
-    </p:spTree>
-    <p:extLst>
-      <p:ext uri="{BB962C8B-B14F-4D97-AF65-F5344CB8AC3E}">
-        <p14:creationId xmlns:p14="http://schemas.microsoft.com/office/powerpoint/2010/main" val="3697478436"/>
-      </p:ext>
-    </p:extLst>
-  </p:cSld>
-  <p:clrMapOvr>
-    <a:masterClrMapping/>
-  </p:clrMapOvr>
-  <p:timing>
-    <p:tnLst>
-      <p:par>
-        <p:cTn xmlns:p14="http://schemas.microsoft.com/office/powerpoint/2010/main" id="1" dur="indefinite" restart="never" nodeType="tmRoot"/>
-      </p:par>
-    </p:tnLst>
-  </p:timing>
-</p:sld>
-</file>
-
-<file path=ppt/slides/slide20.xml><?xml version="1.0" encoding="utf-8"?>
-<p:sld xmlns:a="http://schemas.openxmlformats.org/drawingml/2006/main" xmlns:r="http://schemas.openxmlformats.org/officeDocument/2006/relationships" xmlns:p="http://schemas.openxmlformats.org/presentationml/2006/main">
-  <p:cSld>
-    <p:spTree>
-      <p:nvGrpSpPr>
-        <p:cNvPr id="1" name=""/>
-        <p:cNvGrpSpPr/>
-        <p:nvPr/>
-      </p:nvGrpSpPr>
-      <p:grpSpPr>
-        <a:xfrm>
-          <a:off x="0" y="0"/>
-          <a:ext cx="0" cy="0"/>
-          <a:chOff x="0" y="0"/>
-          <a:chExt cx="0" cy="0"/>
-        </a:xfrm>
-      </p:grpSpPr>
-      <p:sp>
-        <p:nvSpPr>
-          <p:cNvPr id="2" name="Title 1"/>
-          <p:cNvSpPr>
-            <a:spLocks noGrp="1"/>
-          </p:cNvSpPr>
-          <p:nvPr>
-            <p:ph type="title"/>
-          </p:nvPr>
-        </p:nvSpPr>
-        <p:spPr>
-          <a:xfrm>
-            <a:off x="382721" y="274638"/>
-            <a:ext cx="8378558" cy="1143000"/>
-          </a:xfrm>
-        </p:spPr>
-        <p:txBody>
-          <a:bodyPr>
-            <a:noAutofit/>
-          </a:bodyPr>
-          <a:lstStyle/>
-          <a:p>
-            <a:r>
-              <a:rPr lang="en-US" sz="3600" b="1" dirty="0" smtClean="0"/>
-              <a:t>“Latency Numbers Everyone Should Know”</a:t>
-            </a:r>
-            <a:endParaRPr lang="en-US" sz="3600" b="1" dirty="0"/>
-          </a:p>
-        </p:txBody>
-      </p:sp>
-      <p:sp>
-        <p:nvSpPr>
-          <p:cNvPr id="3" name="Content Placeholder 2"/>
-          <p:cNvSpPr>
-            <a:spLocks noGrp="1"/>
-          </p:cNvSpPr>
-          <p:nvPr>
-            <p:ph idx="1"/>
-          </p:nvPr>
-        </p:nvSpPr>
-        <p:spPr/>
-        <p:txBody>
-          <a:bodyPr>
-            <a:normAutofit fontScale="25000" lnSpcReduction="20000"/>
-          </a:bodyPr>
-          <a:lstStyle/>
-          <a:p>
-            <a:pPr marL="0" indent="0">
-              <a:buNone/>
-            </a:pPr>
-            <a:r>
-              <a:rPr lang="en-US" sz="6400" b="1" dirty="0" smtClean="0">
-                <a:latin typeface="Courier New"/>
-              </a:rPr>
-              <a:t>L1 cache reference ......................... 0.5 ns</a:t>
-            </a:r>
-          </a:p>
-          <a:p>
-            <a:pPr marL="0" indent="0">
-              <a:buNone/>
-            </a:pPr>
-            <a:r>
-              <a:rPr lang="en-US" sz="6400" b="1" dirty="0" smtClean="0">
-                <a:latin typeface="Courier New"/>
-              </a:rPr>
-              <a:t>Branch </a:t>
-            </a:r>
-            <a:r>
-              <a:rPr lang="en-US" sz="6400" b="1" dirty="0" err="1" smtClean="0">
-                <a:latin typeface="Courier New"/>
-              </a:rPr>
-              <a:t>mispredict</a:t>
-            </a:r>
-            <a:r>
-              <a:rPr lang="en-US" sz="6400" b="1" dirty="0" smtClean="0">
-                <a:latin typeface="Courier New"/>
-              </a:rPr>
-              <a:t> ............................ 5 ns</a:t>
-            </a:r>
-          </a:p>
-          <a:p>
-            <a:pPr marL="0" indent="0">
-              <a:buNone/>
-            </a:pPr>
-            <a:r>
-              <a:rPr lang="en-US" sz="6400" b="1" dirty="0" smtClean="0">
-                <a:latin typeface="Courier New"/>
-              </a:rPr>
-              <a:t>L2 cache reference ........................... 7 ns</a:t>
-            </a:r>
-          </a:p>
-          <a:p>
-            <a:pPr marL="0" indent="0">
-              <a:buNone/>
-            </a:pPr>
-            <a:r>
-              <a:rPr lang="en-US" sz="6400" b="1" dirty="0" err="1" smtClean="0">
-                <a:latin typeface="Courier New"/>
-              </a:rPr>
-              <a:t>Mutex</a:t>
-            </a:r>
-            <a:r>
-              <a:rPr lang="en-US" sz="6400" b="1" dirty="0" smtClean="0">
-                <a:latin typeface="Courier New"/>
-              </a:rPr>
-              <a:t> lock/unlock ........................... 25 ns</a:t>
-            </a:r>
-          </a:p>
-          <a:p>
-            <a:pPr marL="0" indent="0">
-              <a:buNone/>
-            </a:pPr>
-            <a:r>
-              <a:rPr lang="en-US" sz="6400" b="1" dirty="0" smtClean="0">
-                <a:latin typeface="Courier New"/>
-              </a:rPr>
-              <a:t>Main memory reference ...................... 100 ns             </a:t>
-            </a:r>
-          </a:p>
-          <a:p>
-            <a:pPr marL="0" indent="0">
-              <a:buNone/>
-            </a:pPr>
-            <a:r>
-              <a:rPr lang="en-US" sz="6400" b="1" dirty="0" smtClean="0">
-                <a:latin typeface="Courier New"/>
-              </a:rPr>
-              <a:t>Compress 1K bytes with Zippy ............. 3,000 ns  =   3 µs</a:t>
-            </a:r>
-          </a:p>
-          <a:p>
-            <a:pPr marL="0" indent="0">
-              <a:buNone/>
-            </a:pPr>
-            <a:r>
-              <a:rPr lang="en-US" sz="6400" b="1" dirty="0" smtClean="0">
-                <a:latin typeface="Courier New"/>
-              </a:rPr>
-              <a:t>Send 2K bytes over 1 </a:t>
-            </a:r>
-            <a:r>
-              <a:rPr lang="en-US" sz="6400" b="1" dirty="0" err="1" smtClean="0">
-                <a:latin typeface="Courier New"/>
-              </a:rPr>
-              <a:t>Gbps</a:t>
-            </a:r>
-            <a:r>
-              <a:rPr lang="en-US" sz="6400" b="1" dirty="0" smtClean="0">
-                <a:latin typeface="Courier New"/>
-              </a:rPr>
-              <a:t> network ....... 20,000 ns  =  20 µs</a:t>
-            </a:r>
-          </a:p>
-          <a:p>
-            <a:pPr marL="0" indent="0">
-              <a:buNone/>
-            </a:pPr>
-            <a:r>
-              <a:rPr lang="en-US" sz="6400" b="1" dirty="0" smtClean="0">
-                <a:latin typeface="Courier New"/>
-              </a:rPr>
-              <a:t>SSD random read ........................ 150,000 ns  = 150 µs</a:t>
-            </a:r>
-          </a:p>
-          <a:p>
-            <a:pPr marL="0" indent="0">
-              <a:buNone/>
-            </a:pPr>
-            <a:r>
-              <a:rPr lang="en-US" sz="6400" b="1" dirty="0" smtClean="0">
-                <a:latin typeface="Courier New"/>
-              </a:rPr>
-              <a:t>Read 1 MB sequentially from memory ..... 250,000 ns  = 250 µs</a:t>
-            </a:r>
-          </a:p>
-          <a:p>
-            <a:pPr marL="0" indent="0">
-              <a:buNone/>
-            </a:pPr>
-            <a:r>
-              <a:rPr lang="en-US" sz="6400" b="1" dirty="0" smtClean="0">
-                <a:latin typeface="Courier New"/>
-              </a:rPr>
-              <a:t>Round trip within same datacenter ...... 500,000 ns  = 0.5 </a:t>
-            </a:r>
-            <a:r>
-              <a:rPr lang="en-US" sz="6400" b="1" dirty="0" err="1" smtClean="0">
-                <a:latin typeface="Courier New"/>
-              </a:rPr>
-              <a:t>ms</a:t>
-            </a:r>
-            <a:endParaRPr lang="en-US" sz="6400" b="1" dirty="0" smtClean="0">
-              <a:latin typeface="Courier New"/>
-            </a:endParaRPr>
-          </a:p>
-          <a:p>
-            <a:pPr marL="0" indent="0">
-              <a:buNone/>
-            </a:pPr>
-            <a:r>
-              <a:rPr lang="en-US" sz="6400" b="1" dirty="0" smtClean="0">
-                <a:latin typeface="Courier New"/>
-              </a:rPr>
-              <a:t>Read 1 MB sequentially from SSD* ..... 1,000,000 ns  =   1 </a:t>
-            </a:r>
-            <a:r>
-              <a:rPr lang="en-US" sz="6400" b="1" dirty="0" err="1" smtClean="0">
-                <a:latin typeface="Courier New"/>
-              </a:rPr>
-              <a:t>ms</a:t>
-            </a:r>
-            <a:endParaRPr lang="en-US" sz="6400" b="1" dirty="0" smtClean="0">
-              <a:latin typeface="Courier New"/>
-            </a:endParaRPr>
-          </a:p>
-          <a:p>
-            <a:pPr marL="0" indent="0">
-              <a:buNone/>
-            </a:pPr>
-            <a:r>
-              <a:rPr lang="en-US" sz="6400" b="1" dirty="0" smtClean="0">
-                <a:latin typeface="Courier New"/>
-              </a:rPr>
-              <a:t>Disk seek ........................... 10,000,000 ns  =  10 </a:t>
-            </a:r>
-            <a:r>
-              <a:rPr lang="en-US" sz="6400" b="1" dirty="0" err="1" smtClean="0">
-                <a:latin typeface="Courier New"/>
-              </a:rPr>
-              <a:t>ms</a:t>
-            </a:r>
-            <a:endParaRPr lang="en-US" sz="6400" b="1" dirty="0" smtClean="0">
-              <a:latin typeface="Courier New"/>
-            </a:endParaRPr>
-          </a:p>
-          <a:p>
-            <a:pPr marL="0" indent="0">
-              <a:buNone/>
-            </a:pPr>
-            <a:r>
-              <a:rPr lang="en-US" sz="6400" b="1" dirty="0" smtClean="0">
-                <a:latin typeface="Courier New"/>
-              </a:rPr>
-              <a:t>Read 1 MB sequentially from disk .... 20,000,000 ns  =  20 </a:t>
-            </a:r>
-            <a:r>
-              <a:rPr lang="en-US" sz="6400" b="1" dirty="0" err="1" smtClean="0">
-                <a:latin typeface="Courier New"/>
-              </a:rPr>
-              <a:t>ms</a:t>
-            </a:r>
-            <a:endParaRPr lang="en-US" sz="6400" b="1" dirty="0" smtClean="0">
-              <a:latin typeface="Courier New"/>
-            </a:endParaRPr>
-          </a:p>
-          <a:p>
-            <a:pPr marL="0" indent="0">
-              <a:buNone/>
-            </a:pPr>
-            <a:r>
-              <a:rPr lang="en-US" sz="6400" b="1" dirty="0" smtClean="0">
-                <a:latin typeface="Courier New"/>
-              </a:rPr>
-              <a:t>Send packet CA-&gt;Netherlands-&gt;CA .... 150,000,000 ns  = 150 </a:t>
-            </a:r>
-            <a:r>
-              <a:rPr lang="en-US" sz="6400" b="1" dirty="0" err="1" smtClean="0">
-                <a:latin typeface="Courier New"/>
-              </a:rPr>
-              <a:t>ms</a:t>
-            </a:r>
-            <a:endParaRPr lang="en-US" sz="6400" b="1" dirty="0" smtClean="0">
-              <a:latin typeface="Courier New"/>
-            </a:endParaRPr>
-          </a:p>
-          <a:p>
-            <a:pPr marL="0" indent="0">
-              <a:buNone/>
-            </a:pPr>
-            <a:endParaRPr lang="en-US" dirty="0" smtClean="0"/>
-          </a:p>
-          <a:p>
-            <a:r>
-              <a:rPr lang="en-US" sz="4800" dirty="0" smtClean="0"/>
-              <a:t>Shamelessly cribbed from this gist: </a:t>
-            </a:r>
-            <a:r>
-              <a:rPr lang="en-US" sz="4800" dirty="0" smtClean="0">
-                <a:hlinkClick r:id="rId3"/>
-              </a:rPr>
-              <a:t>https://gist.github.com/</a:t>
-            </a:r>
-            <a:r>
-              <a:rPr lang="en-US" sz="4800" dirty="0" smtClean="0">
-                <a:hlinkClick r:id="rId3"/>
-              </a:rPr>
-              <a:t>2843375</a:t>
-            </a:r>
-            <a:r>
-              <a:rPr lang="en-US" sz="4800" dirty="0" smtClean="0"/>
-              <a:t>, originally by Peter </a:t>
-            </a:r>
-            <a:r>
-              <a:rPr lang="en-US" sz="4800" dirty="0" err="1" smtClean="0"/>
-              <a:t>Norvig</a:t>
-            </a:r>
-            <a:r>
-              <a:rPr lang="en-US" sz="4800" dirty="0" smtClean="0"/>
-              <a:t> and amended by Jeff Dean</a:t>
-            </a:r>
-            <a:endParaRPr lang="en-US" sz="4800" dirty="0" smtClean="0"/>
-          </a:p>
-          <a:p>
-            <a:endParaRPr lang="en-US" dirty="0"/>
-          </a:p>
-        </p:txBody>
-      </p:sp>
-    </p:spTree>
-    <p:extLst>
-      <p:ext uri="{BB962C8B-B14F-4D97-AF65-F5344CB8AC3E}">
-        <p14:creationId xmlns:p14="http://schemas.microsoft.com/office/powerpoint/2010/main" val="380310500"/>
-      </p:ext>
-    </p:extLst>
-  </p:cSld>
-  <p:clrMapOvr>
-    <a:masterClrMapping/>
-  </p:clrMapOvr>
-  <p:timing>
-    <p:tnLst>
-      <p:par>
-        <p:cTn xmlns:p14="http://schemas.microsoft.com/office/powerpoint/2010/main" id="1" dur="indefinite" restart="never" nodeType="tmRoot"/>
-      </p:par>
-    </p:tnLst>
-  </p:timing>
-</p:sld>
-</file>
-
-<file path=ppt/slides/slide21.xml><?xml version="1.0" encoding="utf-8"?>
-<p:sld xmlns:a="http://schemas.openxmlformats.org/drawingml/2006/main" xmlns:r="http://schemas.openxmlformats.org/officeDocument/2006/relationships" xmlns:p="http://schemas.openxmlformats.org/presentationml/2006/main">
-  <p:cSld>
-    <p:spTree>
-      <p:nvGrpSpPr>
-        <p:cNvPr id="1" name=""/>
-        <p:cNvGrpSpPr/>
-        <p:nvPr/>
-      </p:nvGrpSpPr>
-      <p:grpSpPr>
-        <a:xfrm>
-          <a:off x="0" y="0"/>
-          <a:ext cx="0" cy="0"/>
-          <a:chOff x="0" y="0"/>
-          <a:chExt cx="0" cy="0"/>
-        </a:xfrm>
-      </p:grpSpPr>
-      <p:sp>
-        <p:nvSpPr>
-          <p:cNvPr id="2" name="Title 1"/>
-          <p:cNvSpPr>
-            <a:spLocks noGrp="1"/>
-          </p:cNvSpPr>
-          <p:nvPr>
-            <p:ph type="title"/>
-          </p:nvPr>
-        </p:nvSpPr>
-        <p:spPr/>
-        <p:txBody>
-          <a:bodyPr/>
-          <a:lstStyle/>
-          <a:p>
-            <a:r>
-              <a:rPr lang="en-US" b="1" dirty="0" smtClean="0"/>
-              <a:t>Measured Cache Latencies</a:t>
-            </a:r>
-            <a:endParaRPr lang="en-US" b="1" dirty="0"/>
-          </a:p>
-        </p:txBody>
-      </p:sp>
-      <p:sp>
-        <p:nvSpPr>
-          <p:cNvPr id="3" name="Content Placeholder 2"/>
-          <p:cNvSpPr>
-            <a:spLocks noGrp="1"/>
-          </p:cNvSpPr>
-          <p:nvPr>
-            <p:ph idx="1"/>
-          </p:nvPr>
-        </p:nvSpPr>
-        <p:spPr/>
-        <p:txBody>
-          <a:bodyPr>
-            <a:normAutofit/>
-          </a:bodyPr>
-          <a:lstStyle/>
-          <a:p>
-            <a:pPr marL="0" indent="0">
-              <a:buNone/>
-            </a:pPr>
-            <a:r>
-              <a:rPr lang="en-US" sz="1400" b="1" dirty="0" smtClean="0">
-                <a:latin typeface="Courier New"/>
-                <a:cs typeface="Courier New"/>
-              </a:rPr>
-              <a:t>Sandy Bridge-E			  L1d			L2			L3		  Main</a:t>
-            </a:r>
-          </a:p>
-          <a:p>
-            <a:pPr marL="0" indent="0">
-              <a:buNone/>
-            </a:pPr>
-            <a:r>
-              <a:rPr lang="en-US" sz="1400" b="1" dirty="0" smtClean="0">
-                <a:latin typeface="Courier New"/>
-                <a:cs typeface="Courier New"/>
-              </a:rPr>
-              <a:t>=======================================================================</a:t>
-            </a:r>
-          </a:p>
-          <a:p>
-            <a:pPr marL="0" indent="0">
-              <a:buNone/>
-            </a:pPr>
-            <a:r>
-              <a:rPr lang="en-US" sz="1400" b="1" dirty="0" smtClean="0">
-                <a:latin typeface="Courier New"/>
-                <a:cs typeface="Courier New"/>
-              </a:rPr>
-              <a:t>Sequential Access .....    3 </a:t>
-            </a:r>
-            <a:r>
-              <a:rPr lang="en-US" sz="1400" b="1" dirty="0" err="1" smtClean="0">
-                <a:latin typeface="Courier New"/>
-                <a:cs typeface="Courier New"/>
-              </a:rPr>
-              <a:t>clk</a:t>
-            </a:r>
-            <a:r>
-              <a:rPr lang="en-US" sz="1400" b="1" dirty="0" smtClean="0">
-                <a:latin typeface="Courier New"/>
-                <a:cs typeface="Courier New"/>
-              </a:rPr>
-              <a:t>         11 </a:t>
-            </a:r>
-            <a:r>
-              <a:rPr lang="en-US" sz="1400" b="1" dirty="0" err="1" smtClean="0">
-                <a:latin typeface="Courier New"/>
-                <a:cs typeface="Courier New"/>
-              </a:rPr>
-              <a:t>clk</a:t>
-            </a:r>
-            <a:r>
-              <a:rPr lang="en-US" sz="1400" b="1" dirty="0" smtClean="0">
-                <a:latin typeface="Courier New"/>
-                <a:cs typeface="Courier New"/>
-              </a:rPr>
-              <a:t>       14 </a:t>
-            </a:r>
-            <a:r>
-              <a:rPr lang="en-US" sz="1400" b="1" dirty="0" err="1" smtClean="0">
-                <a:latin typeface="Courier New"/>
-                <a:cs typeface="Courier New"/>
-              </a:rPr>
-              <a:t>clk</a:t>
-            </a:r>
-            <a:r>
-              <a:rPr lang="en-US" sz="1400" b="1" dirty="0" smtClean="0">
-                <a:latin typeface="Courier New"/>
-                <a:cs typeface="Courier New"/>
-              </a:rPr>
-              <a:t>        6ns</a:t>
-            </a:r>
-          </a:p>
-          <a:p>
-            <a:pPr marL="0" indent="0">
-              <a:buNone/>
-            </a:pPr>
-            <a:r>
-              <a:rPr lang="en-US" sz="1400" b="1" dirty="0" smtClean="0">
-                <a:latin typeface="Courier New"/>
-                <a:cs typeface="Courier New"/>
-              </a:rPr>
-              <a:t>Full Random Access ....    3 </a:t>
-            </a:r>
-            <a:r>
-              <a:rPr lang="en-US" sz="1400" b="1" dirty="0" err="1" smtClean="0">
-                <a:latin typeface="Courier New"/>
-                <a:cs typeface="Courier New"/>
-              </a:rPr>
-              <a:t>clk</a:t>
-            </a:r>
-            <a:r>
-              <a:rPr lang="en-US" sz="1400" b="1" dirty="0" smtClean="0">
-                <a:latin typeface="Courier New"/>
-                <a:cs typeface="Courier New"/>
-              </a:rPr>
-              <a:t>         11 </a:t>
-            </a:r>
-            <a:r>
-              <a:rPr lang="en-US" sz="1400" b="1" dirty="0" err="1" smtClean="0">
-                <a:latin typeface="Courier New"/>
-                <a:cs typeface="Courier New"/>
-              </a:rPr>
-              <a:t>clk</a:t>
-            </a:r>
-            <a:r>
-              <a:rPr lang="en-US" sz="1400" b="1" dirty="0" smtClean="0">
-                <a:latin typeface="Courier New"/>
-                <a:cs typeface="Courier New"/>
-              </a:rPr>
-              <a:t>       38 </a:t>
-            </a:r>
-            <a:r>
-              <a:rPr lang="en-US" sz="1400" b="1" dirty="0" err="1" smtClean="0">
-                <a:latin typeface="Courier New"/>
-                <a:cs typeface="Courier New"/>
-              </a:rPr>
-              <a:t>clk</a:t>
-            </a:r>
-            <a:r>
-              <a:rPr lang="en-US" sz="1400" b="1" dirty="0" smtClean="0">
-                <a:latin typeface="Courier New"/>
-                <a:cs typeface="Courier New"/>
-              </a:rPr>
-              <a:t>     65.8ns</a:t>
-            </a:r>
-          </a:p>
-          <a:p>
-            <a:endParaRPr lang="en-US" dirty="0" smtClean="0"/>
-          </a:p>
-          <a:p>
-            <a:pPr marL="0" indent="0">
-              <a:buNone/>
-            </a:pPr>
-            <a:r>
-              <a:rPr lang="en-US" sz="1400" dirty="0" smtClean="0"/>
-              <a:t>SI Software's benchmarks: http://</a:t>
-            </a:r>
-            <a:r>
-              <a:rPr lang="en-US" sz="1400" dirty="0" err="1" smtClean="0"/>
-              <a:t>www.sisoftware.net</a:t>
-            </a:r>
-            <a:r>
-              <a:rPr lang="en-US" sz="1400" dirty="0" smtClean="0"/>
-              <a:t>/?d=</a:t>
-            </a:r>
-            <a:r>
-              <a:rPr lang="en-US" sz="1400" dirty="0" err="1" smtClean="0"/>
-              <a:t>qa&amp;f</a:t>
-            </a:r>
-            <a:r>
-              <a:rPr lang="en-US" sz="1400" dirty="0" smtClean="0"/>
-              <a:t>=</a:t>
-            </a:r>
-            <a:r>
-              <a:rPr lang="en-US" sz="1400" dirty="0" err="1" smtClean="0"/>
-              <a:t>ben_mem_latency</a:t>
-            </a:r>
-            <a:endParaRPr lang="en-US" sz="1400" dirty="0" smtClean="0"/>
-          </a:p>
-          <a:p>
-            <a:pPr marL="0" indent="0">
-              <a:buNone/>
-            </a:pPr>
-            <a:endParaRPr lang="en-US" sz="1400" dirty="0"/>
-          </a:p>
-        </p:txBody>
-      </p:sp>
-    </p:spTree>
-    <p:extLst>
-      <p:ext uri="{BB962C8B-B14F-4D97-AF65-F5344CB8AC3E}">
-        <p14:creationId xmlns:p14="http://schemas.microsoft.com/office/powerpoint/2010/main" val="1240600561"/>
-      </p:ext>
-    </p:extLst>
-  </p:cSld>
-  <p:clrMapOvr>
-    <a:masterClrMapping/>
-  </p:clrMapOvr>
-  <p:timing>
-    <p:tnLst>
-      <p:par>
-        <p:cTn xmlns:p14="http://schemas.microsoft.com/office/powerpoint/2010/main" id="1" dur="indefinite" restart="never" nodeType="tmRoot"/>
-      </p:par>
-    </p:tnLst>
-  </p:timing>
-</p:sld>
-</file>
-
 <file path=ppt/slides/slide22.xml><?xml version="1.0" encoding="utf-8"?>
 <p:sld xmlns:a="http://schemas.openxmlformats.org/drawingml/2006/main" xmlns:r="http://schemas.openxmlformats.org/officeDocument/2006/relationships" xmlns:p="http://schemas.openxmlformats.org/presentationml/2006/main">
   <p:cSld>
@@ -10918,16 +10720,23 @@
             <p:ph type="title"/>
           </p:nvPr>
         </p:nvSpPr>
-        <p:spPr/>
-        <p:txBody>
-          <a:bodyPr/>
-          <a:lstStyle/>
-          <a:p>
-            <a:r>
-              <a:rPr lang="en-US" b="1" dirty="0" smtClean="0"/>
-              <a:t>Registers</a:t>
-            </a:r>
-            <a:endParaRPr lang="en-US" b="1" dirty="0"/>
+        <p:spPr>
+          <a:xfrm>
+            <a:off x="382721" y="274638"/>
+            <a:ext cx="8378558" cy="1143000"/>
+          </a:xfrm>
+        </p:spPr>
+        <p:txBody>
+          <a:bodyPr>
+            <a:noAutofit/>
+          </a:bodyPr>
+          <a:lstStyle/>
+          <a:p>
+            <a:r>
+              <a:rPr lang="en-US" sz="3600" b="1" dirty="0" smtClean="0"/>
+              <a:t>“Latency Numbers Everyone Should Know”</a:t>
+            </a:r>
+            <a:endParaRPr lang="en-US" sz="3600" b="1" dirty="0"/>
           </a:p>
         </p:txBody>
       </p:sp>
@@ -10943,31 +10752,277 @@
         </p:nvSpPr>
         <p:spPr/>
         <p:txBody>
-          <a:bodyPr/>
-          <a:lstStyle/>
-          <a:p>
-            <a:r>
-              <a:rPr lang="en-US" dirty="0" smtClean="0"/>
-              <a:t>On-core for instructions being executed and their operands</a:t>
-            </a:r>
-          </a:p>
-          <a:p>
-            <a:r>
-              <a:rPr lang="en-US" dirty="0" smtClean="0"/>
-              <a:t>Can be accessed in a single cycle</a:t>
-            </a:r>
-          </a:p>
-          <a:p>
-            <a:r>
-              <a:rPr lang="en-US" dirty="0" smtClean="0"/>
-              <a:t>There are many different types</a:t>
-            </a:r>
-          </a:p>
-          <a:p>
-            <a:r>
-              <a:rPr lang="en-US" dirty="0" smtClean="0"/>
-              <a:t>A 64-bit Intel Nehalem CPU had 128 Integer &amp; 128 floating point registers</a:t>
-            </a:r>
+          <a:bodyPr>
+            <a:normAutofit fontScale="25000" lnSpcReduction="20000"/>
+          </a:bodyPr>
+          <a:lstStyle/>
+          <a:p>
+            <a:pPr marL="0" indent="0">
+              <a:buNone/>
+            </a:pPr>
+            <a:r>
+              <a:rPr lang="en-US" sz="6400" b="1" dirty="0" smtClean="0">
+                <a:latin typeface="Courier New"/>
+              </a:rPr>
+              <a:t>L1 cache reference ......................... 0.5 ns</a:t>
+            </a:r>
+          </a:p>
+          <a:p>
+            <a:pPr marL="0" indent="0">
+              <a:buNone/>
+            </a:pPr>
+            <a:r>
+              <a:rPr lang="en-US" sz="6400" b="1" dirty="0" smtClean="0">
+                <a:latin typeface="Courier New"/>
+              </a:rPr>
+              <a:t>Branch </a:t>
+            </a:r>
+            <a:r>
+              <a:rPr lang="en-US" sz="6400" b="1" dirty="0" err="1" smtClean="0">
+                <a:latin typeface="Courier New"/>
+              </a:rPr>
+              <a:t>mispredict</a:t>
+            </a:r>
+            <a:r>
+              <a:rPr lang="en-US" sz="6400" b="1" dirty="0" smtClean="0">
+                <a:latin typeface="Courier New"/>
+              </a:rPr>
+              <a:t> ............................ 5 ns</a:t>
+            </a:r>
+          </a:p>
+          <a:p>
+            <a:pPr marL="0" indent="0">
+              <a:buNone/>
+            </a:pPr>
+            <a:r>
+              <a:rPr lang="en-US" sz="6400" b="1" dirty="0" smtClean="0">
+                <a:latin typeface="Courier New"/>
+              </a:rPr>
+              <a:t>L2 cache reference ........................... 7 ns</a:t>
+            </a:r>
+          </a:p>
+          <a:p>
+            <a:pPr marL="0" indent="0">
+              <a:buNone/>
+            </a:pPr>
+            <a:r>
+              <a:rPr lang="en-US" sz="6400" b="1" dirty="0" err="1" smtClean="0">
+                <a:latin typeface="Courier New"/>
+              </a:rPr>
+              <a:t>Mutex</a:t>
+            </a:r>
+            <a:r>
+              <a:rPr lang="en-US" sz="6400" b="1" dirty="0" smtClean="0">
+                <a:latin typeface="Courier New"/>
+              </a:rPr>
+              <a:t> lock/unlock ........................... 25 ns</a:t>
+            </a:r>
+          </a:p>
+          <a:p>
+            <a:pPr marL="0" indent="0">
+              <a:buNone/>
+            </a:pPr>
+            <a:r>
+              <a:rPr lang="en-US" sz="6400" b="1" dirty="0" smtClean="0">
+                <a:latin typeface="Courier New"/>
+              </a:rPr>
+              <a:t>Main memory reference ...................... 100 ns             </a:t>
+            </a:r>
+          </a:p>
+          <a:p>
+            <a:pPr marL="0" indent="0">
+              <a:buNone/>
+            </a:pPr>
+            <a:r>
+              <a:rPr lang="en-US" sz="6400" b="1" dirty="0" smtClean="0">
+                <a:latin typeface="Courier New"/>
+              </a:rPr>
+              <a:t>Compress 1K bytes with Zippy ............. 3,000 ns  =   3 µs</a:t>
+            </a:r>
+          </a:p>
+          <a:p>
+            <a:pPr marL="0" indent="0">
+              <a:buNone/>
+            </a:pPr>
+            <a:r>
+              <a:rPr lang="en-US" sz="6400" b="1" dirty="0" smtClean="0">
+                <a:latin typeface="Courier New"/>
+              </a:rPr>
+              <a:t>Send 2K bytes over 1 </a:t>
+            </a:r>
+            <a:r>
+              <a:rPr lang="en-US" sz="6400" b="1" dirty="0" err="1" smtClean="0">
+                <a:latin typeface="Courier New"/>
+              </a:rPr>
+              <a:t>Gbps</a:t>
+            </a:r>
+            <a:r>
+              <a:rPr lang="en-US" sz="6400" b="1" dirty="0" smtClean="0">
+                <a:latin typeface="Courier New"/>
+              </a:rPr>
+              <a:t> network ....... 20,000 ns  =  20 µs</a:t>
+            </a:r>
+          </a:p>
+          <a:p>
+            <a:pPr marL="0" indent="0">
+              <a:buNone/>
+            </a:pPr>
+            <a:r>
+              <a:rPr lang="en-US" sz="6400" b="1" dirty="0" smtClean="0">
+                <a:latin typeface="Courier New"/>
+              </a:rPr>
+              <a:t>SSD random read ........................ 150,000 ns  = 150 µs</a:t>
+            </a:r>
+          </a:p>
+          <a:p>
+            <a:pPr marL="0" indent="0">
+              <a:buNone/>
+            </a:pPr>
+            <a:r>
+              <a:rPr lang="en-US" sz="6400" b="1" dirty="0" smtClean="0">
+                <a:latin typeface="Courier New"/>
+              </a:rPr>
+              <a:t>Read 1 MB sequentially from memory ..... 250,000 ns  = 250 µs</a:t>
+            </a:r>
+          </a:p>
+          <a:p>
+            <a:pPr marL="0" indent="0">
+              <a:buNone/>
+            </a:pPr>
+            <a:r>
+              <a:rPr lang="en-US" sz="6400" b="1" dirty="0" smtClean="0">
+                <a:latin typeface="Courier New"/>
+              </a:rPr>
+              <a:t>Round trip within same datacenter ...... 500,000 ns  = 0.5 </a:t>
+            </a:r>
+            <a:r>
+              <a:rPr lang="en-US" sz="6400" b="1" dirty="0" err="1" smtClean="0">
+                <a:latin typeface="Courier New"/>
+              </a:rPr>
+              <a:t>ms</a:t>
+            </a:r>
+            <a:endParaRPr lang="en-US" sz="6400" b="1" dirty="0" smtClean="0">
+              <a:latin typeface="Courier New"/>
+            </a:endParaRPr>
+          </a:p>
+          <a:p>
+            <a:pPr marL="0" indent="0">
+              <a:buNone/>
+            </a:pPr>
+            <a:r>
+              <a:rPr lang="en-US" sz="6400" b="1" dirty="0" smtClean="0">
+                <a:latin typeface="Courier New"/>
+              </a:rPr>
+              <a:t>Read 1 MB sequentially from SSD* ..... 1,000,000 ns  =   1 </a:t>
+            </a:r>
+            <a:r>
+              <a:rPr lang="en-US" sz="6400" b="1" dirty="0" err="1" smtClean="0">
+                <a:latin typeface="Courier New"/>
+              </a:rPr>
+              <a:t>ms</a:t>
+            </a:r>
+            <a:endParaRPr lang="en-US" sz="6400" b="1" dirty="0" smtClean="0">
+              <a:latin typeface="Courier New"/>
+            </a:endParaRPr>
+          </a:p>
+          <a:p>
+            <a:pPr marL="0" indent="0">
+              <a:buNone/>
+            </a:pPr>
+            <a:r>
+              <a:rPr lang="en-US" sz="6400" b="1" dirty="0" smtClean="0">
+                <a:latin typeface="Courier New"/>
+              </a:rPr>
+              <a:t>Disk seek ........................... 10,000,000 ns  =  10 </a:t>
+            </a:r>
+            <a:r>
+              <a:rPr lang="en-US" sz="6400" b="1" dirty="0" err="1" smtClean="0">
+                <a:latin typeface="Courier New"/>
+              </a:rPr>
+              <a:t>ms</a:t>
+            </a:r>
+            <a:endParaRPr lang="en-US" sz="6400" b="1" dirty="0" smtClean="0">
+              <a:latin typeface="Courier New"/>
+            </a:endParaRPr>
+          </a:p>
+          <a:p>
+            <a:pPr marL="0" indent="0">
+              <a:buNone/>
+            </a:pPr>
+            <a:r>
+              <a:rPr lang="en-US" sz="6400" b="1" dirty="0" smtClean="0">
+                <a:latin typeface="Courier New"/>
+              </a:rPr>
+              <a:t>Read 1 MB sequentially from disk .... 20,000,000 ns  =  20 </a:t>
+            </a:r>
+            <a:r>
+              <a:rPr lang="en-US" sz="6400" b="1" dirty="0" err="1" smtClean="0">
+                <a:latin typeface="Courier New"/>
+              </a:rPr>
+              <a:t>ms</a:t>
+            </a:r>
+            <a:endParaRPr lang="en-US" sz="6400" b="1" dirty="0" smtClean="0">
+              <a:latin typeface="Courier New"/>
+            </a:endParaRPr>
+          </a:p>
+          <a:p>
+            <a:pPr marL="0" indent="0">
+              <a:buNone/>
+            </a:pPr>
+            <a:r>
+              <a:rPr lang="en-US" sz="6400" b="1" dirty="0" smtClean="0">
+                <a:latin typeface="Courier New"/>
+              </a:rPr>
+              <a:t>Send packet CA-&gt;Netherlands-&gt;CA .... 150,000,000 ns  = 150 </a:t>
+            </a:r>
+            <a:r>
+              <a:rPr lang="en-US" sz="6400" b="1" dirty="0" err="1" smtClean="0">
+                <a:latin typeface="Courier New"/>
+              </a:rPr>
+              <a:t>ms</a:t>
+            </a:r>
+            <a:endParaRPr lang="en-US" sz="6400" b="1" dirty="0" smtClean="0">
+              <a:latin typeface="Courier New"/>
+            </a:endParaRPr>
+          </a:p>
+          <a:p>
+            <a:pPr marL="0" indent="0">
+              <a:buNone/>
+            </a:pPr>
+            <a:endParaRPr lang="en-US" dirty="0" smtClean="0"/>
+          </a:p>
+          <a:p>
+            <a:r>
+              <a:rPr lang="en-US" sz="4800" dirty="0" smtClean="0"/>
+              <a:t>Shamelessly cribbed from this gist: </a:t>
+            </a:r>
+            <a:r>
+              <a:rPr lang="en-US" sz="4800" dirty="0" smtClean="0">
+                <a:hlinkClick r:id="rId3"/>
+              </a:rPr>
+              <a:t>https://gist.github.com/</a:t>
+            </a:r>
+            <a:r>
+              <a:rPr lang="en-US" sz="4800" dirty="0" smtClean="0">
+                <a:hlinkClick r:id="rId3"/>
+              </a:rPr>
+              <a:t>2843375</a:t>
+            </a:r>
+            <a:r>
+              <a:rPr lang="en-US" sz="4800" dirty="0" smtClean="0"/>
+              <a:t>, originally by Peter </a:t>
+            </a:r>
+            <a:r>
+              <a:rPr lang="en-US" sz="4800" dirty="0" err="1" smtClean="0"/>
+              <a:t>Norvig</a:t>
+            </a:r>
+            <a:r>
+              <a:rPr lang="en-US" sz="4800" dirty="0" smtClean="0"/>
+              <a:t> and amended by Jeff Dean</a:t>
+            </a:r>
+            <a:endParaRPr lang="en-US" sz="4800" dirty="0" smtClean="0"/>
+          </a:p>
+          <a:p>
             <a:endParaRPr lang="en-US" dirty="0"/>
           </a:p>
         </p:txBody>
@@ -10975,7 +11030,7 @@
     </p:spTree>
     <p:extLst>
       <p:ext uri="{BB962C8B-B14F-4D97-AF65-F5344CB8AC3E}">
-        <p14:creationId xmlns:p14="http://schemas.microsoft.com/office/powerpoint/2010/main" val="1931871446"/>
+        <p14:creationId xmlns:p14="http://schemas.microsoft.com/office/powerpoint/2010/main" val="380310500"/>
       </p:ext>
     </p:extLst>
   </p:cSld>
@@ -11026,11 +11081,7 @@
           <a:p>
             <a:r>
               <a:rPr lang="en-US" b="1" dirty="0" smtClean="0"/>
-              <a:t>Store </a:t>
-            </a:r>
-            <a:r>
-              <a:rPr lang="en-US" b="1" dirty="0" smtClean="0"/>
-              <a:t>Buffers</a:t>
+              <a:t>Measured Cache Latencies</a:t>
             </a:r>
             <a:endParaRPr lang="en-US" b="1" dirty="0"/>
           </a:p>
@@ -11048,73 +11099,187 @@
         </p:nvSpPr>
         <p:spPr/>
         <p:txBody>
-          <a:bodyPr/>
-          <a:lstStyle/>
-          <a:p>
-            <a:r>
-              <a:rPr lang="en-US" dirty="0" smtClean="0"/>
-              <a:t>Hold data for </a:t>
-            </a:r>
-            <a:r>
-              <a:rPr lang="en-US" dirty="0" smtClean="0"/>
-              <a:t>Out of Order (</a:t>
-            </a:r>
-            <a:r>
-              <a:rPr lang="en-US" dirty="0" err="1" smtClean="0"/>
-              <a:t>OoO</a:t>
-            </a:r>
-            <a:r>
-              <a:rPr lang="en-US" dirty="0" smtClean="0"/>
-              <a:t>) </a:t>
-            </a:r>
-            <a:r>
-              <a:rPr lang="en-US" dirty="0" smtClean="0"/>
-              <a:t>execution</a:t>
-            </a:r>
-          </a:p>
-          <a:p>
-            <a:r>
-              <a:rPr lang="en-US" dirty="0" smtClean="0"/>
-              <a:t>Loads snoop store buffers for data from previous stores on the same core</a:t>
-            </a:r>
-          </a:p>
-          <a:p>
-            <a:r>
-              <a:rPr lang="en-US" dirty="0" smtClean="0"/>
-              <a:t>Fully associative</a:t>
-            </a:r>
-          </a:p>
-          <a:p>
-            <a:r>
-              <a:rPr lang="en-US" dirty="0" smtClean="0"/>
-              <a:t>Prevent “stalls”</a:t>
-            </a:r>
+          <a:bodyPr>
+            <a:normAutofit/>
+          </a:bodyPr>
+          <a:lstStyle/>
+          <a:p>
+            <a:pPr marL="0" indent="0">
+              <a:buNone/>
+            </a:pPr>
+            <a:r>
+              <a:rPr lang="en-US" sz="1400" b="1" dirty="0" smtClean="0">
+                <a:latin typeface="Courier New"/>
+                <a:cs typeface="Courier New"/>
+              </a:rPr>
+              <a:t>Sandy Bridge-E			  L1d			L2			L3		  Main</a:t>
+            </a:r>
+          </a:p>
+          <a:p>
+            <a:pPr marL="0" indent="0">
+              <a:buNone/>
+            </a:pPr>
+            <a:r>
+              <a:rPr lang="en-US" sz="1400" b="1" dirty="0" smtClean="0">
+                <a:latin typeface="Courier New"/>
+                <a:cs typeface="Courier New"/>
+              </a:rPr>
+              <a:t>=======================================================================</a:t>
+            </a:r>
+          </a:p>
+          <a:p>
+            <a:pPr marL="0" indent="0">
+              <a:buNone/>
+            </a:pPr>
+            <a:r>
+              <a:rPr lang="en-US" sz="1400" b="1" dirty="0" smtClean="0">
+                <a:latin typeface="Courier New"/>
+                <a:cs typeface="Courier New"/>
+              </a:rPr>
+              <a:t>Sequential Access .....    3 </a:t>
+            </a:r>
+            <a:r>
+              <a:rPr lang="en-US" sz="1400" b="1" dirty="0" err="1" smtClean="0">
+                <a:latin typeface="Courier New"/>
+                <a:cs typeface="Courier New"/>
+              </a:rPr>
+              <a:t>clk</a:t>
+            </a:r>
+            <a:r>
+              <a:rPr lang="en-US" sz="1400" b="1" dirty="0" smtClean="0">
+                <a:latin typeface="Courier New"/>
+                <a:cs typeface="Courier New"/>
+              </a:rPr>
+              <a:t>         11 </a:t>
+            </a:r>
+            <a:r>
+              <a:rPr lang="en-US" sz="1400" b="1" dirty="0" err="1" smtClean="0">
+                <a:latin typeface="Courier New"/>
+                <a:cs typeface="Courier New"/>
+              </a:rPr>
+              <a:t>clk</a:t>
+            </a:r>
+            <a:r>
+              <a:rPr lang="en-US" sz="1400" b="1" dirty="0" smtClean="0">
+                <a:latin typeface="Courier New"/>
+                <a:cs typeface="Courier New"/>
+              </a:rPr>
+              <a:t>       14 </a:t>
+            </a:r>
+            <a:r>
+              <a:rPr lang="en-US" sz="1400" b="1" dirty="0" err="1" smtClean="0">
+                <a:latin typeface="Courier New"/>
+                <a:cs typeface="Courier New"/>
+              </a:rPr>
+              <a:t>clk</a:t>
+            </a:r>
+            <a:r>
+              <a:rPr lang="en-US" sz="1400" b="1" dirty="0" smtClean="0">
+                <a:latin typeface="Courier New"/>
+                <a:cs typeface="Courier New"/>
+              </a:rPr>
+              <a:t>        6ns</a:t>
+            </a:r>
+          </a:p>
+          <a:p>
+            <a:pPr marL="0" indent="0">
+              <a:buNone/>
+            </a:pPr>
+            <a:r>
+              <a:rPr lang="en-US" sz="1400" b="1" dirty="0" smtClean="0">
+                <a:latin typeface="Courier New"/>
+                <a:cs typeface="Courier New"/>
+              </a:rPr>
+              <a:t>Full Random Access ....    3 </a:t>
+            </a:r>
+            <a:r>
+              <a:rPr lang="en-US" sz="1400" b="1" dirty="0" err="1" smtClean="0">
+                <a:latin typeface="Courier New"/>
+                <a:cs typeface="Courier New"/>
+              </a:rPr>
+              <a:t>clk</a:t>
+            </a:r>
+            <a:r>
+              <a:rPr lang="en-US" sz="1400" b="1" dirty="0" smtClean="0">
+                <a:latin typeface="Courier New"/>
+                <a:cs typeface="Courier New"/>
+              </a:rPr>
+              <a:t>         11 </a:t>
+            </a:r>
+            <a:r>
+              <a:rPr lang="en-US" sz="1400" b="1" dirty="0" err="1" smtClean="0">
+                <a:latin typeface="Courier New"/>
+                <a:cs typeface="Courier New"/>
+              </a:rPr>
+              <a:t>clk</a:t>
+            </a:r>
+            <a:r>
+              <a:rPr lang="en-US" sz="1400" b="1" dirty="0" smtClean="0">
+                <a:latin typeface="Courier New"/>
+                <a:cs typeface="Courier New"/>
+              </a:rPr>
+              <a:t>       38 </a:t>
+            </a:r>
+            <a:r>
+              <a:rPr lang="en-US" sz="1400" b="1" dirty="0" err="1" smtClean="0">
+                <a:latin typeface="Courier New"/>
+                <a:cs typeface="Courier New"/>
+              </a:rPr>
+              <a:t>clk</a:t>
+            </a:r>
+            <a:r>
+              <a:rPr lang="en-US" sz="1400" b="1" dirty="0" smtClean="0">
+                <a:latin typeface="Courier New"/>
+                <a:cs typeface="Courier New"/>
+              </a:rPr>
+              <a:t>     65.8ns</a:t>
+            </a:r>
+          </a:p>
+          <a:p>
             <a:endParaRPr lang="en-US" dirty="0" smtClean="0"/>
           </a:p>
           <a:p>
-            <a:r>
-              <a:rPr lang="en-US" dirty="0" smtClean="0"/>
-              <a:t>Can be snooped </a:t>
-            </a:r>
-            <a:r>
-              <a:rPr lang="en-US" dirty="0" smtClean="0"/>
-              <a:t>by the owning core only</a:t>
-            </a:r>
-            <a:endParaRPr lang="en-US" dirty="0" smtClean="0"/>
-          </a:p>
-          <a:p>
-            <a:r>
-              <a:rPr lang="en-US" dirty="0" smtClean="0"/>
-              <a:t>~1 cycle</a:t>
-            </a:r>
-            <a:endParaRPr lang="en-US" dirty="0"/>
+            <a:pPr marL="0" indent="0">
+              <a:buNone/>
+            </a:pPr>
+            <a:r>
+              <a:rPr lang="en-US" sz="1400" dirty="0" smtClean="0"/>
+              <a:t>SI Software's benchmarks: http://</a:t>
+            </a:r>
+            <a:r>
+              <a:rPr lang="en-US" sz="1400" dirty="0" err="1" smtClean="0"/>
+              <a:t>www.sisoftware.net</a:t>
+            </a:r>
+            <a:r>
+              <a:rPr lang="en-US" sz="1400" dirty="0" smtClean="0"/>
+              <a:t>/?d=</a:t>
+            </a:r>
+            <a:r>
+              <a:rPr lang="en-US" sz="1400" dirty="0" err="1" smtClean="0"/>
+              <a:t>qa&amp;f</a:t>
+            </a:r>
+            <a:r>
+              <a:rPr lang="en-US" sz="1400" dirty="0" smtClean="0"/>
+              <a:t>=</a:t>
+            </a:r>
+            <a:r>
+              <a:rPr lang="en-US" sz="1400" dirty="0" err="1" smtClean="0"/>
+              <a:t>ben_mem_latency</a:t>
+            </a:r>
+            <a:endParaRPr lang="en-US" sz="1400" dirty="0" smtClean="0"/>
+          </a:p>
+          <a:p>
+            <a:pPr marL="0" indent="0">
+              <a:buNone/>
+            </a:pPr>
+            <a:endParaRPr lang="en-US" sz="1400" dirty="0"/>
           </a:p>
         </p:txBody>
       </p:sp>
     </p:spTree>
     <p:extLst>
       <p:ext uri="{BB962C8B-B14F-4D97-AF65-F5344CB8AC3E}">
-        <p14:creationId xmlns:p14="http://schemas.microsoft.com/office/powerpoint/2010/main" val="3473524178"/>
+        <p14:creationId xmlns:p14="http://schemas.microsoft.com/office/powerpoint/2010/main" val="1240600561"/>
       </p:ext>
     </p:extLst>
   </p:cSld>
@@ -11165,7 +11330,7 @@
           <a:p>
             <a:r>
               <a:rPr lang="en-US" b="1" dirty="0" smtClean="0"/>
-              <a:t>Static RAM (SRAM)</a:t>
+              <a:t>Registers</a:t>
             </a:r>
             <a:endParaRPr lang="en-US" b="1" dirty="0"/>
           </a:p>
@@ -11188,25 +11353,25 @@
           <a:p>
             <a:r>
               <a:rPr lang="en-US" dirty="0" smtClean="0"/>
-              <a:t>Requires 6-8 pieces of circuitry per datum, cannot be dense</a:t>
-            </a:r>
-          </a:p>
-          <a:p>
-            <a:r>
-              <a:rPr lang="en-US" dirty="0" smtClean="0"/>
-              <a:t>Runs at a cycle rate, not quite measurable in time</a:t>
-            </a:r>
-          </a:p>
-          <a:p>
-            <a:r>
-              <a:rPr lang="en-US" dirty="0" smtClean="0"/>
-              <a:t>Uses a relatively large amount of power for what it does</a:t>
-            </a:r>
-          </a:p>
-          <a:p>
-            <a:r>
-              <a:rPr lang="en-US" dirty="0" smtClean="0"/>
-              <a:t>Data does not fade or leak, does not need to be refreshed/recharged</a:t>
+              <a:t>On-core for instructions being executed and their operands</a:t>
+            </a:r>
+          </a:p>
+          <a:p>
+            <a:r>
+              <a:rPr lang="en-US" dirty="0" smtClean="0"/>
+              <a:t>Can be accessed in a single cycle</a:t>
+            </a:r>
+          </a:p>
+          <a:p>
+            <a:r>
+              <a:rPr lang="en-US" dirty="0" smtClean="0"/>
+              <a:t>There are many different types</a:t>
+            </a:r>
+          </a:p>
+          <a:p>
+            <a:r>
+              <a:rPr lang="en-US" dirty="0" smtClean="0"/>
+              <a:t>A 64-bit Intel Nehalem CPU had 128 Integer &amp; 128 floating point registers</a:t>
             </a:r>
             <a:endParaRPr lang="en-US" dirty="0"/>
           </a:p>
@@ -11215,7 +11380,7 @@
     </p:spTree>
     <p:extLst>
       <p:ext uri="{BB962C8B-B14F-4D97-AF65-F5344CB8AC3E}">
-        <p14:creationId xmlns:p14="http://schemas.microsoft.com/office/powerpoint/2010/main" val="4172136165"/>
+        <p14:creationId xmlns:p14="http://schemas.microsoft.com/office/powerpoint/2010/main" val="1931871446"/>
       </p:ext>
     </p:extLst>
   </p:cSld>
@@ -11266,7 +11431,11 @@
           <a:p>
             <a:r>
               <a:rPr lang="en-US" b="1" dirty="0" smtClean="0"/>
-              <a:t>Level Zero (L0)</a:t>
+              <a:t>Store </a:t>
+            </a:r>
+            <a:r>
+              <a:rPr lang="en-US" b="1" dirty="0" smtClean="0"/>
+              <a:t>Buffers</a:t>
             </a:r>
             <a:endParaRPr lang="en-US" b="1" dirty="0"/>
           </a:p>
@@ -11289,33 +11458,46 @@
           <a:p>
             <a:r>
               <a:rPr lang="en-US" dirty="0" smtClean="0"/>
-              <a:t>New to Sandy Bridge</a:t>
-            </a:r>
-          </a:p>
-          <a:p>
-            <a:r>
-              <a:rPr lang="en-US" dirty="0" smtClean="0"/>
-              <a:t>A cache of the last 1536 </a:t>
+              <a:t>Hold data for </a:t>
+            </a:r>
+            <a:r>
+              <a:rPr lang="en-US" dirty="0" smtClean="0"/>
+              <a:t>Out of Order (</a:t>
             </a:r>
             <a:r>
               <a:rPr lang="en-US" dirty="0" err="1" smtClean="0"/>
-              <a:t>uops</a:t>
-            </a:r>
-            <a:r>
-              <a:rPr lang="en-US" dirty="0" smtClean="0"/>
-              <a:t> (~6kB) decoded</a:t>
-            </a:r>
-          </a:p>
-          <a:p>
-            <a:r>
-              <a:rPr lang="en-US" dirty="0" smtClean="0"/>
-              <a:t>Well-suited for hot loops</a:t>
-            </a:r>
-          </a:p>
-          <a:p>
-            <a:r>
-              <a:rPr lang="en-US" dirty="0" smtClean="0"/>
-              <a:t>Not the same as the older "trace" cache</a:t>
+              <a:t>OoO</a:t>
+            </a:r>
+            <a:r>
+              <a:rPr lang="en-US" dirty="0" smtClean="0"/>
+              <a:t>) </a:t>
+            </a:r>
+            <a:r>
+              <a:rPr lang="en-US" dirty="0" smtClean="0"/>
+              <a:t>execution</a:t>
+            </a:r>
+          </a:p>
+          <a:p>
+            <a:r>
+              <a:rPr lang="en-US" dirty="0" smtClean="0"/>
+              <a:t>Fully associative</a:t>
+            </a:r>
+          </a:p>
+          <a:p>
+            <a:r>
+              <a:rPr lang="en-US" dirty="0" smtClean="0"/>
+              <a:t>Prevent “stalls” in execution on a thread when the cache line is not local to a core on a write</a:t>
+            </a:r>
+            <a:endParaRPr lang="en-US" dirty="0" smtClean="0"/>
+          </a:p>
+          <a:p>
+            <a:r>
+              <a:rPr lang="en-US" dirty="0" smtClean="0"/>
+              <a:t>~</a:t>
+            </a:r>
+            <a:r>
+              <a:rPr lang="en-US" dirty="0" smtClean="0"/>
+              <a:t>1 cycle</a:t>
             </a:r>
             <a:endParaRPr lang="en-US" dirty="0"/>
           </a:p>
@@ -11324,7 +11506,7 @@
     </p:spTree>
     <p:extLst>
       <p:ext uri="{BB962C8B-B14F-4D97-AF65-F5344CB8AC3E}">
-        <p14:creationId xmlns:p14="http://schemas.microsoft.com/office/powerpoint/2010/main" val="2480059153"/>
+        <p14:creationId xmlns:p14="http://schemas.microsoft.com/office/powerpoint/2010/main" val="3473524178"/>
       </p:ext>
     </p:extLst>
   </p:cSld>
@@ -11375,7 +11557,7 @@
           <a:p>
             <a:r>
               <a:rPr lang="en-US" b="1" dirty="0" smtClean="0"/>
-              <a:t>Level One (L1)</a:t>
+              <a:t>Level Zero (L0)</a:t>
             </a:r>
             <a:endParaRPr lang="en-US" b="1" dirty="0"/>
           </a:p>
@@ -11398,45 +11580,38 @@
           <a:p>
             <a:r>
               <a:rPr lang="en-US" dirty="0" smtClean="0"/>
-              <a:t>Divided into data and instructions</a:t>
-            </a:r>
-          </a:p>
-          <a:p>
-            <a:r>
-              <a:rPr lang="en-US" dirty="0" smtClean="0"/>
-              <a:t>32K </a:t>
-            </a:r>
-            <a:r>
-              <a:rPr lang="en-US" dirty="0" smtClean="0"/>
-              <a:t>data (L1d), </a:t>
-            </a:r>
-            <a:r>
-              <a:rPr lang="en-US" dirty="0" smtClean="0"/>
-              <a:t>32K instructions </a:t>
-            </a:r>
-            <a:r>
-              <a:rPr lang="en-US" dirty="0" smtClean="0"/>
-              <a:t>(L1i) per </a:t>
-            </a:r>
-            <a:r>
-              <a:rPr lang="en-US" dirty="0" smtClean="0"/>
-              <a:t>core on a Sandy Bridge</a:t>
-            </a:r>
-          </a:p>
-          <a:p>
-            <a:r>
-              <a:rPr lang="en-US" dirty="0" smtClean="0"/>
-              <a:t>Sandy Bridge loads data at 256 bits per cycle, double that of Nehalem</a:t>
-            </a:r>
-          </a:p>
-          <a:p>
-            <a:r>
-              <a:rPr lang="en-US" dirty="0" smtClean="0"/>
-              <a:t>3-4 cycles </a:t>
-            </a:r>
-            <a:r>
-              <a:rPr lang="en-US" dirty="0" smtClean="0"/>
-              <a:t>to access L1d</a:t>
+              <a:t>New to Sandy Bridge</a:t>
+            </a:r>
+          </a:p>
+          <a:p>
+            <a:r>
+              <a:rPr lang="en-US" dirty="0" smtClean="0"/>
+              <a:t>A cache of the last 1536 </a:t>
+            </a:r>
+            <a:r>
+              <a:rPr lang="en-US" dirty="0" err="1" smtClean="0"/>
+              <a:t>uops</a:t>
+            </a:r>
+            <a:r>
+              <a:rPr lang="en-US" dirty="0" smtClean="0"/>
+              <a:t> </a:t>
+            </a:r>
+            <a:r>
+              <a:rPr lang="en-US" dirty="0" smtClean="0"/>
+              <a:t>decoded</a:t>
+            </a:r>
+            <a:endParaRPr lang="en-US" dirty="0" smtClean="0"/>
+          </a:p>
+          <a:p>
+            <a:r>
+              <a:rPr lang="en-US" dirty="0" smtClean="0"/>
+              <a:t>Well-suited for hot loops</a:t>
+            </a:r>
+          </a:p>
+          <a:p>
+            <a:r>
+              <a:rPr lang="en-US" dirty="0" smtClean="0"/>
+              <a:t>Not the same as the older "trace" cache</a:t>
             </a:r>
             <a:endParaRPr lang="en-US" dirty="0"/>
           </a:p>
@@ -11445,7 +11620,7 @@
     </p:spTree>
     <p:extLst>
       <p:ext uri="{BB962C8B-B14F-4D97-AF65-F5344CB8AC3E}">
-        <p14:creationId xmlns:p14="http://schemas.microsoft.com/office/powerpoint/2010/main" val="653215782"/>
+        <p14:creationId xmlns:p14="http://schemas.microsoft.com/office/powerpoint/2010/main" val="2480059153"/>
       </p:ext>
     </p:extLst>
   </p:cSld>
@@ -11496,7 +11671,7 @@
           <a:p>
             <a:r>
               <a:rPr lang="en-US" b="1" dirty="0" smtClean="0"/>
-              <a:t>Level Two (L2)</a:t>
+              <a:t>Level One (L1)</a:t>
             </a:r>
             <a:endParaRPr lang="en-US" b="1" dirty="0"/>
           </a:p>
@@ -11519,60 +11694,45 @@
           <a:p>
             <a:r>
               <a:rPr lang="en-US" dirty="0" smtClean="0"/>
-              <a:t>256K per core on a Sandy Bridge</a:t>
-            </a:r>
-          </a:p>
-          <a:p>
-            <a:r>
-              <a:rPr lang="en-US" dirty="0" smtClean="0"/>
-              <a:t>2MB per </a:t>
-            </a:r>
-            <a:r>
-              <a:rPr lang="en-US" dirty="0" smtClean="0"/>
-              <a:t>“module</a:t>
-            </a:r>
-            <a:r>
-              <a:rPr lang="en-US" dirty="0" smtClean="0"/>
-              <a:t>”</a:t>
-            </a:r>
-            <a:r>
-              <a:rPr lang="en-US" dirty="0" smtClean="0"/>
-              <a:t> </a:t>
-            </a:r>
-            <a:r>
-              <a:rPr lang="en-US" dirty="0" smtClean="0"/>
-              <a:t>on AMD's Bulldozer architecture</a:t>
-            </a:r>
-          </a:p>
-          <a:p>
-            <a:r>
-              <a:rPr lang="en-US" dirty="0" smtClean="0"/>
-              <a:t>~11</a:t>
-            </a:r>
-            <a:r>
-              <a:rPr lang="en-US" dirty="0" smtClean="0"/>
-              <a:t> </a:t>
-            </a:r>
-            <a:r>
-              <a:rPr lang="en-US" dirty="0" smtClean="0"/>
-              <a:t>cycles to </a:t>
-            </a:r>
-            <a:r>
-              <a:rPr lang="en-US" dirty="0" smtClean="0"/>
-              <a:t>access</a:t>
-            </a:r>
-            <a:endParaRPr lang="en-US" dirty="0" smtClean="0"/>
-          </a:p>
-          <a:p>
-            <a:r>
-              <a:rPr lang="en-US" dirty="0" smtClean="0"/>
-              <a:t>Unified data and instruction caches from here up</a:t>
-            </a:r>
-          </a:p>
-          <a:p>
-            <a:r>
-              <a:rPr lang="en-US" dirty="0" smtClean="0"/>
-              <a:t>If the working set size is larger than L2, misses grow</a:t>
+              <a:t>Divided into data and instructions</a:t>
+            </a:r>
+          </a:p>
+          <a:p>
+            <a:r>
+              <a:rPr lang="en-US" dirty="0" smtClean="0"/>
+              <a:t>32K </a:t>
+            </a:r>
+            <a:r>
+              <a:rPr lang="en-US" dirty="0" smtClean="0"/>
+              <a:t>data (L1d), </a:t>
+            </a:r>
+            <a:r>
+              <a:rPr lang="en-US" dirty="0" smtClean="0"/>
+              <a:t>32K instructions </a:t>
+            </a:r>
+            <a:r>
+              <a:rPr lang="en-US" dirty="0" smtClean="0"/>
+              <a:t>(L1i) per </a:t>
+            </a:r>
+            <a:r>
+              <a:rPr lang="en-US" dirty="0" smtClean="0"/>
+              <a:t>core on a Sandy Bridge</a:t>
+            </a:r>
+          </a:p>
+          <a:p>
+            <a:r>
+              <a:rPr lang="en-US" dirty="0" smtClean="0"/>
+              <a:t>Sandy Bridge loads data at 256 bits per cycle, double that of Nehalem</a:t>
+            </a:r>
+          </a:p>
+          <a:p>
+            <a:r>
+              <a:rPr lang="en-US" dirty="0" smtClean="0"/>
+              <a:t>3-4 cycles </a:t>
+            </a:r>
+            <a:r>
+              <a:rPr lang="en-US" dirty="0" smtClean="0"/>
+              <a:t>to access L1d</a:t>
             </a:r>
             <a:endParaRPr lang="en-US" dirty="0"/>
           </a:p>
@@ -11581,7 +11741,7 @@
     </p:spTree>
     <p:extLst>
       <p:ext uri="{BB962C8B-B14F-4D97-AF65-F5344CB8AC3E}">
-        <p14:creationId xmlns:p14="http://schemas.microsoft.com/office/powerpoint/2010/main" val="2449719977"/>
+        <p14:creationId xmlns:p14="http://schemas.microsoft.com/office/powerpoint/2010/main" val="653215782"/>
       </p:ext>
     </p:extLst>
   </p:cSld>
@@ -11632,7 +11792,7 @@
           <a:p>
             <a:r>
               <a:rPr lang="en-US" b="1" dirty="0" smtClean="0"/>
-              <a:t>Level Three (L3)</a:t>
+              <a:t>Level Two (L2)</a:t>
             </a:r>
             <a:endParaRPr lang="en-US" b="1" dirty="0"/>
           </a:p>
@@ -11650,42 +11810,65 @@
         </p:nvSpPr>
         <p:spPr/>
         <p:txBody>
-          <a:bodyPr>
-            <a:normAutofit/>
-          </a:bodyPr>
-          <a:lstStyle/>
-          <a:p>
-            <a:r>
-              <a:rPr lang="en-US" dirty="0" smtClean="0"/>
-              <a:t>Was a </a:t>
-            </a:r>
-            <a:r>
-              <a:rPr lang="en-US" dirty="0" smtClean="0"/>
-              <a:t>“unified” </a:t>
-            </a:r>
-            <a:r>
-              <a:rPr lang="en-US" dirty="0" smtClean="0"/>
-              <a:t>cache up until Sandy Bridge, shared between cores</a:t>
-            </a:r>
-          </a:p>
-          <a:p>
-            <a:r>
-              <a:rPr lang="en-US" dirty="0" smtClean="0"/>
-              <a:t>Varies </a:t>
-            </a:r>
-            <a:r>
-              <a:rPr lang="en-US" dirty="0" smtClean="0"/>
-              <a:t>in size with different processors and versions of an architecture</a:t>
-            </a:r>
-          </a:p>
-          <a:p>
-            <a:r>
-              <a:rPr lang="en-US" dirty="0" smtClean="0"/>
-              <a:t>14-38 cycles to </a:t>
+          <a:bodyPr/>
+          <a:lstStyle/>
+          <a:p>
+            <a:r>
+              <a:rPr lang="en-US" dirty="0" smtClean="0"/>
+              <a:t>256K per core on a Sandy Bridge</a:t>
+            </a:r>
+          </a:p>
+          <a:p>
+            <a:r>
+              <a:rPr lang="en-US" dirty="0" smtClean="0"/>
+              <a:t>2MB per </a:t>
+            </a:r>
+            <a:r>
+              <a:rPr lang="en-US" dirty="0" smtClean="0"/>
+              <a:t>“module</a:t>
+            </a:r>
+            <a:r>
+              <a:rPr lang="en-US" dirty="0" smtClean="0"/>
+              <a:t>”</a:t>
+            </a:r>
+            <a:r>
+              <a:rPr lang="en-US" dirty="0" smtClean="0"/>
+              <a:t> </a:t>
+            </a:r>
+            <a:r>
+              <a:rPr lang="en-US" dirty="0" smtClean="0"/>
+              <a:t>on AMD's Bulldozer architecture</a:t>
+            </a:r>
+          </a:p>
+          <a:p>
+            <a:r>
+              <a:rPr lang="en-US" dirty="0" smtClean="0"/>
+              <a:t>~11</a:t>
+            </a:r>
+            <a:r>
+              <a:rPr lang="en-US" dirty="0" smtClean="0"/>
+              <a:t> </a:t>
+            </a:r>
+            <a:r>
+              <a:rPr lang="en-US" dirty="0" smtClean="0"/>
+              <a:t>cycles to </a:t>
             </a:r>
             <a:r>
               <a:rPr lang="en-US" dirty="0" smtClean="0"/>
               <a:t>access</a:t>
+            </a:r>
+            <a:endParaRPr lang="en-US" dirty="0" smtClean="0"/>
+          </a:p>
+          <a:p>
+            <a:r>
+              <a:rPr lang="en-US" dirty="0" smtClean="0"/>
+              <a:t>Unified data and instruction caches from here up</a:t>
+            </a:r>
+          </a:p>
+          <a:p>
+            <a:r>
+              <a:rPr lang="en-US" dirty="0" smtClean="0"/>
+              <a:t>If the working set size is larger than L2, misses grow</a:t>
             </a:r>
             <a:endParaRPr lang="en-US" dirty="0"/>
           </a:p>
@@ -11694,7 +11877,7 @@
     </p:spTree>
     <p:extLst>
       <p:ext uri="{BB962C8B-B14F-4D97-AF65-F5344CB8AC3E}">
-        <p14:creationId xmlns:p14="http://schemas.microsoft.com/office/powerpoint/2010/main" val="2907468111"/>
+        <p14:creationId xmlns:p14="http://schemas.microsoft.com/office/powerpoint/2010/main" val="2449719977"/>
       </p:ext>
     </p:extLst>
   </p:cSld>
@@ -11745,7 +11928,7 @@
           <a:p>
             <a:r>
               <a:rPr lang="en-US" b="1" dirty="0" smtClean="0"/>
-              <a:t>Dynamic RAM (DRAM)</a:t>
+              <a:t>Level Three (L3)</a:t>
             </a:r>
             <a:endParaRPr lang="en-US" b="1" dirty="0"/>
           </a:p>
@@ -11770,73 +11953,35 @@
           <a:p>
             <a:r>
               <a:rPr lang="en-US" dirty="0" smtClean="0"/>
-              <a:t>Very </a:t>
-            </a:r>
-            <a:r>
-              <a:rPr lang="en-US" dirty="0" smtClean="0"/>
-              <a:t>dense</a:t>
-            </a:r>
-          </a:p>
-          <a:p>
-            <a:r>
-              <a:rPr lang="en-US" dirty="0" smtClean="0"/>
-              <a:t>“Leaks” </a:t>
-            </a:r>
-            <a:r>
-              <a:rPr lang="en-US" dirty="0" smtClean="0"/>
-              <a:t>charge, but not sooner than </a:t>
-            </a:r>
-            <a:r>
-              <a:rPr lang="en-US" dirty="0" smtClean="0"/>
-              <a:t>64ms</a:t>
-            </a:r>
-            <a:endParaRPr lang="en-US" dirty="0" smtClean="0"/>
-          </a:p>
-          <a:p>
-            <a:r>
-              <a:rPr lang="en-US" dirty="0" smtClean="0"/>
-              <a:t>Reads deplete </a:t>
-            </a:r>
-            <a:r>
-              <a:rPr lang="en-US" dirty="0" smtClean="0"/>
-              <a:t>the charge, </a:t>
-            </a:r>
-            <a:r>
-              <a:rPr lang="en-US" dirty="0" smtClean="0"/>
-              <a:t>requiring </a:t>
-            </a:r>
-            <a:r>
-              <a:rPr lang="en-US" dirty="0" smtClean="0"/>
-              <a:t>subsequent recharge</a:t>
-            </a:r>
-          </a:p>
-          <a:p>
-            <a:r>
-              <a:rPr lang="en-US" dirty="0" smtClean="0"/>
-              <a:t>Takes </a:t>
-            </a:r>
-            <a:r>
-              <a:rPr lang="en-US" dirty="0" smtClean="0"/>
-              <a:t>240 cycles </a:t>
-            </a:r>
-            <a:r>
-              <a:rPr lang="en-US" dirty="0" smtClean="0"/>
-              <a:t>(~100ns) </a:t>
-            </a:r>
-            <a:r>
-              <a:rPr lang="en-US" dirty="0" smtClean="0"/>
-              <a:t>to </a:t>
+              <a:t>Was a </a:t>
+            </a:r>
+            <a:r>
+              <a:rPr lang="en-US" dirty="0" smtClean="0"/>
+              <a:t>“unified” </a:t>
+            </a:r>
+            <a:r>
+              <a:rPr lang="en-US" dirty="0" smtClean="0"/>
+              <a:t>cache up until Sandy Bridge, shared between cores</a:t>
+            </a:r>
+          </a:p>
+          <a:p>
+            <a:r>
+              <a:rPr lang="en-US" dirty="0" smtClean="0"/>
+              <a:t>Varies </a:t>
+            </a:r>
+            <a:r>
+              <a:rPr lang="en-US" dirty="0" smtClean="0"/>
+              <a:t>in size with different processors and versions of an architecture</a:t>
+            </a:r>
+          </a:p>
+          <a:p>
+            <a:r>
+              <a:rPr lang="en-US" dirty="0" smtClean="0"/>
+              <a:t>14-38 cycles to </a:t>
             </a:r>
             <a:r>
               <a:rPr lang="en-US" dirty="0" smtClean="0"/>
               <a:t>access</a:t>
-            </a:r>
-            <a:endParaRPr lang="en-US" dirty="0" smtClean="0"/>
-          </a:p>
-          <a:p>
-            <a:r>
-              <a:rPr lang="en-US" dirty="0" smtClean="0"/>
-              <a:t>Intel's Nehalem architecture - each CPU socket controls a portion of RAM, no other socket has direct access to it</a:t>
             </a:r>
             <a:endParaRPr lang="en-US" dirty="0"/>
           </a:p>
@@ -11845,7 +11990,7 @@
     </p:spTree>
     <p:extLst>
       <p:ext uri="{BB962C8B-B14F-4D97-AF65-F5344CB8AC3E}">
-        <p14:creationId xmlns:p14="http://schemas.microsoft.com/office/powerpoint/2010/main" val="851813145"/>
+        <p14:creationId xmlns:p14="http://schemas.microsoft.com/office/powerpoint/2010/main" val="2907468111"/>
       </p:ext>
     </p:extLst>
   </p:cSld>
@@ -11927,7 +12072,7 @@
             </a:pPr>
             <a:r>
               <a:rPr lang="en-US" dirty="0" smtClean="0"/>
-              <a:t>Provide you with the information you need about CPU caches so that you can improve the performance of your application</a:t>
+              <a:t>Provide you with the information you need about CPU caches so that you can improve the performance of your applications</a:t>
             </a:r>
             <a:endParaRPr lang="en-US" dirty="0" smtClean="0"/>
           </a:p>
@@ -11978,29 +12123,6 @@
       </p:grpSpPr>
       <p:sp>
         <p:nvSpPr>
-          <p:cNvPr id="2" name="Title 1"/>
-          <p:cNvSpPr>
-            <a:spLocks noGrp="1"/>
-          </p:cNvSpPr>
-          <p:nvPr>
-            <p:ph type="title"/>
-          </p:nvPr>
-        </p:nvSpPr>
-        <p:spPr/>
-        <p:txBody>
-          <a:bodyPr/>
-          <a:lstStyle/>
-          <a:p>
-            <a:r>
-              <a:rPr lang="en-US" b="1" dirty="0" smtClean="0"/>
-              <a:t>DDR3 SDRAM</a:t>
-            </a:r>
-            <a:endParaRPr lang="en-US" b="1" dirty="0"/>
-          </a:p>
-        </p:txBody>
-      </p:sp>
-      <p:sp>
-        <p:nvSpPr>
           <p:cNvPr id="3" name="Content Placeholder 2"/>
           <p:cNvSpPr>
             <a:spLocks noGrp="1"/>
@@ -12009,51 +12131,33 @@
             <p:ph idx="1"/>
           </p:nvPr>
         </p:nvSpPr>
-        <p:spPr/>
+        <p:spPr>
+          <a:xfrm>
+            <a:off x="457200" y="1600200"/>
+            <a:ext cx="8229600" cy="1149163"/>
+          </a:xfrm>
+        </p:spPr>
         <p:txBody>
           <a:bodyPr>
-            <a:normAutofit/>
+            <a:noAutofit/>
           </a:bodyPr>
           <a:lstStyle/>
           <a:p>
-            <a:r>
-              <a:rPr lang="en-US" dirty="0" smtClean="0"/>
-              <a:t>Double Data Rate, Synchronous Dynamic</a:t>
-            </a:r>
-          </a:p>
-          <a:p>
-            <a:r>
-              <a:rPr lang="en-US" dirty="0" smtClean="0"/>
-              <a:t>Has a high-bandwidth three-channel interface</a:t>
-            </a:r>
-          </a:p>
-          <a:p>
-            <a:r>
-              <a:rPr lang="en-US" dirty="0" smtClean="0"/>
-              <a:t>Reduces </a:t>
-            </a:r>
-            <a:r>
-              <a:rPr lang="en-US" dirty="0" smtClean="0"/>
-              <a:t>power consumption </a:t>
-            </a:r>
-            <a:r>
-              <a:rPr lang="en-US" dirty="0" smtClean="0"/>
-              <a:t>30% over DDR2</a:t>
-            </a:r>
-            <a:endParaRPr lang="en-US" dirty="0" smtClean="0"/>
-          </a:p>
-          <a:p>
-            <a:r>
-              <a:rPr lang="en-US" dirty="0" smtClean="0"/>
-              <a:t>Data is transferred on the rising and falling edges of a 400-1066 MHz I/O clock of the system</a:t>
-            </a:r>
+            <a:pPr marL="0" indent="0" algn="ctr">
+              <a:buNone/>
+            </a:pPr>
+            <a:r>
+              <a:rPr lang="en-US" sz="6400" b="1" dirty="0" smtClean="0"/>
+              <a:t>Programming Tips</a:t>
+            </a:r>
+            <a:endParaRPr lang="en-US" sz="6400" b="1" dirty="0"/>
           </a:p>
         </p:txBody>
       </p:sp>
     </p:spTree>
     <p:extLst>
       <p:ext uri="{BB962C8B-B14F-4D97-AF65-F5344CB8AC3E}">
-        <p14:creationId xmlns:p14="http://schemas.microsoft.com/office/powerpoint/2010/main" val="3132398744"/>
+        <p14:creationId xmlns:p14="http://schemas.microsoft.com/office/powerpoint/2010/main" val="2887864717"/>
       </p:ext>
     </p:extLst>
   </p:cSld>
@@ -12089,6 +12193,29 @@
       </p:grpSpPr>
       <p:sp>
         <p:nvSpPr>
+          <p:cNvPr id="2" name="Title 1"/>
+          <p:cNvSpPr>
+            <a:spLocks noGrp="1"/>
+          </p:cNvSpPr>
+          <p:nvPr>
+            <p:ph type="title"/>
+          </p:nvPr>
+        </p:nvSpPr>
+        <p:spPr/>
+        <p:txBody>
+          <a:bodyPr/>
+          <a:lstStyle/>
+          <a:p>
+            <a:r>
+              <a:rPr lang="en-US" b="1" dirty="0" smtClean="0"/>
+              <a:t>Striding &amp; Pre-fetching</a:t>
+            </a:r>
+            <a:endParaRPr lang="en-US" b="1" dirty="0"/>
+          </a:p>
+        </p:txBody>
+      </p:sp>
+      <p:sp>
+        <p:nvSpPr>
           <p:cNvPr id="3" name="Content Placeholder 2"/>
           <p:cNvSpPr>
             <a:spLocks noGrp="1"/>
@@ -12097,33 +12224,71 @@
             <p:ph idx="1"/>
           </p:nvPr>
         </p:nvSpPr>
-        <p:spPr>
-          <a:xfrm>
-            <a:off x="457200" y="1600200"/>
-            <a:ext cx="8229600" cy="1149163"/>
-          </a:xfrm>
-        </p:spPr>
-        <p:txBody>
-          <a:bodyPr>
-            <a:noAutofit/>
-          </a:bodyPr>
-          <a:lstStyle/>
-          <a:p>
-            <a:pPr marL="0" indent="0" algn="ctr">
+        <p:spPr/>
+        <p:txBody>
+          <a:bodyPr/>
+          <a:lstStyle/>
+          <a:p>
+            <a:r>
+              <a:rPr lang="en-US" dirty="0" smtClean="0"/>
+              <a:t>Predictable memory access is really important</a:t>
+            </a:r>
+          </a:p>
+          <a:p>
+            <a:r>
+              <a:rPr lang="en-US" dirty="0" smtClean="0"/>
+              <a:t>Hardware </a:t>
+            </a:r>
+            <a:r>
+              <a:rPr lang="en-US" dirty="0" smtClean="0"/>
+              <a:t>pre-fetcher </a:t>
+            </a:r>
+            <a:r>
+              <a:rPr lang="en-US" dirty="0" smtClean="0"/>
+              <a:t>on the core looks for patterns of memory access</a:t>
+            </a:r>
+          </a:p>
+          <a:p>
+            <a:r>
+              <a:rPr lang="en-US" dirty="0" smtClean="0"/>
+              <a:t>Can be counter-productive if the access pattern is not </a:t>
+            </a:r>
+            <a:r>
+              <a:rPr lang="en-US" dirty="0" smtClean="0"/>
+              <a:t>predictable</a:t>
+            </a:r>
+          </a:p>
+          <a:p>
+            <a:r>
+              <a:rPr lang="en-US" dirty="0"/>
+              <a:t>Martin Thompson blog post: </a:t>
+            </a:r>
+            <a:r>
+              <a:rPr lang="en-US" dirty="0">
+                <a:hlinkClick r:id="rId3" action="ppaction://hlinkfile"/>
+              </a:rPr>
+              <a:t>“Memory Access Patterns are Important”</a:t>
+            </a:r>
+            <a:endParaRPr lang="en-US" dirty="0"/>
+          </a:p>
+          <a:p>
+            <a:r>
+              <a:rPr lang="en-US" dirty="0"/>
+              <a:t>Shows the importance of locality and striding</a:t>
+            </a:r>
+          </a:p>
+          <a:p>
+            <a:pPr marL="0" indent="0">
               <a:buNone/>
             </a:pPr>
-            <a:r>
-              <a:rPr lang="en-US" sz="6400" b="1" dirty="0" smtClean="0"/>
-              <a:t>Programming Tips</a:t>
-            </a:r>
-            <a:endParaRPr lang="en-US" sz="6400" b="1" dirty="0"/>
+            <a:endParaRPr lang="en-US" dirty="0"/>
           </a:p>
         </p:txBody>
       </p:sp>
     </p:spTree>
     <p:extLst>
       <p:ext uri="{BB962C8B-B14F-4D97-AF65-F5344CB8AC3E}">
-        <p14:creationId xmlns:p14="http://schemas.microsoft.com/office/powerpoint/2010/main" val="2887864717"/>
+        <p14:creationId xmlns:p14="http://schemas.microsoft.com/office/powerpoint/2010/main" val="3802273367"/>
       </p:ext>
     </p:extLst>
   </p:cSld>
@@ -12174,7 +12339,7 @@
           <a:p>
             <a:r>
               <a:rPr lang="en-US" b="1" dirty="0" smtClean="0"/>
-              <a:t>Striding &amp; Pre-fetching</a:t>
+              <a:t>Cache Misses</a:t>
             </a:r>
             <a:endParaRPr lang="en-US" b="1" dirty="0"/>
           </a:p>
@@ -12192,61 +12357,79 @@
         </p:nvSpPr>
         <p:spPr/>
         <p:txBody>
-          <a:bodyPr/>
-          <a:lstStyle/>
-          <a:p>
-            <a:r>
-              <a:rPr lang="en-US" dirty="0" smtClean="0"/>
-              <a:t>Predictable memory access is really important</a:t>
-            </a:r>
-          </a:p>
-          <a:p>
-            <a:r>
-              <a:rPr lang="en-US" dirty="0" smtClean="0"/>
-              <a:t>Hardware </a:t>
-            </a:r>
-            <a:r>
-              <a:rPr lang="en-US" dirty="0" smtClean="0"/>
-              <a:t>pre-fetcher </a:t>
-            </a:r>
-            <a:r>
-              <a:rPr lang="en-US" dirty="0" smtClean="0"/>
-              <a:t>on the core looks for patterns of memory access</a:t>
-            </a:r>
-          </a:p>
-          <a:p>
-            <a:r>
-              <a:rPr lang="en-US" dirty="0" smtClean="0"/>
-              <a:t>Can be counter-productive if the access pattern is not </a:t>
-            </a:r>
-            <a:r>
-              <a:rPr lang="en-US" dirty="0" smtClean="0"/>
-              <a:t>predictable</a:t>
-            </a:r>
-          </a:p>
-          <a:p>
-            <a:r>
-              <a:rPr lang="en-US" dirty="0"/>
-              <a:t>Martin Thompson blog post: </a:t>
-            </a:r>
-            <a:r>
-              <a:rPr lang="en-US" dirty="0">
-                <a:hlinkClick r:id="rId3" action="ppaction://hlinkfile"/>
-              </a:rPr>
-              <a:t>“Memory Access Patterns are Important”</a:t>
+          <a:bodyPr>
+            <a:normAutofit fontScale="85000" lnSpcReduction="10000"/>
+          </a:bodyPr>
+          <a:lstStyle/>
+          <a:p>
+            <a:r>
+              <a:rPr lang="en-US" dirty="0" smtClean="0"/>
+              <a:t>Cost </a:t>
+            </a:r>
+            <a:r>
+              <a:rPr lang="en-US" dirty="0" smtClean="0"/>
+              <a:t>hundreds </a:t>
+            </a:r>
+            <a:r>
+              <a:rPr lang="en-US" dirty="0" smtClean="0"/>
+              <a:t>of cycles</a:t>
+            </a:r>
+          </a:p>
+          <a:p>
+            <a:r>
+              <a:rPr lang="en-US" dirty="0" smtClean="0"/>
+              <a:t>Keep your code simple</a:t>
+            </a:r>
+          </a:p>
+          <a:p>
+            <a:r>
+              <a:rPr lang="en-US" dirty="0" smtClean="0"/>
+              <a:t>Instruction read misses are most expensive</a:t>
+            </a:r>
+          </a:p>
+          <a:p>
+            <a:r>
+              <a:rPr lang="en-US" dirty="0" smtClean="0"/>
+              <a:t>Data read miss are less so, but still hurt performance</a:t>
+            </a:r>
+          </a:p>
+          <a:p>
+            <a:r>
+              <a:rPr lang="en-US" dirty="0" smtClean="0"/>
+              <a:t>Write misses </a:t>
+            </a:r>
+            <a:r>
+              <a:rPr lang="en-US" dirty="0" smtClean="0"/>
+              <a:t>are okay unless using Write Through</a:t>
             </a:r>
             <a:endParaRPr lang="en-US" dirty="0"/>
           </a:p>
           <a:p>
             <a:r>
-              <a:rPr lang="en-US" dirty="0"/>
-              <a:t>Shows the importance of locality and striding</a:t>
-            </a:r>
-          </a:p>
-          <a:p>
-            <a:pPr marL="0" indent="0">
-              <a:buNone/>
-            </a:pPr>
+              <a:rPr lang="en-US" dirty="0" smtClean="0"/>
+              <a:t>Miss types:</a:t>
+            </a:r>
+          </a:p>
+          <a:p>
+            <a:pPr lvl="1"/>
+            <a:r>
+              <a:rPr lang="en-US" dirty="0" smtClean="0"/>
+              <a:t>Compulsory</a:t>
+            </a:r>
+          </a:p>
+          <a:p>
+            <a:pPr lvl="1"/>
+            <a:r>
+              <a:rPr lang="en-US" dirty="0" smtClean="0"/>
+              <a:t>Capacity</a:t>
+            </a:r>
+          </a:p>
+          <a:p>
+            <a:pPr lvl="1"/>
+            <a:r>
+              <a:rPr lang="en-US" dirty="0" smtClean="0"/>
+              <a:t>Conflict</a:t>
+            </a:r>
             <a:endParaRPr lang="en-US" dirty="0"/>
           </a:p>
         </p:txBody>
@@ -12254,7 +12437,7 @@
     </p:spTree>
     <p:extLst>
       <p:ext uri="{BB962C8B-B14F-4D97-AF65-F5344CB8AC3E}">
-        <p14:creationId xmlns:p14="http://schemas.microsoft.com/office/powerpoint/2010/main" val="3802273367"/>
+        <p14:creationId xmlns:p14="http://schemas.microsoft.com/office/powerpoint/2010/main" val="3476601480"/>
       </p:ext>
     </p:extLst>
   </p:cSld>
@@ -12305,7 +12488,7 @@
           <a:p>
             <a:r>
               <a:rPr lang="en-US" b="1" dirty="0" smtClean="0"/>
-              <a:t>Cache Misses</a:t>
+              <a:t>Programming Optimizations</a:t>
             </a:r>
             <a:endParaRPr lang="en-US" b="1" dirty="0"/>
           </a:p>
@@ -12324,77 +12507,49 @@
         <p:spPr/>
         <p:txBody>
           <a:bodyPr>
-            <a:normAutofit fontScale="85000" lnSpcReduction="10000"/>
+            <a:normAutofit/>
           </a:bodyPr>
           <a:lstStyle/>
           <a:p>
             <a:r>
               <a:rPr lang="en-US" dirty="0" smtClean="0"/>
-              <a:t>Cost </a:t>
-            </a:r>
-            <a:r>
-              <a:rPr lang="en-US" dirty="0" smtClean="0"/>
-              <a:t>hundreds </a:t>
-            </a:r>
-            <a:r>
-              <a:rPr lang="en-US" dirty="0" smtClean="0"/>
-              <a:t>of cycles</a:t>
-            </a:r>
-          </a:p>
-          <a:p>
-            <a:r>
-              <a:rPr lang="en-US" dirty="0" smtClean="0"/>
-              <a:t>Keep your code simple</a:t>
-            </a:r>
-          </a:p>
-          <a:p>
-            <a:r>
-              <a:rPr lang="en-US" dirty="0" smtClean="0"/>
-              <a:t>Instruction read misses are most expensive</a:t>
-            </a:r>
-          </a:p>
-          <a:p>
-            <a:r>
-              <a:rPr lang="en-US" dirty="0" smtClean="0"/>
-              <a:t>Data read miss are less so, but still hurt performance</a:t>
-            </a:r>
-          </a:p>
-          <a:p>
-            <a:r>
-              <a:rPr lang="en-US" dirty="0" smtClean="0"/>
-              <a:t>Write misses </a:t>
-            </a:r>
-            <a:r>
-              <a:rPr lang="en-US" dirty="0" smtClean="0"/>
-              <a:t>are okay unless using Write Through</a:t>
-            </a:r>
-            <a:endParaRPr lang="en-US" dirty="0"/>
-          </a:p>
-          <a:p>
-            <a:r>
-              <a:rPr lang="en-US" dirty="0" smtClean="0"/>
-              <a:t>Miss types:</a:t>
-            </a:r>
-          </a:p>
-          <a:p>
-            <a:pPr lvl="1"/>
-            <a:r>
-              <a:rPr lang="en-US" dirty="0" smtClean="0"/>
-              <a:t>Compulsory</a:t>
-            </a:r>
-          </a:p>
-          <a:p>
-            <a:pPr lvl="1"/>
-            <a:r>
-              <a:rPr lang="en-US" dirty="0" smtClean="0"/>
-              <a:t>Capacity</a:t>
-            </a:r>
-          </a:p>
-          <a:p>
-            <a:pPr lvl="1"/>
-            <a:r>
-              <a:rPr lang="en-US" dirty="0" smtClean="0"/>
-              <a:t>Conflict</a:t>
+              <a:t>Stack allocated data is cheap</a:t>
+            </a:r>
+          </a:p>
+          <a:p>
+            <a:r>
+              <a:rPr lang="en-US" dirty="0" smtClean="0"/>
+              <a:t>Pointer interaction - you have to retrieve data being pointed to, even in registers</a:t>
+            </a:r>
+          </a:p>
+          <a:p>
+            <a:r>
+              <a:rPr lang="en-US" dirty="0" smtClean="0"/>
+              <a:t>Avoid locking and resultant kernel arbitration</a:t>
+            </a:r>
+          </a:p>
+          <a:p>
+            <a:r>
+              <a:rPr lang="en-US" dirty="0" smtClean="0"/>
+              <a:t>CAS is better and </a:t>
+            </a:r>
+            <a:r>
+              <a:rPr lang="en-US" dirty="0" smtClean="0"/>
+              <a:t>occurs</a:t>
+            </a:r>
+            <a:r>
+              <a:rPr lang="en-US" dirty="0" smtClean="0"/>
+              <a:t> </a:t>
+            </a:r>
+            <a:r>
+              <a:rPr lang="en-US" dirty="0" smtClean="0"/>
+              <a:t>on-thread, but algorithms become more complex</a:t>
+            </a:r>
+          </a:p>
+          <a:p>
+            <a:r>
+              <a:rPr lang="en-US" dirty="0" smtClean="0"/>
+              <a:t>Match workload to the size of the last level cache (LLC, L3)</a:t>
             </a:r>
             <a:endParaRPr lang="en-US" dirty="0"/>
           </a:p>
@@ -12403,7 +12558,7 @@
     </p:spTree>
     <p:extLst>
       <p:ext uri="{BB962C8B-B14F-4D97-AF65-F5344CB8AC3E}">
-        <p14:creationId xmlns:p14="http://schemas.microsoft.com/office/powerpoint/2010/main" val="3476601480"/>
+        <p14:creationId xmlns:p14="http://schemas.microsoft.com/office/powerpoint/2010/main" val="2793914848"/>
       </p:ext>
     </p:extLst>
   </p:cSld>
@@ -12447,14 +12602,21 @@
             <p:ph type="title"/>
           </p:nvPr>
         </p:nvSpPr>
-        <p:spPr/>
-        <p:txBody>
-          <a:bodyPr/>
+        <p:spPr>
+          <a:xfrm>
+            <a:off x="355249" y="274638"/>
+            <a:ext cx="8433502" cy="1143000"/>
+          </a:xfrm>
+        </p:spPr>
+        <p:txBody>
+          <a:bodyPr>
+            <a:normAutofit fontScale="90000"/>
+          </a:bodyPr>
           <a:lstStyle/>
           <a:p>
             <a:r>
               <a:rPr lang="en-US" b="1" dirty="0" smtClean="0"/>
-              <a:t>Programming Optimizations</a:t>
+              <a:t>What about Functional Programming?</a:t>
             </a:r>
             <a:endParaRPr lang="en-US" b="1" dirty="0"/>
           </a:p>
@@ -12472,50 +12634,30 @@
         </p:nvSpPr>
         <p:spPr/>
         <p:txBody>
-          <a:bodyPr>
-            <a:normAutofit/>
-          </a:bodyPr>
-          <a:lstStyle/>
-          <a:p>
-            <a:r>
-              <a:rPr lang="en-US" dirty="0" smtClean="0"/>
-              <a:t>Stack allocated data is cheap</a:t>
-            </a:r>
-          </a:p>
-          <a:p>
-            <a:r>
-              <a:rPr lang="en-US" dirty="0" smtClean="0"/>
-              <a:t>Pointer interaction - you have to retrieve data being pointed to, even in registers</a:t>
-            </a:r>
-          </a:p>
-          <a:p>
-            <a:r>
-              <a:rPr lang="en-US" dirty="0" smtClean="0"/>
-              <a:t>Avoid locking and resultant kernel arbitration</a:t>
-            </a:r>
-          </a:p>
-          <a:p>
-            <a:r>
-              <a:rPr lang="en-US" dirty="0" smtClean="0"/>
-              <a:t>CAS is better and </a:t>
-            </a:r>
-            <a:r>
-              <a:rPr lang="en-US" dirty="0" smtClean="0"/>
-              <a:t>occurs</a:t>
-            </a:r>
-            <a:r>
-              <a:rPr lang="en-US" dirty="0" smtClean="0"/>
-              <a:t> </a:t>
-            </a:r>
-            <a:r>
-              <a:rPr lang="en-US" dirty="0" smtClean="0"/>
-              <a:t>on-thread, but algorithms become more complex</a:t>
-            </a:r>
-          </a:p>
-          <a:p>
-            <a:r>
-              <a:rPr lang="en-US" dirty="0" smtClean="0"/>
-              <a:t>Match workload to the size of the last level cache (LLC, L3)</a:t>
+          <a:bodyPr/>
+          <a:lstStyle/>
+          <a:p>
+            <a:r>
+              <a:rPr lang="en-US" dirty="0" smtClean="0"/>
+              <a:t>Have to allocate more and more space for your data structures, leads to eviction</a:t>
+            </a:r>
+          </a:p>
+          <a:p>
+            <a:r>
+              <a:rPr lang="en-US" dirty="0" smtClean="0"/>
+              <a:t>When you cycle back around, you get cache misses</a:t>
+            </a:r>
+          </a:p>
+          <a:p>
+            <a:r>
+              <a:rPr lang="en-US" dirty="0" smtClean="0"/>
+              <a:t>Choose immutability by default, profile to find poor performance</a:t>
+            </a:r>
+          </a:p>
+          <a:p>
+            <a:r>
+              <a:rPr lang="en-US" dirty="0" smtClean="0"/>
+              <a:t>Use mutable data in targeted locations</a:t>
             </a:r>
             <a:endParaRPr lang="en-US" dirty="0"/>
           </a:p>
@@ -12524,7 +12666,7 @@
     </p:spTree>
     <p:extLst>
       <p:ext uri="{BB962C8B-B14F-4D97-AF65-F5344CB8AC3E}">
-        <p14:creationId xmlns:p14="http://schemas.microsoft.com/office/powerpoint/2010/main" val="2793914848"/>
+        <p14:creationId xmlns:p14="http://schemas.microsoft.com/office/powerpoint/2010/main" val="4270959807"/>
       </p:ext>
     </p:extLst>
   </p:cSld>
@@ -12568,21 +12710,14 @@
             <p:ph type="title"/>
           </p:nvPr>
         </p:nvSpPr>
-        <p:spPr>
-          <a:xfrm>
-            <a:off x="355249" y="274638"/>
-            <a:ext cx="8433502" cy="1143000"/>
-          </a:xfrm>
-        </p:spPr>
-        <p:txBody>
-          <a:bodyPr>
-            <a:normAutofit fontScale="90000"/>
-          </a:bodyPr>
-          <a:lstStyle/>
-          <a:p>
-            <a:r>
-              <a:rPr lang="en-US" b="1" dirty="0" smtClean="0"/>
-              <a:t>What about Functional Programming?</a:t>
+        <p:spPr/>
+        <p:txBody>
+          <a:bodyPr/>
+          <a:lstStyle/>
+          <a:p>
+            <a:r>
+              <a:rPr lang="en-US" b="1" dirty="0" err="1" smtClean="0"/>
+              <a:t>Hyperthreading</a:t>
             </a:r>
             <a:endParaRPr lang="en-US" b="1" dirty="0"/>
           </a:p>
@@ -12605,25 +12740,25 @@
           <a:p>
             <a:r>
               <a:rPr lang="en-US" dirty="0" smtClean="0"/>
-              <a:t>Have to allocate more and more space for your data structures, leads to eviction</a:t>
-            </a:r>
-          </a:p>
-          <a:p>
-            <a:r>
-              <a:rPr lang="en-US" dirty="0" smtClean="0"/>
-              <a:t>When you cycle back around, you get cache misses</a:t>
-            </a:r>
-          </a:p>
-          <a:p>
-            <a:r>
-              <a:rPr lang="en-US" dirty="0" smtClean="0"/>
-              <a:t>Choose immutability by default, profile to find poor performance</a:t>
-            </a:r>
-          </a:p>
-          <a:p>
-            <a:r>
-              <a:rPr lang="en-US" dirty="0" smtClean="0"/>
-              <a:t>Use mutable data in targeted locations</a:t>
+              <a:t>Great for I/O-bound applications</a:t>
+            </a:r>
+          </a:p>
+          <a:p>
+            <a:r>
+              <a:rPr lang="en-US" dirty="0" smtClean="0"/>
+              <a:t>If you have lots of cache misses</a:t>
+            </a:r>
+          </a:p>
+          <a:p>
+            <a:r>
+              <a:rPr lang="en-US" dirty="0" smtClean="0"/>
+              <a:t>Doesn't do much for CPU-bound applications</a:t>
+            </a:r>
+          </a:p>
+          <a:p>
+            <a:r>
+              <a:rPr lang="en-US" dirty="0" smtClean="0"/>
+              <a:t>You have half of the cache resources per core</a:t>
             </a:r>
             <a:endParaRPr lang="en-US" dirty="0"/>
           </a:p>
@@ -12632,7 +12767,7 @@
     </p:spTree>
     <p:extLst>
       <p:ext uri="{BB962C8B-B14F-4D97-AF65-F5344CB8AC3E}">
-        <p14:creationId xmlns:p14="http://schemas.microsoft.com/office/powerpoint/2010/main" val="4270959807"/>
+        <p14:creationId xmlns:p14="http://schemas.microsoft.com/office/powerpoint/2010/main" val="3898117812"/>
       </p:ext>
     </p:extLst>
   </p:cSld>
@@ -12682,10 +12817,9 @@
           <a:lstStyle/>
           <a:p>
             <a:r>
-              <a:rPr lang="en-US" b="1" dirty="0" err="1" smtClean="0"/>
-              <a:t>Hyperthreading</a:t>
-            </a:r>
-            <a:endParaRPr lang="en-US" b="1" dirty="0"/>
+              <a:rPr lang="en-US" b="1" dirty="0"/>
+              <a:t>Data Structures</a:t>
+            </a:r>
           </a:p>
         </p:txBody>
       </p:sp>
@@ -12701,31 +12835,92 @@
         </p:nvSpPr>
         <p:spPr/>
         <p:txBody>
-          <a:bodyPr/>
-          <a:lstStyle/>
-          <a:p>
-            <a:r>
-              <a:rPr lang="en-US" dirty="0" smtClean="0"/>
-              <a:t>Great for I/O-bound applications</a:t>
-            </a:r>
-          </a:p>
-          <a:p>
-            <a:r>
-              <a:rPr lang="en-US" dirty="0" smtClean="0"/>
-              <a:t>If you have lots of cache misses</a:t>
-            </a:r>
-          </a:p>
-          <a:p>
-            <a:r>
-              <a:rPr lang="en-US" dirty="0" smtClean="0"/>
-              <a:t>Doesn't do much for CPU-bound applications</a:t>
-            </a:r>
-          </a:p>
-          <a:p>
-            <a:r>
-              <a:rPr lang="en-US" dirty="0" smtClean="0"/>
-              <a:t>You have half of the cache resources per core</a:t>
-            </a:r>
+          <a:bodyPr>
+            <a:normAutofit fontScale="92500" lnSpcReduction="10000"/>
+          </a:bodyPr>
+          <a:lstStyle/>
+          <a:p>
+            <a:r>
+              <a:rPr lang="en-US" b="1" dirty="0" smtClean="0"/>
+              <a:t>BAD</a:t>
+            </a:r>
+            <a:r>
+              <a:rPr lang="en-US" dirty="0"/>
+              <a:t>: Linked list structures and tree structures</a:t>
+            </a:r>
+          </a:p>
+          <a:p>
+            <a:r>
+              <a:rPr lang="en-US" b="1" dirty="0" smtClean="0"/>
+              <a:t>BAD</a:t>
+            </a:r>
+            <a:r>
+              <a:rPr lang="en-US" dirty="0"/>
+              <a:t>: Java's </a:t>
+            </a:r>
+            <a:r>
+              <a:rPr lang="en-US" dirty="0" err="1"/>
+              <a:t>HashMap</a:t>
+            </a:r>
+            <a:r>
+              <a:rPr lang="en-US" dirty="0"/>
+              <a:t> uses chained </a:t>
+            </a:r>
+            <a:r>
+              <a:rPr lang="en-US" dirty="0" smtClean="0"/>
+              <a:t>buckets</a:t>
+            </a:r>
+            <a:endParaRPr lang="en-US" dirty="0"/>
+          </a:p>
+          <a:p>
+            <a:r>
+              <a:rPr lang="en-US" b="1" dirty="0" smtClean="0"/>
+              <a:t>BAD</a:t>
+            </a:r>
+            <a:r>
+              <a:rPr lang="en-US" dirty="0"/>
+              <a:t>: Standard Java collections generate lots of garbage</a:t>
+            </a:r>
+          </a:p>
+          <a:p>
+            <a:r>
+              <a:rPr lang="en-US" b="1" dirty="0" smtClean="0"/>
+              <a:t>GOOD</a:t>
+            </a:r>
+            <a:r>
+              <a:rPr lang="en-US" dirty="0"/>
+              <a:t>: Array-based and contiguous in memory is much faster</a:t>
+            </a:r>
+          </a:p>
+          <a:p>
+            <a:r>
+              <a:rPr lang="en-US" b="1" dirty="0" smtClean="0"/>
+              <a:t>GOOD</a:t>
+            </a:r>
+            <a:r>
+              <a:rPr lang="en-US" dirty="0"/>
+              <a:t>: Write your own that are lock-free and contiguous</a:t>
+            </a:r>
+          </a:p>
+          <a:p>
+            <a:r>
+              <a:rPr lang="en-US" b="1" dirty="0" smtClean="0"/>
+              <a:t>GOOD</a:t>
+            </a:r>
+            <a:r>
+              <a:rPr lang="en-US" dirty="0"/>
+              <a:t>: </a:t>
+            </a:r>
+            <a:r>
+              <a:rPr lang="en-US" dirty="0" err="1"/>
+              <a:t>Fastutil</a:t>
+            </a:r>
+            <a:r>
+              <a:rPr lang="en-US" dirty="0"/>
+              <a:t> library, but note that it's additive</a:t>
+            </a:r>
+          </a:p>
+          <a:p>
             <a:endParaRPr lang="en-US" dirty="0"/>
           </a:p>
         </p:txBody>
@@ -12733,7 +12928,7 @@
     </p:spTree>
     <p:extLst>
       <p:ext uri="{BB962C8B-B14F-4D97-AF65-F5344CB8AC3E}">
-        <p14:creationId xmlns:p14="http://schemas.microsoft.com/office/powerpoint/2010/main" val="3898117812"/>
+        <p14:creationId xmlns:p14="http://schemas.microsoft.com/office/powerpoint/2010/main" val="1545729860"/>
       </p:ext>
     </p:extLst>
   </p:cSld>
@@ -12784,7 +12979,7 @@
           <a:p>
             <a:r>
               <a:rPr lang="en-US" b="1" dirty="0"/>
-              <a:t>Data Structures</a:t>
+              <a:t>Application Memory Wall &amp; GC</a:t>
             </a:r>
           </a:p>
         </p:txBody>
@@ -12801,92 +12996,63 @@
         </p:nvSpPr>
         <p:spPr/>
         <p:txBody>
-          <a:bodyPr>
-            <a:normAutofit fontScale="92500" lnSpcReduction="10000"/>
-          </a:bodyPr>
-          <a:lstStyle/>
-          <a:p>
-            <a:r>
-              <a:rPr lang="en-US" b="1" dirty="0" smtClean="0"/>
-              <a:t>BAD</a:t>
-            </a:r>
+          <a:bodyPr/>
+          <a:lstStyle/>
+          <a:p>
             <a:r>
               <a:rPr lang="en-US" dirty="0"/>
-              <a:t>: Linked list structures and tree structures</a:t>
-            </a:r>
-          </a:p>
-          <a:p>
-            <a:r>
-              <a:rPr lang="en-US" b="1" dirty="0" smtClean="0"/>
-              <a:t>BAD</a:t>
+              <a:t>Tremendous amounts of RAM at low cost</a:t>
+            </a:r>
+          </a:p>
+          <a:p>
+            <a:r>
+              <a:rPr lang="en-US" dirty="0" smtClean="0"/>
+              <a:t>GC </a:t>
             </a:r>
             <a:r>
               <a:rPr lang="en-US" dirty="0"/>
-              <a:t>: Java's </a:t>
+              <a:t>will kill you with compaction</a:t>
+            </a:r>
+          </a:p>
+          <a:p>
+            <a:r>
+              <a:rPr lang="en-US" dirty="0" smtClean="0"/>
+              <a:t>Use </a:t>
             </a:r>
             <a:r>
               <a:rPr lang="en-US" dirty="0" err="1"/>
-              <a:t>HashMap</a:t>
+              <a:t>pauseless</a:t>
             </a:r>
             <a:r>
               <a:rPr lang="en-US" dirty="0"/>
-              <a:t> uses chained </a:t>
-            </a:r>
-            <a:r>
-              <a:rPr lang="en-US" dirty="0" smtClean="0"/>
-              <a:t>buckets</a:t>
-            </a:r>
-            <a:endParaRPr lang="en-US" dirty="0"/>
-          </a:p>
-          <a:p>
-            <a:r>
-              <a:rPr lang="en-US" b="1" dirty="0" smtClean="0"/>
-              <a:t>BAD</a:t>
+              <a:t> GC</a:t>
+            </a:r>
+          </a:p>
+          <a:p>
+            <a:pPr lvl="1"/>
+            <a:r>
+              <a:rPr lang="en-US" dirty="0" smtClean="0"/>
+              <a:t>IBM's </a:t>
             </a:r>
             <a:r>
               <a:rPr lang="en-US" dirty="0"/>
-              <a:t>: Standard Java collections generate lots of garbage</a:t>
-            </a:r>
-          </a:p>
-          <a:p>
-            <a:r>
-              <a:rPr lang="en-US" b="1" dirty="0" smtClean="0"/>
-              <a:t>GOOD</a:t>
+              <a:t>Metronome, very predictable</a:t>
+            </a:r>
+          </a:p>
+          <a:p>
+            <a:pPr lvl="1"/>
+            <a:r>
+              <a:rPr lang="en-US" dirty="0" smtClean="0"/>
+              <a:t>Azul's </a:t>
             </a:r>
             <a:r>
               <a:rPr lang="en-US" dirty="0"/>
-              <a:t>: Array-based and contiguous in memory is much faster</a:t>
-            </a:r>
-          </a:p>
-          <a:p>
-            <a:r>
-              <a:rPr lang="en-US" b="1" dirty="0" smtClean="0"/>
-              <a:t>GOOD</a:t>
-            </a:r>
-            <a:r>
-              <a:rPr lang="en-US" dirty="0"/>
-              <a:t>: Write your own that are lock-free and contiguous</a:t>
-            </a:r>
-          </a:p>
-          <a:p>
-            <a:r>
-              <a:rPr lang="en-US" b="1" dirty="0" smtClean="0"/>
-              <a:t>GOOD</a:t>
-            </a:r>
-            <a:r>
-              <a:rPr lang="en-US" dirty="0"/>
-              <a:t>: </a:t>
+              <a:t>C4, very </a:t>
             </a:r>
             <a:r>
               <a:rPr lang="en-US" dirty="0" err="1"/>
-              <a:t>Fastutil</a:t>
-            </a:r>
-            <a:r>
-              <a:rPr lang="en-US" dirty="0"/>
-              <a:t> library, but note that it's additive</a:t>
-            </a:r>
-          </a:p>
-          <a:p>
+              <a:t>performant</a:t>
+            </a:r>
             <a:endParaRPr lang="en-US" dirty="0"/>
           </a:p>
         </p:txBody>
@@ -12894,7 +13060,7 @@
     </p:spTree>
     <p:extLst>
       <p:ext uri="{BB962C8B-B14F-4D97-AF65-F5344CB8AC3E}">
-        <p14:creationId xmlns:p14="http://schemas.microsoft.com/office/powerpoint/2010/main" val="1545729860"/>
+        <p14:creationId xmlns:p14="http://schemas.microsoft.com/office/powerpoint/2010/main" val="4122736810"/>
       </p:ext>
     </p:extLst>
   </p:cSld>
@@ -12945,7 +13111,7 @@
           <a:p>
             <a:r>
               <a:rPr lang="en-US" b="1" dirty="0"/>
-              <a:t>Application Memory Wall &amp; GC</a:t>
+              <a:t>Using GPUs</a:t>
             </a:r>
           </a:p>
         </p:txBody>
@@ -12966,67 +13132,34 @@
           <a:lstStyle/>
           <a:p>
             <a:r>
+              <a:rPr lang="en-US" dirty="0" smtClean="0"/>
+              <a:t>Remember, l</a:t>
+            </a:r>
+            <a:r>
+              <a:rPr lang="en-US" dirty="0" smtClean="0"/>
+              <a:t>ocality </a:t>
+            </a:r>
+            <a:r>
               <a:rPr lang="en-US" dirty="0"/>
-              <a:t>Tremendous amounts of RAM at low cost</a:t>
-            </a:r>
-          </a:p>
-          <a:p>
-            <a:r>
-              <a:rPr lang="en-US" dirty="0" smtClean="0"/>
-              <a:t>GC </a:t>
+              <a:t>matters!</a:t>
+            </a:r>
+          </a:p>
+          <a:p>
+            <a:r>
+              <a:rPr lang="en-US" dirty="0" smtClean="0"/>
+              <a:t>Need </a:t>
             </a:r>
             <a:r>
               <a:rPr lang="en-US" dirty="0"/>
-              <a:t>will kill you with compaction</a:t>
-            </a:r>
-          </a:p>
-          <a:p>
-            <a:r>
-              <a:rPr lang="en-US" dirty="0" smtClean="0"/>
-              <a:t>Use </a:t>
-            </a:r>
-            <a:r>
-              <a:rPr lang="en-US" dirty="0" err="1"/>
-              <a:t>pauseless</a:t>
-            </a:r>
-            <a:r>
-              <a:rPr lang="en-US" dirty="0"/>
-              <a:t> GC</a:t>
-            </a:r>
-          </a:p>
-          <a:p>
-            <a:pPr lvl="1"/>
-            <a:r>
-              <a:rPr lang="en-US" dirty="0" smtClean="0"/>
-              <a:t>IBM's </a:t>
-            </a:r>
-            <a:r>
-              <a:rPr lang="en-US" dirty="0"/>
-              <a:t>Metronome, very predictable</a:t>
-            </a:r>
-          </a:p>
-          <a:p>
-            <a:pPr lvl="1"/>
-            <a:r>
-              <a:rPr lang="en-US" dirty="0" smtClean="0"/>
-              <a:t>Azul's </a:t>
-            </a:r>
-            <a:r>
-              <a:rPr lang="en-US" dirty="0"/>
-              <a:t>C4, very </a:t>
-            </a:r>
-            <a:r>
-              <a:rPr lang="en-US" dirty="0" err="1"/>
-              <a:t>performant</a:t>
-            </a:r>
-            <a:endParaRPr lang="en-US" dirty="0"/>
+              <a:t>to be able to export a task with data that does not need to update</a:t>
+            </a:r>
           </a:p>
         </p:txBody>
       </p:sp>
     </p:spTree>
     <p:extLst>
       <p:ext uri="{BB962C8B-B14F-4D97-AF65-F5344CB8AC3E}">
-        <p14:creationId xmlns:p14="http://schemas.microsoft.com/office/powerpoint/2010/main" val="4122736810"/>
+        <p14:creationId xmlns:p14="http://schemas.microsoft.com/office/powerpoint/2010/main" val="1298077727"/>
       </p:ext>
     </p:extLst>
   </p:cSld>
@@ -13062,28 +13195,6 @@
       </p:grpSpPr>
       <p:sp>
         <p:nvSpPr>
-          <p:cNvPr id="2" name="Title 1"/>
-          <p:cNvSpPr>
-            <a:spLocks noGrp="1"/>
-          </p:cNvSpPr>
-          <p:nvPr>
-            <p:ph type="title"/>
-          </p:nvPr>
-        </p:nvSpPr>
-        <p:spPr/>
-        <p:txBody>
-          <a:bodyPr/>
-          <a:lstStyle/>
-          <a:p>
-            <a:r>
-              <a:rPr lang="en-US" b="1" dirty="0"/>
-              <a:t>Using GPUs</a:t>
-            </a:r>
-          </a:p>
-        </p:txBody>
-      </p:sp>
-      <p:sp>
-        <p:nvSpPr>
           <p:cNvPr id="3" name="Content Placeholder 2"/>
           <p:cNvSpPr>
             <a:spLocks noGrp="1"/>
@@ -13092,32 +13203,33 @@
             <p:ph idx="1"/>
           </p:nvPr>
         </p:nvSpPr>
-        <p:spPr/>
-        <p:txBody>
-          <a:bodyPr/>
-          <a:lstStyle/>
-          <a:p>
-            <a:r>
-              <a:rPr lang="en-US" dirty="0"/>
-              <a:t>Locality matters!</a:t>
-            </a:r>
-          </a:p>
-          <a:p>
-            <a:r>
-              <a:rPr lang="en-US" dirty="0" smtClean="0"/>
-              <a:t>Need </a:t>
-            </a:r>
-            <a:r>
-              <a:rPr lang="en-US" dirty="0"/>
-              <a:t>to be able to export a task with data that does not need to update</a:t>
-            </a:r>
+        <p:spPr>
+          <a:xfrm>
+            <a:off x="457200" y="1600200"/>
+            <a:ext cx="8229600" cy="1149163"/>
+          </a:xfrm>
+        </p:spPr>
+        <p:txBody>
+          <a:bodyPr>
+            <a:noAutofit/>
+          </a:bodyPr>
+          <a:lstStyle/>
+          <a:p>
+            <a:pPr marL="0" indent="0" algn="ctr">
+              <a:buNone/>
+            </a:pPr>
+            <a:r>
+              <a:rPr lang="en-US" sz="6400" b="1" dirty="0" smtClean="0"/>
+              <a:t>The Future</a:t>
+            </a:r>
+            <a:endParaRPr lang="en-US" sz="6400" b="1" dirty="0"/>
           </a:p>
         </p:txBody>
       </p:sp>
     </p:spTree>
     <p:extLst>
       <p:ext uri="{BB962C8B-B14F-4D97-AF65-F5344CB8AC3E}">
-        <p14:creationId xmlns:p14="http://schemas.microsoft.com/office/powerpoint/2010/main" val="1298077727"/>
+        <p14:creationId xmlns:p14="http://schemas.microsoft.com/office/powerpoint/2010/main" val="2887864717"/>
       </p:ext>
     </p:extLst>
   </p:cSld>
@@ -13274,6 +13386,29 @@
       </p:grpSpPr>
       <p:sp>
         <p:nvSpPr>
+          <p:cNvPr id="2" name="Title 1"/>
+          <p:cNvSpPr>
+            <a:spLocks noGrp="1"/>
+          </p:cNvSpPr>
+          <p:nvPr>
+            <p:ph type="title"/>
+          </p:nvPr>
+        </p:nvSpPr>
+        <p:spPr/>
+        <p:txBody>
+          <a:bodyPr/>
+          <a:lstStyle/>
+          <a:p>
+            <a:r>
+              <a:rPr lang="en-US" b="1" dirty="0" err="1" smtClean="0"/>
+              <a:t>ManyCore</a:t>
+            </a:r>
+            <a:endParaRPr lang="en-US" b="1" dirty="0"/>
+          </a:p>
+        </p:txBody>
+      </p:sp>
+      <p:sp>
+        <p:nvSpPr>
           <p:cNvPr id="3" name="Content Placeholder 2"/>
           <p:cNvSpPr>
             <a:spLocks noGrp="1"/>
@@ -13282,33 +13417,56 @@
             <p:ph idx="1"/>
           </p:nvPr>
         </p:nvSpPr>
-        <p:spPr>
-          <a:xfrm>
-            <a:off x="457200" y="1600200"/>
-            <a:ext cx="8229600" cy="1149163"/>
-          </a:xfrm>
-        </p:spPr>
-        <p:txBody>
-          <a:bodyPr>
-            <a:noAutofit/>
-          </a:bodyPr>
-          <a:lstStyle/>
-          <a:p>
-            <a:pPr marL="0" indent="0" algn="ctr">
-              <a:buNone/>
-            </a:pPr>
-            <a:r>
-              <a:rPr lang="en-US" sz="6400" b="1" dirty="0" smtClean="0"/>
-              <a:t>The Future</a:t>
-            </a:r>
-            <a:endParaRPr lang="en-US" sz="6400" b="1" dirty="0"/>
+        <p:spPr/>
+        <p:txBody>
+          <a:bodyPr/>
+          <a:lstStyle/>
+          <a:p>
+            <a:r>
+              <a:rPr lang="en-US" dirty="0"/>
+              <a:t>David </a:t>
+            </a:r>
+            <a:r>
+              <a:rPr lang="en-US" dirty="0" err="1"/>
+              <a:t>Ungar</a:t>
+            </a:r>
+            <a:r>
+              <a:rPr lang="en-US" dirty="0"/>
+              <a:t> says &gt; 24 cores, generally many 10s of cores</a:t>
+            </a:r>
+          </a:p>
+          <a:p>
+            <a:r>
+              <a:rPr lang="en-US" dirty="0" smtClean="0"/>
+              <a:t>Really gets interesting above 1000 cores</a:t>
+            </a:r>
+          </a:p>
+          <a:p>
+            <a:r>
+              <a:rPr lang="en-US" dirty="0" smtClean="0"/>
+              <a:t>Cache </a:t>
+            </a:r>
+            <a:r>
+              <a:rPr lang="en-US" dirty="0"/>
+              <a:t>coherency won't be possible</a:t>
+            </a:r>
+          </a:p>
+          <a:p>
+            <a:r>
+              <a:rPr lang="en-US" dirty="0" smtClean="0"/>
+              <a:t>Non</a:t>
+            </a:r>
+            <a:r>
+              <a:rPr lang="en-US" dirty="0"/>
+              <a:t>-deterministic</a:t>
+            </a:r>
           </a:p>
         </p:txBody>
       </p:sp>
     </p:spTree>
     <p:extLst>
       <p:ext uri="{BB962C8B-B14F-4D97-AF65-F5344CB8AC3E}">
-        <p14:creationId xmlns:p14="http://schemas.microsoft.com/office/powerpoint/2010/main" val="2887864717"/>
+        <p14:creationId xmlns:p14="http://schemas.microsoft.com/office/powerpoint/2010/main" val="784121140"/>
       </p:ext>
     </p:extLst>
   </p:cSld>
@@ -13358,8 +13516,8 @@
           <a:lstStyle/>
           <a:p>
             <a:r>
-              <a:rPr lang="en-US" b="1" dirty="0" err="1" smtClean="0"/>
-              <a:t>ManyCore</a:t>
+              <a:rPr lang="en-US" b="1" dirty="0" err="1"/>
+              <a:t>Memristor</a:t>
             </a:r>
             <a:endParaRPr lang="en-US" b="1" dirty="0"/>
           </a:p>
@@ -13382,45 +13540,56 @@
           <a:p>
             <a:r>
               <a:rPr lang="en-US" dirty="0"/>
-              <a:t>David </a:t>
-            </a:r>
-            <a:r>
-              <a:rPr lang="en-US" dirty="0" err="1"/>
-              <a:t>Ungar</a:t>
+              <a:t>Non-volatile, static RAM, same write endurance as Flash</a:t>
+            </a:r>
+          </a:p>
+          <a:p>
+            <a:r>
+              <a:rPr lang="en-US" dirty="0" smtClean="0"/>
+              <a:t>200</a:t>
             </a:r>
             <a:r>
               <a:rPr lang="en-US" dirty="0"/>
-              <a:t> says &gt; 24 cores, generally many 10s of cores</a:t>
-            </a:r>
-          </a:p>
-          <a:p>
-            <a:r>
-              <a:rPr lang="en-US" dirty="0" smtClean="0"/>
-              <a:t>Really </a:t>
+              <a:t>-300 MB on chip</a:t>
+            </a:r>
+          </a:p>
+          <a:p>
+            <a:r>
+              <a:rPr lang="en-US" dirty="0" smtClean="0"/>
+              <a:t>Sub</a:t>
             </a:r>
             <a:r>
               <a:rPr lang="en-US" dirty="0"/>
-              <a:t>trying to think about it with 1000 or more</a:t>
-            </a:r>
-          </a:p>
-          <a:p>
-            <a:r>
-              <a:rPr lang="en-US" dirty="0" smtClean="0"/>
-              <a:t>Cache </a:t>
+              <a:t>-nanosecond writes</a:t>
+            </a:r>
+          </a:p>
+          <a:p>
+            <a:r>
+              <a:rPr lang="en-US" dirty="0" smtClean="0"/>
+              <a:t>Able </a:t>
             </a:r>
             <a:r>
               <a:rPr lang="en-US" dirty="0"/>
-              <a:t>coherency won't be possible</a:t>
-            </a:r>
-          </a:p>
-          <a:p>
-            <a:r>
-              <a:rPr lang="en-US" dirty="0" smtClean="0"/>
-              <a:t>Non</a:t>
+              <a:t>to perform </a:t>
+            </a:r>
+            <a:r>
+              <a:rPr lang="en-US" dirty="0" smtClean="0"/>
+              <a:t>processing?</a:t>
+            </a:r>
+            <a:endParaRPr lang="en-US" dirty="0"/>
+          </a:p>
+          <a:p>
+            <a:r>
+              <a:rPr lang="en-US" dirty="0" smtClean="0"/>
+              <a:t>Multistate</a:t>
             </a:r>
             <a:r>
               <a:rPr lang="en-US" dirty="0"/>
-              <a:t>-deterministic</a:t>
+              <a:t>, not </a:t>
+            </a:r>
+            <a:r>
+              <a:rPr lang="en-US" dirty="0" smtClean="0"/>
+              <a:t>binary</a:t>
             </a:r>
           </a:p>
         </p:txBody>
@@ -13428,7 +13597,7 @@
     </p:spTree>
     <p:extLst>
       <p:ext uri="{BB962C8B-B14F-4D97-AF65-F5344CB8AC3E}">
-        <p14:creationId xmlns:p14="http://schemas.microsoft.com/office/powerpoint/2010/main" val="784121140"/>
+        <p14:creationId xmlns:p14="http://schemas.microsoft.com/office/powerpoint/2010/main" val="3430107044"/>
       </p:ext>
     </p:extLst>
   </p:cSld>
@@ -13478,10 +13647,9 @@
           <a:lstStyle/>
           <a:p>
             <a:r>
-              <a:rPr lang="en-US" b="1" dirty="0" err="1"/>
-              <a:t>Memristor</a:t>
-            </a:r>
-            <a:endParaRPr lang="en-US" b="1" dirty="0"/>
+              <a:rPr lang="en-US" b="1" dirty="0"/>
+              <a:t>Phase Change Memory (PRAM)</a:t>
+            </a:r>
           </a:p>
         </p:txBody>
       </p:sp>
@@ -13502,71 +13670,63 @@
           <a:p>
             <a:r>
               <a:rPr lang="en-US" dirty="0"/>
-              <a:t>Non-volatile, static RAM, same write endurance as Flash</a:t>
-            </a:r>
-          </a:p>
-          <a:p>
-            <a:r>
-              <a:rPr lang="en-US" dirty="0" smtClean="0"/>
-              <a:t>200</a:t>
+              <a:t>Higher performance than today's DRAM</a:t>
+            </a:r>
+          </a:p>
+          <a:p>
+            <a:r>
+              <a:rPr lang="en-US" dirty="0" smtClean="0"/>
+              <a:t>Intel </a:t>
             </a:r>
             <a:r>
               <a:rPr lang="en-US" dirty="0"/>
-              <a:t>-300 MB on chip</a:t>
-            </a:r>
-          </a:p>
-          <a:p>
-            <a:r>
-              <a:rPr lang="en-US" dirty="0" smtClean="0"/>
-              <a:t>Sub</a:t>
+              <a:t>seems more fascinated by this, just released its "</a:t>
+            </a:r>
+            <a:r>
+              <a:rPr lang="en-US" dirty="0" err="1"/>
+              <a:t>neuromorphic</a:t>
             </a:r>
             <a:r>
               <a:rPr lang="en-US" dirty="0"/>
-              <a:t>-nanosecond writes</a:t>
-            </a:r>
-          </a:p>
-          <a:p>
-            <a:r>
-              <a:rPr lang="en-US" dirty="0" smtClean="0"/>
-              <a:t>Able </a:t>
+              <a:t>" chip design</a:t>
+            </a:r>
+          </a:p>
+          <a:p>
+            <a:r>
+              <a:rPr lang="en-US" dirty="0" smtClean="0"/>
+              <a:t>Not </a:t>
             </a:r>
             <a:r>
               <a:rPr lang="en-US" dirty="0"/>
-              <a:t>to perform </a:t>
-            </a:r>
-            <a:r>
-              <a:rPr lang="en-US" dirty="0" smtClean="0"/>
-              <a:t>processing?</a:t>
-            </a:r>
-            <a:endParaRPr lang="en-US" dirty="0"/>
-          </a:p>
-          <a:p>
-            <a:r>
-              <a:rPr lang="en-US" dirty="0" smtClean="0"/>
-              <a:t>Multistate</a:t>
+              <a:t>able to perform processing</a:t>
+            </a:r>
+          </a:p>
+          <a:p>
+            <a:r>
+              <a:rPr lang="en-US" dirty="0" smtClean="0"/>
+              <a:t>Write </a:t>
             </a:r>
             <a:r>
               <a:rPr lang="en-US" dirty="0"/>
-              <a:t>, not </a:t>
-            </a:r>
-            <a:r>
-              <a:rPr lang="en-US" dirty="0" smtClean="0"/>
-              <a:t>binary</a:t>
-            </a:r>
-          </a:p>
-          <a:p>
-            <a:r>
-              <a:rPr lang="en-US" dirty="0" smtClean="0"/>
-              <a:t>Write endurance could be problematic</a:t>
-            </a:r>
-            <a:endParaRPr lang="en-US" dirty="0"/>
+              <a:t>degradation is supposedly much slower</a:t>
+            </a:r>
+          </a:p>
+          <a:p>
+            <a:r>
+              <a:rPr lang="en-US" dirty="0" smtClean="0"/>
+              <a:t>Was </a:t>
+            </a:r>
+            <a:r>
+              <a:rPr lang="en-US" dirty="0"/>
+              <a:t>considered susceptible to unintentional change, maybe fixed?</a:t>
+            </a:r>
           </a:p>
         </p:txBody>
       </p:sp>
     </p:spTree>
     <p:extLst>
       <p:ext uri="{BB962C8B-B14F-4D97-AF65-F5344CB8AC3E}">
-        <p14:creationId xmlns:p14="http://schemas.microsoft.com/office/powerpoint/2010/main" val="3430107044"/>
+        <p14:creationId xmlns:p14="http://schemas.microsoft.com/office/powerpoint/2010/main" val="3461014662"/>
       </p:ext>
     </p:extLst>
   </p:cSld>
@@ -13602,28 +13762,6 @@
       </p:grpSpPr>
       <p:sp>
         <p:nvSpPr>
-          <p:cNvPr id="2" name="Title 1"/>
-          <p:cNvSpPr>
-            <a:spLocks noGrp="1"/>
-          </p:cNvSpPr>
-          <p:nvPr>
-            <p:ph type="title"/>
-          </p:nvPr>
-        </p:nvSpPr>
-        <p:spPr/>
-        <p:txBody>
-          <a:bodyPr/>
-          <a:lstStyle/>
-          <a:p>
-            <a:r>
-              <a:rPr lang="en-US" b="1" dirty="0"/>
-              <a:t>Phase Change Memory (PRAM)</a:t>
-            </a:r>
-          </a:p>
-        </p:txBody>
-      </p:sp>
-      <p:sp>
-        <p:nvSpPr>
           <p:cNvPr id="3" name="Content Placeholder 2"/>
           <p:cNvSpPr>
             <a:spLocks noGrp="1"/>
@@ -13632,70 +13770,33 @@
             <p:ph idx="1"/>
           </p:nvPr>
         </p:nvSpPr>
-        <p:spPr/>
-        <p:txBody>
-          <a:bodyPr/>
-          <a:lstStyle/>
-          <a:p>
-            <a:r>
-              <a:rPr lang="en-US" dirty="0"/>
-              <a:t>Higher performance than today's DRAM</a:t>
-            </a:r>
-          </a:p>
-          <a:p>
-            <a:r>
-              <a:rPr lang="en-US" dirty="0" smtClean="0"/>
-              <a:t>Intel </a:t>
-            </a:r>
-            <a:r>
-              <a:rPr lang="en-US" dirty="0"/>
-              <a:t>seems more fascinated by this, just released its "</a:t>
-            </a:r>
-            <a:r>
-              <a:rPr lang="en-US" dirty="0" err="1"/>
-              <a:t>neuromorphic</a:t>
-            </a:r>
-            <a:r>
-              <a:rPr lang="en-US" dirty="0"/>
-              <a:t>" chip design</a:t>
-            </a:r>
-          </a:p>
-          <a:p>
-            <a:r>
-              <a:rPr lang="en-US" dirty="0" smtClean="0"/>
-              <a:t>Not </a:t>
-            </a:r>
-            <a:r>
-              <a:rPr lang="en-US" dirty="0"/>
-              <a:t>able to perform processing</a:t>
-            </a:r>
-          </a:p>
-          <a:p>
-            <a:r>
-              <a:rPr lang="en-US" dirty="0" smtClean="0"/>
-              <a:t>Write </a:t>
-            </a:r>
-            <a:r>
-              <a:rPr lang="en-US" dirty="0"/>
-              <a:t>degradation is supposedly much slower</a:t>
-            </a:r>
-          </a:p>
-          <a:p>
-            <a:r>
-              <a:rPr lang="en-US" dirty="0" smtClean="0"/>
-              <a:t>Was </a:t>
-            </a:r>
-            <a:r>
-              <a:rPr lang="en-US" dirty="0"/>
-              <a:t>considered susceptible to unintentional change, maybe fixed?</a:t>
-            </a:r>
+        <p:spPr>
+          <a:xfrm>
+            <a:off x="457200" y="1600200"/>
+            <a:ext cx="8229600" cy="1149163"/>
+          </a:xfrm>
+        </p:spPr>
+        <p:txBody>
+          <a:bodyPr>
+            <a:noAutofit/>
+          </a:bodyPr>
+          <a:lstStyle/>
+          <a:p>
+            <a:pPr marL="0" indent="0" algn="ctr">
+              <a:buNone/>
+            </a:pPr>
+            <a:r>
+              <a:rPr lang="en-US" sz="6400" b="1" dirty="0" smtClean="0"/>
+              <a:t>Thanks!</a:t>
+            </a:r>
+            <a:endParaRPr lang="en-US" sz="6400" b="1" dirty="0"/>
           </a:p>
         </p:txBody>
       </p:sp>
     </p:spTree>
     <p:extLst>
       <p:ext uri="{BB962C8B-B14F-4D97-AF65-F5344CB8AC3E}">
-        <p14:creationId xmlns:p14="http://schemas.microsoft.com/office/powerpoint/2010/main" val="3461014662"/>
+        <p14:creationId xmlns:p14="http://schemas.microsoft.com/office/powerpoint/2010/main" val="1022365850"/>
       </p:ext>
     </p:extLst>
   </p:cSld>

--- a/cpu_caches.pptx
+++ b/cpu_caches.pptx
@@ -5779,11 +5779,7 @@
             </a:r>
             <a:r>
               <a:rPr lang="en-US" baseline="0" dirty="0" smtClean="0"/>
-              <a:t> skewed does as well, but uses a hash to place the second cache line in the group, only up to 2-way that </a:t>
-            </a:r>
-            <a:r>
-              <a:rPr lang="en-US" baseline="0" smtClean="0"/>
-              <a:t>I know of</a:t>
+              <a:t> skewed does as well, but uses a hash to place the second cache line in the group, only up to 2-way that I know of</a:t>
             </a:r>
             <a:endParaRPr lang="en-US" dirty="0" smtClean="0"/>
           </a:p>
@@ -8403,7 +8399,7 @@
       <p:bgPr>
         <a:blipFill dpi="0" rotWithShape="1">
           <a:blip r:embed="rId13">
-            <a:alphaModFix amt="35000"/>
+            <a:alphaModFix amt="20000"/>
           </a:blip>
           <a:srcRect/>
           <a:stretch>
